--- a/Oferta economica.pptx
+++ b/Oferta economica.pptx
@@ -1,47 +1,47 @@
 
 <file path=ppt/presentation.xml><?xml version="1.0" encoding="utf-8"?>
-<p:presentation xmlns:a="http://schemas.openxmlformats.org/drawingml/2006/main" xmlns:r="http://schemas.openxmlformats.org/officeDocument/2006/relationships" xmlns:mc="http://schemas.openxmlformats.org/markup-compatibility/2006" xmlns:mv="urn:schemas-microsoft-com:mac:vml" xmlns:p="http://schemas.openxmlformats.org/presentationml/2006/main" xmlns:c="http://schemas.openxmlformats.org/drawingml/2006/chart" xmlns:dgm="http://schemas.openxmlformats.org/drawingml/2006/diagram" xmlns:o="urn:schemas-microsoft-com:office:office" xmlns:v="urn:schemas-microsoft-com:vml" xmlns:pvml="urn:schemas-microsoft-com:office:powerpoint" xmlns:com="http://schemas.openxmlformats.org/drawingml/2006/compatibility" xmlns:p14="http://schemas.microsoft.com/office/powerpoint/2010/main" xmlns:p15="http://schemas.microsoft.com/office/powerpoint/2012/main" autoCompressPictures="0" embedTrueTypeFonts="1" strictFirstAndLastChars="0" saveSubsetFonts="1">
+<p:presentation xmlns:a="http://schemas.openxmlformats.org/drawingml/2006/main" xmlns:r="http://schemas.openxmlformats.org/officeDocument/2006/relationships" xmlns:p="http://schemas.openxmlformats.org/presentationml/2006/main" strictFirstAndLastChars="0" embedTrueTypeFonts="1" saveSubsetFonts="1" autoCompressPictures="0">
   <p:sldMasterIdLst>
-    <p:sldMasterId id="2147483659" r:id="rId4"/>
+    <p:sldMasterId id="2147483659" r:id="rId1"/>
   </p:sldMasterIdLst>
   <p:notesMasterIdLst>
-    <p:notesMasterId r:id="rId5"/>
+    <p:notesMasterId r:id="rId8"/>
   </p:notesMasterIdLst>
   <p:sldIdLst>
-    <p:sldId id="256" r:id="rId6"/>
-    <p:sldId id="257" r:id="rId7"/>
-    <p:sldId id="258" r:id="rId8"/>
-    <p:sldId id="259" r:id="rId9"/>
-    <p:sldId id="260" r:id="rId10"/>
-    <p:sldId id="261" r:id="rId11"/>
+    <p:sldId id="256" r:id="rId2"/>
+    <p:sldId id="257" r:id="rId3"/>
+    <p:sldId id="258" r:id="rId4"/>
+    <p:sldId id="259" r:id="rId5"/>
+    <p:sldId id="260" r:id="rId6"/>
+    <p:sldId id="261" r:id="rId7"/>
   </p:sldIdLst>
-  <p:sldSz cy="5143500" cx="9144000"/>
+  <p:sldSz cx="9144000" cy="5143500" type="screen16x9"/>
   <p:notesSz cx="6858000" cy="9144000"/>
   <p:embeddedFontLst>
     <p:embeddedFont>
-      <p:font typeface="Proxima Nova"/>
-      <p:regular r:id="rId12"/>
-      <p:bold r:id="rId13"/>
-      <p:italic r:id="rId14"/>
-      <p:boldItalic r:id="rId15"/>
+      <p:font typeface="EB Garamond" panose="020B0604020202020204" charset="0"/>
+      <p:regular r:id="rId9"/>
+      <p:bold r:id="rId10"/>
+      <p:italic r:id="rId11"/>
+      <p:boldItalic r:id="rId12"/>
     </p:embeddedFont>
     <p:embeddedFont>
-      <p:font typeface="EB Garamond"/>
-      <p:regular r:id="rId16"/>
-      <p:bold r:id="rId17"/>
-      <p:italic r:id="rId18"/>
-      <p:boldItalic r:id="rId19"/>
+      <p:font typeface="EB Garamond Regular" panose="020B0604020202020204" charset="0"/>
+      <p:regular r:id="rId13"/>
+      <p:bold r:id="rId14"/>
+      <p:italic r:id="rId15"/>
+      <p:boldItalic r:id="rId16"/>
     </p:embeddedFont>
     <p:embeddedFont>
-      <p:font typeface="EB Garamond Regular"/>
-      <p:regular r:id="rId20"/>
-      <p:bold r:id="rId21"/>
-      <p:italic r:id="rId22"/>
-      <p:boldItalic r:id="rId23"/>
+      <p:font typeface="Proxima Nova" panose="020B0604020202020204" charset="0"/>
+      <p:regular r:id="rId17"/>
+      <p:bold r:id="rId18"/>
+      <p:italic r:id="rId19"/>
+      <p:boldItalic r:id="rId20"/>
     </p:embeddedFont>
   </p:embeddedFontLst>
   <p:defaultTextStyle>
-    <a:defPPr lvl="0" marR="0" rtl="0" algn="l">
+    <a:defPPr marR="0" lvl="0" algn="l" rtl="0">
       <a:lnSpc>
         <a:spcPct val="100000"/>
       </a:lnSpc>
@@ -52,7 +52,7 @@
         <a:spcPts val="0"/>
       </a:spcAft>
     </a:defPPr>
-    <a:lvl1pPr lvl="0" marR="0" rtl="0" algn="l">
+    <a:lvl1pPr marR="0" lvl="0" algn="l" rtl="0">
       <a:lnSpc>
         <a:spcPct val="100000"/>
       </a:lnSpc>
@@ -66,7 +66,7 @@
         <a:srgbClr val="000000"/>
       </a:buClr>
       <a:buFont typeface="Arial"/>
-      <a:defRPr b="0" i="0" sz="1400" u="none" cap="none" strike="noStrike">
+      <a:defRPr sz="1400" b="0" i="0" u="none" strike="noStrike" cap="none">
         <a:solidFill>
           <a:srgbClr val="000000"/>
         </a:solidFill>
@@ -76,7 +76,7 @@
         <a:sym typeface="Arial"/>
       </a:defRPr>
     </a:lvl1pPr>
-    <a:lvl2pPr lvl="1" marR="0" rtl="0" algn="l">
+    <a:lvl2pPr marR="0" lvl="1" algn="l" rtl="0">
       <a:lnSpc>
         <a:spcPct val="100000"/>
       </a:lnSpc>
@@ -90,7 +90,7 @@
         <a:srgbClr val="000000"/>
       </a:buClr>
       <a:buFont typeface="Arial"/>
-      <a:defRPr b="0" i="0" sz="1400" u="none" cap="none" strike="noStrike">
+      <a:defRPr sz="1400" b="0" i="0" u="none" strike="noStrike" cap="none">
         <a:solidFill>
           <a:srgbClr val="000000"/>
         </a:solidFill>
@@ -100,7 +100,7 @@
         <a:sym typeface="Arial"/>
       </a:defRPr>
     </a:lvl2pPr>
-    <a:lvl3pPr lvl="2" marR="0" rtl="0" algn="l">
+    <a:lvl3pPr marR="0" lvl="2" algn="l" rtl="0">
       <a:lnSpc>
         <a:spcPct val="100000"/>
       </a:lnSpc>
@@ -114,7 +114,7 @@
         <a:srgbClr val="000000"/>
       </a:buClr>
       <a:buFont typeface="Arial"/>
-      <a:defRPr b="0" i="0" sz="1400" u="none" cap="none" strike="noStrike">
+      <a:defRPr sz="1400" b="0" i="0" u="none" strike="noStrike" cap="none">
         <a:solidFill>
           <a:srgbClr val="000000"/>
         </a:solidFill>
@@ -124,7 +124,7 @@
         <a:sym typeface="Arial"/>
       </a:defRPr>
     </a:lvl3pPr>
-    <a:lvl4pPr lvl="3" marR="0" rtl="0" algn="l">
+    <a:lvl4pPr marR="0" lvl="3" algn="l" rtl="0">
       <a:lnSpc>
         <a:spcPct val="100000"/>
       </a:lnSpc>
@@ -138,7 +138,7 @@
         <a:srgbClr val="000000"/>
       </a:buClr>
       <a:buFont typeface="Arial"/>
-      <a:defRPr b="0" i="0" sz="1400" u="none" cap="none" strike="noStrike">
+      <a:defRPr sz="1400" b="0" i="0" u="none" strike="noStrike" cap="none">
         <a:solidFill>
           <a:srgbClr val="000000"/>
         </a:solidFill>
@@ -148,7 +148,7 @@
         <a:sym typeface="Arial"/>
       </a:defRPr>
     </a:lvl4pPr>
-    <a:lvl5pPr lvl="4" marR="0" rtl="0" algn="l">
+    <a:lvl5pPr marR="0" lvl="4" algn="l" rtl="0">
       <a:lnSpc>
         <a:spcPct val="100000"/>
       </a:lnSpc>
@@ -162,7 +162,7 @@
         <a:srgbClr val="000000"/>
       </a:buClr>
       <a:buFont typeface="Arial"/>
-      <a:defRPr b="0" i="0" sz="1400" u="none" cap="none" strike="noStrike">
+      <a:defRPr sz="1400" b="0" i="0" u="none" strike="noStrike" cap="none">
         <a:solidFill>
           <a:srgbClr val="000000"/>
         </a:solidFill>
@@ -172,7 +172,7 @@
         <a:sym typeface="Arial"/>
       </a:defRPr>
     </a:lvl5pPr>
-    <a:lvl6pPr lvl="5" marR="0" rtl="0" algn="l">
+    <a:lvl6pPr marR="0" lvl="5" algn="l" rtl="0">
       <a:lnSpc>
         <a:spcPct val="100000"/>
       </a:lnSpc>
@@ -186,7 +186,7 @@
         <a:srgbClr val="000000"/>
       </a:buClr>
       <a:buFont typeface="Arial"/>
-      <a:defRPr b="0" i="0" sz="1400" u="none" cap="none" strike="noStrike">
+      <a:defRPr sz="1400" b="0" i="0" u="none" strike="noStrike" cap="none">
         <a:solidFill>
           <a:srgbClr val="000000"/>
         </a:solidFill>
@@ -196,7 +196,7 @@
         <a:sym typeface="Arial"/>
       </a:defRPr>
     </a:lvl6pPr>
-    <a:lvl7pPr lvl="6" marR="0" rtl="0" algn="l">
+    <a:lvl7pPr marR="0" lvl="6" algn="l" rtl="0">
       <a:lnSpc>
         <a:spcPct val="100000"/>
       </a:lnSpc>
@@ -210,7 +210,7 @@
         <a:srgbClr val="000000"/>
       </a:buClr>
       <a:buFont typeface="Arial"/>
-      <a:defRPr b="0" i="0" sz="1400" u="none" cap="none" strike="noStrike">
+      <a:defRPr sz="1400" b="0" i="0" u="none" strike="noStrike" cap="none">
         <a:solidFill>
           <a:srgbClr val="000000"/>
         </a:solidFill>
@@ -220,7 +220,7 @@
         <a:sym typeface="Arial"/>
       </a:defRPr>
     </a:lvl7pPr>
-    <a:lvl8pPr lvl="7" marR="0" rtl="0" algn="l">
+    <a:lvl8pPr marR="0" lvl="7" algn="l" rtl="0">
       <a:lnSpc>
         <a:spcPct val="100000"/>
       </a:lnSpc>
@@ -234,7 +234,7 @@
         <a:srgbClr val="000000"/>
       </a:buClr>
       <a:buFont typeface="Arial"/>
-      <a:defRPr b="0" i="0" sz="1400" u="none" cap="none" strike="noStrike">
+      <a:defRPr sz="1400" b="0" i="0" u="none" strike="noStrike" cap="none">
         <a:solidFill>
           <a:srgbClr val="000000"/>
         </a:solidFill>
@@ -244,7 +244,7 @@
         <a:sym typeface="Arial"/>
       </a:defRPr>
     </a:lvl8pPr>
-    <a:lvl9pPr lvl="8" marR="0" rtl="0" algn="l">
+    <a:lvl9pPr marR="0" lvl="8" algn="l" rtl="0">
       <a:lnSpc>
         <a:spcPct val="100000"/>
       </a:lnSpc>
@@ -258,7 +258,7 @@
         <a:srgbClr val="000000"/>
       </a:buClr>
       <a:buFont typeface="Arial"/>
-      <a:defRPr b="0" i="0" sz="1400" u="none" cap="none" strike="noStrike">
+      <a:defRPr sz="1400" b="0" i="0" u="none" strike="noStrike" cap="none">
         <a:solidFill>
           <a:srgbClr val="000000"/>
         </a:solidFill>
@@ -271,7 +271,7 @@
   </p:defaultTextStyle>
   <p:extLst>
     <p:ext uri="{EFAFB233-063F-42B5-8137-9DF3F51BA10A}">
-      <p15:sldGuideLst>
+      <p15:sldGuideLst xmlns:p15="http://schemas.microsoft.com/office/powerpoint/2012/main">
         <p15:guide id="1" orient="horz" pos="1620">
           <p15:clr>
             <a:srgbClr val="A4A3A4"/>
@@ -289,11 +289,16 @@
 </file>
 
 <file path=ppt/notesMasters/notesMaster1.xml><?xml version="1.0" encoding="utf-8"?>
-<p:notesMaster xmlns:a="http://schemas.openxmlformats.org/drawingml/2006/main" xmlns:r="http://schemas.openxmlformats.org/officeDocument/2006/relationships" xmlns:mc="http://schemas.openxmlformats.org/markup-compatibility/2006" xmlns:mv="urn:schemas-microsoft-com:mac:vml" xmlns:p="http://schemas.openxmlformats.org/presentationml/2006/main" xmlns:c="http://schemas.openxmlformats.org/drawingml/2006/chart" xmlns:dgm="http://schemas.openxmlformats.org/drawingml/2006/diagram" xmlns:o="urn:schemas-microsoft-com:office:office" xmlns:v="urn:schemas-microsoft-com:vml" xmlns:pvml="urn:schemas-microsoft-com:office:powerpoint" xmlns:com="http://schemas.openxmlformats.org/drawingml/2006/compatibility" xmlns:p14="http://schemas.microsoft.com/office/powerpoint/2010/main" xmlns:p15="http://schemas.microsoft.com/office/powerpoint/2012/main">
+<p:notesMaster xmlns:a="http://schemas.openxmlformats.org/drawingml/2006/main" xmlns:r="http://schemas.openxmlformats.org/officeDocument/2006/relationships" xmlns:p="http://schemas.openxmlformats.org/presentationml/2006/main">
   <p:cSld>
+    <p:bg>
+      <p:bgRef idx="1001">
+        <a:schemeClr val="bg1"/>
+      </p:bgRef>
+    </p:bg>
     <p:spTree>
       <p:nvGrpSpPr>
-        <p:cNvPr id="2" name="Shape 2"/>
+        <p:cNvPr id="1" name="Shape 2"/>
         <p:cNvGrpSpPr/>
         <p:nvPr/>
       </p:nvGrpSpPr>
@@ -308,9 +313,11 @@
       <p:sp>
         <p:nvSpPr>
           <p:cNvPr id="3" name="Google Shape;3;n"/>
-          <p:cNvSpPr/>
+          <p:cNvSpPr>
+            <a:spLocks noGrp="1" noRot="1" noChangeAspect="1"/>
+          </p:cNvSpPr>
           <p:nvPr>
-            <p:ph idx="2" type="sldImg"/>
+            <p:ph type="sldImg" idx="2"/>
           </p:nvPr>
         </p:nvSpPr>
         <p:spPr>
@@ -319,9 +326,13 @@
             <a:ext cx="6096075" cy="3429000"/>
           </a:xfrm>
           <a:custGeom>
-            <a:rect b="b" l="l" r="r" t="t"/>
+            <a:avLst/>
+            <a:gdLst/>
+            <a:ahLst/>
+            <a:cxnLst/>
+            <a:rect l="l" t="t" r="r" b="b"/>
             <a:pathLst>
-              <a:path extrusionOk="0" h="120000" w="120000">
+              <a:path w="120000" h="120000" extrusionOk="0">
                 <a:moveTo>
                   <a:pt x="0" y="0"/>
                 </a:moveTo>
@@ -339,23 +350,25 @@
             </a:pathLst>
           </a:custGeom>
           <a:noFill/>
-          <a:ln cap="flat" cmpd="sng" w="9525">
+          <a:ln w="9525" cap="flat" cmpd="sng">
             <a:solidFill>
               <a:srgbClr val="000000"/>
             </a:solidFill>
             <a:prstDash val="solid"/>
             <a:round/>
-            <a:headEnd len="sm" w="sm" type="none"/>
-            <a:tailEnd len="sm" w="sm" type="none"/>
+            <a:headEnd type="none" w="sm" len="sm"/>
+            <a:tailEnd type="none" w="sm" len="sm"/>
           </a:ln>
         </p:spPr>
       </p:sp>
       <p:sp>
         <p:nvSpPr>
           <p:cNvPr id="4" name="Google Shape;4;n"/>
-          <p:cNvSpPr txBox="1"/>
+          <p:cNvSpPr txBox="1">
+            <a:spLocks noGrp="1"/>
+          </p:cNvSpPr>
           <p:nvPr>
-            <p:ph idx="1" type="body"/>
+            <p:ph type="body" idx="1"/>
           </p:nvPr>
         </p:nvSpPr>
         <p:spPr>
@@ -372,11 +385,11 @@
           </a:ln>
         </p:spPr>
         <p:txBody>
-          <a:bodyPr anchorCtr="0" anchor="t" bIns="91425" lIns="91425" spcFirstLastPara="1" rIns="91425" wrap="square" tIns="91425">
+          <a:bodyPr spcFirstLastPara="1" wrap="square" lIns="91425" tIns="91425" rIns="91425" bIns="91425" anchor="t" anchorCtr="0">
             <a:noAutofit/>
           </a:bodyPr>
           <a:lstStyle>
-            <a:lvl1pPr indent="-298450" lvl="0" marL="457200">
+            <a:lvl1pPr marL="457200" lvl="0" indent="-298450">
               <a:spcBef>
                 <a:spcPts val="0"/>
               </a:spcBef>
@@ -387,7 +400,7 @@
               <a:buChar char="●"/>
               <a:defRPr sz="1100"/>
             </a:lvl1pPr>
-            <a:lvl2pPr indent="-298450" lvl="1" marL="914400">
+            <a:lvl2pPr marL="914400" lvl="1" indent="-298450">
               <a:spcBef>
                 <a:spcPts val="0"/>
               </a:spcBef>
@@ -398,7 +411,7 @@
               <a:buChar char="○"/>
               <a:defRPr sz="1100"/>
             </a:lvl2pPr>
-            <a:lvl3pPr indent="-298450" lvl="2" marL="1371600">
+            <a:lvl3pPr marL="1371600" lvl="2" indent="-298450">
               <a:spcBef>
                 <a:spcPts val="0"/>
               </a:spcBef>
@@ -409,7 +422,7 @@
               <a:buChar char="■"/>
               <a:defRPr sz="1100"/>
             </a:lvl3pPr>
-            <a:lvl4pPr indent="-298450" lvl="3" marL="1828800">
+            <a:lvl4pPr marL="1828800" lvl="3" indent="-298450">
               <a:spcBef>
                 <a:spcPts val="0"/>
               </a:spcBef>
@@ -420,7 +433,7 @@
               <a:buChar char="●"/>
               <a:defRPr sz="1100"/>
             </a:lvl4pPr>
-            <a:lvl5pPr indent="-298450" lvl="4" marL="2286000">
+            <a:lvl5pPr marL="2286000" lvl="4" indent="-298450">
               <a:spcBef>
                 <a:spcPts val="0"/>
               </a:spcBef>
@@ -431,7 +444,7 @@
               <a:buChar char="○"/>
               <a:defRPr sz="1100"/>
             </a:lvl5pPr>
-            <a:lvl6pPr indent="-298450" lvl="5" marL="2743200">
+            <a:lvl6pPr marL="2743200" lvl="5" indent="-298450">
               <a:spcBef>
                 <a:spcPts val="0"/>
               </a:spcBef>
@@ -442,7 +455,7 @@
               <a:buChar char="■"/>
               <a:defRPr sz="1100"/>
             </a:lvl6pPr>
-            <a:lvl7pPr indent="-298450" lvl="6" marL="3200400">
+            <a:lvl7pPr marL="3200400" lvl="6" indent="-298450">
               <a:spcBef>
                 <a:spcPts val="0"/>
               </a:spcBef>
@@ -453,7 +466,7 @@
               <a:buChar char="●"/>
               <a:defRPr sz="1100"/>
             </a:lvl7pPr>
-            <a:lvl8pPr indent="-298450" lvl="7" marL="3657600">
+            <a:lvl8pPr marL="3657600" lvl="7" indent="-298450">
               <a:spcBef>
                 <a:spcPts val="0"/>
               </a:spcBef>
@@ -464,7 +477,7 @@
               <a:buChar char="○"/>
               <a:defRPr sz="1100"/>
             </a:lvl8pPr>
-            <a:lvl9pPr indent="-298450" lvl="8" marL="4114800">
+            <a:lvl9pPr marL="4114800" lvl="8" indent="-298450">
               <a:spcBef>
                 <a:spcPts val="0"/>
               </a:spcBef>
@@ -476,14 +489,16 @@
               <a:defRPr sz="1100"/>
             </a:lvl9pPr>
           </a:lstStyle>
-          <a:p/>
+          <a:p>
+            <a:endParaRPr/>
+          </a:p>
         </p:txBody>
       </p:sp>
     </p:spTree>
   </p:cSld>
-  <p:clrMap accent1="accent1" accent2="accent2" accent3="accent3" accent4="accent4" accent5="accent5" accent6="accent6" bg1="lt1" bg2="dk2" tx1="dk1" tx2="lt2" folHlink="folHlink" hlink="hlink"/>
+  <p:clrMap bg1="lt1" tx1="dk1" bg2="dk2" tx2="lt2" accent1="accent1" accent2="accent2" accent3="accent3" accent4="accent4" accent5="accent5" accent6="accent6" hlink="hlink" folHlink="folHlink"/>
   <p:notesStyle>
-    <a:defPPr lvl="0" marR="0" rtl="0" algn="l">
+    <a:defPPr marR="0" lvl="0" algn="l" rtl="0">
       <a:lnSpc>
         <a:spcPct val="100000"/>
       </a:lnSpc>
@@ -494,7 +509,7 @@
         <a:spcPts val="0"/>
       </a:spcAft>
     </a:defPPr>
-    <a:lvl1pPr lvl="0" marR="0" rtl="0" algn="l">
+    <a:lvl1pPr marR="0" lvl="0" algn="l" rtl="0">
       <a:lnSpc>
         <a:spcPct val="100000"/>
       </a:lnSpc>
@@ -508,7 +523,7 @@
         <a:srgbClr val="000000"/>
       </a:buClr>
       <a:buFont typeface="Arial"/>
-      <a:defRPr b="0" i="0" sz="1400" u="none" cap="none" strike="noStrike">
+      <a:defRPr sz="1400" b="0" i="0" u="none" strike="noStrike" cap="none">
         <a:solidFill>
           <a:srgbClr val="000000"/>
         </a:solidFill>
@@ -518,7 +533,7 @@
         <a:sym typeface="Arial"/>
       </a:defRPr>
     </a:lvl1pPr>
-    <a:lvl2pPr lvl="1" marR="0" rtl="0" algn="l">
+    <a:lvl2pPr marR="0" lvl="1" algn="l" rtl="0">
       <a:lnSpc>
         <a:spcPct val="100000"/>
       </a:lnSpc>
@@ -532,7 +547,7 @@
         <a:srgbClr val="000000"/>
       </a:buClr>
       <a:buFont typeface="Arial"/>
-      <a:defRPr b="0" i="0" sz="1400" u="none" cap="none" strike="noStrike">
+      <a:defRPr sz="1400" b="0" i="0" u="none" strike="noStrike" cap="none">
         <a:solidFill>
           <a:srgbClr val="000000"/>
         </a:solidFill>
@@ -542,7 +557,7 @@
         <a:sym typeface="Arial"/>
       </a:defRPr>
     </a:lvl2pPr>
-    <a:lvl3pPr lvl="2" marR="0" rtl="0" algn="l">
+    <a:lvl3pPr marR="0" lvl="2" algn="l" rtl="0">
       <a:lnSpc>
         <a:spcPct val="100000"/>
       </a:lnSpc>
@@ -556,7 +571,7 @@
         <a:srgbClr val="000000"/>
       </a:buClr>
       <a:buFont typeface="Arial"/>
-      <a:defRPr b="0" i="0" sz="1400" u="none" cap="none" strike="noStrike">
+      <a:defRPr sz="1400" b="0" i="0" u="none" strike="noStrike" cap="none">
         <a:solidFill>
           <a:srgbClr val="000000"/>
         </a:solidFill>
@@ -566,7 +581,7 @@
         <a:sym typeface="Arial"/>
       </a:defRPr>
     </a:lvl3pPr>
-    <a:lvl4pPr lvl="3" marR="0" rtl="0" algn="l">
+    <a:lvl4pPr marR="0" lvl="3" algn="l" rtl="0">
       <a:lnSpc>
         <a:spcPct val="100000"/>
       </a:lnSpc>
@@ -580,7 +595,7 @@
         <a:srgbClr val="000000"/>
       </a:buClr>
       <a:buFont typeface="Arial"/>
-      <a:defRPr b="0" i="0" sz="1400" u="none" cap="none" strike="noStrike">
+      <a:defRPr sz="1400" b="0" i="0" u="none" strike="noStrike" cap="none">
         <a:solidFill>
           <a:srgbClr val="000000"/>
         </a:solidFill>
@@ -590,7 +605,7 @@
         <a:sym typeface="Arial"/>
       </a:defRPr>
     </a:lvl4pPr>
-    <a:lvl5pPr lvl="4" marR="0" rtl="0" algn="l">
+    <a:lvl5pPr marR="0" lvl="4" algn="l" rtl="0">
       <a:lnSpc>
         <a:spcPct val="100000"/>
       </a:lnSpc>
@@ -604,7 +619,7 @@
         <a:srgbClr val="000000"/>
       </a:buClr>
       <a:buFont typeface="Arial"/>
-      <a:defRPr b="0" i="0" sz="1400" u="none" cap="none" strike="noStrike">
+      <a:defRPr sz="1400" b="0" i="0" u="none" strike="noStrike" cap="none">
         <a:solidFill>
           <a:srgbClr val="000000"/>
         </a:solidFill>
@@ -614,7 +629,7 @@
         <a:sym typeface="Arial"/>
       </a:defRPr>
     </a:lvl5pPr>
-    <a:lvl6pPr lvl="5" marR="0" rtl="0" algn="l">
+    <a:lvl6pPr marR="0" lvl="5" algn="l" rtl="0">
       <a:lnSpc>
         <a:spcPct val="100000"/>
       </a:lnSpc>
@@ -628,7 +643,7 @@
         <a:srgbClr val="000000"/>
       </a:buClr>
       <a:buFont typeface="Arial"/>
-      <a:defRPr b="0" i="0" sz="1400" u="none" cap="none" strike="noStrike">
+      <a:defRPr sz="1400" b="0" i="0" u="none" strike="noStrike" cap="none">
         <a:solidFill>
           <a:srgbClr val="000000"/>
         </a:solidFill>
@@ -638,7 +653,7 @@
         <a:sym typeface="Arial"/>
       </a:defRPr>
     </a:lvl6pPr>
-    <a:lvl7pPr lvl="6" marR="0" rtl="0" algn="l">
+    <a:lvl7pPr marR="0" lvl="6" algn="l" rtl="0">
       <a:lnSpc>
         <a:spcPct val="100000"/>
       </a:lnSpc>
@@ -652,7 +667,7 @@
         <a:srgbClr val="000000"/>
       </a:buClr>
       <a:buFont typeface="Arial"/>
-      <a:defRPr b="0" i="0" sz="1400" u="none" cap="none" strike="noStrike">
+      <a:defRPr sz="1400" b="0" i="0" u="none" strike="noStrike" cap="none">
         <a:solidFill>
           <a:srgbClr val="000000"/>
         </a:solidFill>
@@ -662,7 +677,7 @@
         <a:sym typeface="Arial"/>
       </a:defRPr>
     </a:lvl7pPr>
-    <a:lvl8pPr lvl="7" marR="0" rtl="0" algn="l">
+    <a:lvl8pPr marR="0" lvl="7" algn="l" rtl="0">
       <a:lnSpc>
         <a:spcPct val="100000"/>
       </a:lnSpc>
@@ -676,7 +691,7 @@
         <a:srgbClr val="000000"/>
       </a:buClr>
       <a:buFont typeface="Arial"/>
-      <a:defRPr b="0" i="0" sz="1400" u="none" cap="none" strike="noStrike">
+      <a:defRPr sz="1400" b="0" i="0" u="none" strike="noStrike" cap="none">
         <a:solidFill>
           <a:srgbClr val="000000"/>
         </a:solidFill>
@@ -686,7 +701,7 @@
         <a:sym typeface="Arial"/>
       </a:defRPr>
     </a:lvl8pPr>
-    <a:lvl9pPr lvl="8" marR="0" rtl="0" algn="l">
+    <a:lvl9pPr marR="0" lvl="8" algn="l" rtl="0">
       <a:lnSpc>
         <a:spcPct val="100000"/>
       </a:lnSpc>
@@ -700,7 +715,7 @@
         <a:srgbClr val="000000"/>
       </a:buClr>
       <a:buFont typeface="Arial"/>
-      <a:defRPr b="0" i="0" sz="1400" u="none" cap="none" strike="noStrike">
+      <a:defRPr sz="1400" b="0" i="0" u="none" strike="noStrike" cap="none">
         <a:solidFill>
           <a:srgbClr val="000000"/>
         </a:solidFill>
@@ -715,11 +730,11 @@
 </file>
 
 <file path=ppt/notesSlides/notesSlide1.xml><?xml version="1.0" encoding="utf-8"?>
-<p:notes xmlns:a="http://schemas.openxmlformats.org/drawingml/2006/main" xmlns:r="http://schemas.openxmlformats.org/officeDocument/2006/relationships" xmlns:mc="http://schemas.openxmlformats.org/markup-compatibility/2006" xmlns:mv="urn:schemas-microsoft-com:mac:vml" xmlns:p="http://schemas.openxmlformats.org/presentationml/2006/main" xmlns:c="http://schemas.openxmlformats.org/drawingml/2006/chart" xmlns:dgm="http://schemas.openxmlformats.org/drawingml/2006/diagram" xmlns:o="urn:schemas-microsoft-com:office:office" xmlns:v="urn:schemas-microsoft-com:vml" xmlns:pvml="urn:schemas-microsoft-com:office:powerpoint" xmlns:com="http://schemas.openxmlformats.org/drawingml/2006/compatibility" xmlns:p14="http://schemas.microsoft.com/office/powerpoint/2010/main" xmlns:p15="http://schemas.microsoft.com/office/powerpoint/2012/main" showMasterPhAnim="0" showMasterSp="0">
+<p:notes xmlns:a="http://schemas.openxmlformats.org/drawingml/2006/main" xmlns:r="http://schemas.openxmlformats.org/officeDocument/2006/relationships" xmlns:p="http://schemas.openxmlformats.org/presentationml/2006/main" showMasterSp="0" showMasterPhAnim="0">
   <p:cSld>
     <p:spTree>
       <p:nvGrpSpPr>
-        <p:cNvPr id="55" name="Shape 55"/>
+        <p:cNvPr id="1" name="Shape 55"/>
         <p:cNvGrpSpPr/>
         <p:nvPr/>
       </p:nvGrpSpPr>
@@ -734,20 +749,26 @@
       <p:sp>
         <p:nvSpPr>
           <p:cNvPr id="56" name="Google Shape;56;p:notes"/>
-          <p:cNvSpPr/>
+          <p:cNvSpPr>
+            <a:spLocks noGrp="1" noRot="1" noChangeAspect="1"/>
+          </p:cNvSpPr>
           <p:nvPr>
-            <p:ph idx="2" type="sldImg"/>
+            <p:ph type="sldImg" idx="2"/>
           </p:nvPr>
         </p:nvSpPr>
         <p:spPr>
           <a:xfrm>
-            <a:off x="381300" y="685800"/>
-            <a:ext cx="6096075" cy="3429000"/>
+            <a:off x="381000" y="685800"/>
+            <a:ext cx="6096000" cy="3429000"/>
           </a:xfrm>
           <a:custGeom>
-            <a:rect b="b" l="l" r="r" t="t"/>
+            <a:avLst/>
+            <a:gdLst/>
+            <a:ahLst/>
+            <a:cxnLst/>
+            <a:rect l="l" t="t" r="r" b="b"/>
             <a:pathLst>
-              <a:path extrusionOk="0" h="120000" w="120000">
+              <a:path w="120000" h="120000" extrusionOk="0">
                 <a:moveTo>
                   <a:pt x="0" y="0"/>
                 </a:moveTo>
@@ -769,9 +790,11 @@
       <p:sp>
         <p:nvSpPr>
           <p:cNvPr id="57" name="Google Shape;57;p:notes"/>
-          <p:cNvSpPr txBox="1"/>
+          <p:cNvSpPr txBox="1">
+            <a:spLocks noGrp="1"/>
+          </p:cNvSpPr>
           <p:nvPr>
-            <p:ph idx="1" type="body"/>
+            <p:ph type="body" idx="1"/>
           </p:nvPr>
         </p:nvSpPr>
         <p:spPr>
@@ -784,12 +807,12 @@
           </a:prstGeom>
         </p:spPr>
         <p:txBody>
-          <a:bodyPr anchorCtr="0" anchor="t" bIns="91425" lIns="91425" spcFirstLastPara="1" rIns="91425" wrap="square" tIns="91425">
+          <a:bodyPr spcFirstLastPara="1" wrap="square" lIns="91425" tIns="91425" rIns="91425" bIns="91425" anchor="t" anchorCtr="0">
             <a:noAutofit/>
           </a:bodyPr>
           <a:lstStyle/>
           <a:p>
-            <a:pPr indent="0" lvl="0" marL="0" rtl="0" algn="l">
+            <a:pPr marL="0" lvl="0" indent="0" algn="l" rtl="0">
               <a:spcBef>
                 <a:spcPts val="0"/>
               </a:spcBef>
@@ -798,9 +821,6 @@
               </a:spcAft>
               <a:buNone/>
             </a:pPr>
-            <a:r>
-              <a:t/>
-            </a:r>
             <a:endParaRPr/>
           </a:p>
         </p:txBody>
@@ -814,11 +834,11 @@
 </file>
 
 <file path=ppt/notesSlides/notesSlide2.xml><?xml version="1.0" encoding="utf-8"?>
-<p:notes xmlns:a="http://schemas.openxmlformats.org/drawingml/2006/main" xmlns:r="http://schemas.openxmlformats.org/officeDocument/2006/relationships" xmlns:mc="http://schemas.openxmlformats.org/markup-compatibility/2006" xmlns:mv="urn:schemas-microsoft-com:mac:vml" xmlns:p="http://schemas.openxmlformats.org/presentationml/2006/main" xmlns:c="http://schemas.openxmlformats.org/drawingml/2006/chart" xmlns:dgm="http://schemas.openxmlformats.org/drawingml/2006/diagram" xmlns:o="urn:schemas-microsoft-com:office:office" xmlns:v="urn:schemas-microsoft-com:vml" xmlns:pvml="urn:schemas-microsoft-com:office:powerpoint" xmlns:com="http://schemas.openxmlformats.org/drawingml/2006/compatibility" xmlns:p14="http://schemas.microsoft.com/office/powerpoint/2010/main" xmlns:p15="http://schemas.microsoft.com/office/powerpoint/2012/main" showMasterPhAnim="0" showMasterSp="0">
+<p:notes xmlns:a="http://schemas.openxmlformats.org/drawingml/2006/main" xmlns:r="http://schemas.openxmlformats.org/officeDocument/2006/relationships" xmlns:p="http://schemas.openxmlformats.org/presentationml/2006/main" showMasterSp="0" showMasterPhAnim="0">
   <p:cSld>
     <p:spTree>
       <p:nvGrpSpPr>
-        <p:cNvPr id="61" name="Shape 61"/>
+        <p:cNvPr id="1" name="Shape 61"/>
         <p:cNvGrpSpPr/>
         <p:nvPr/>
       </p:nvGrpSpPr>
@@ -833,20 +853,26 @@
       <p:sp>
         <p:nvSpPr>
           <p:cNvPr id="62" name="Google Shape;62;g7f61b749fe_1_2:notes"/>
-          <p:cNvSpPr/>
+          <p:cNvSpPr>
+            <a:spLocks noGrp="1" noRot="1" noChangeAspect="1"/>
+          </p:cNvSpPr>
           <p:nvPr>
-            <p:ph idx="2" type="sldImg"/>
+            <p:ph type="sldImg" idx="2"/>
           </p:nvPr>
         </p:nvSpPr>
         <p:spPr>
           <a:xfrm>
-            <a:off x="381300" y="685800"/>
+            <a:off x="381000" y="685800"/>
             <a:ext cx="6096000" cy="3429000"/>
           </a:xfrm>
           <a:custGeom>
-            <a:rect b="b" l="l" r="r" t="t"/>
+            <a:avLst/>
+            <a:gdLst/>
+            <a:ahLst/>
+            <a:cxnLst/>
+            <a:rect l="l" t="t" r="r" b="b"/>
             <a:pathLst>
-              <a:path extrusionOk="0" h="120000" w="120000">
+              <a:path w="120000" h="120000" extrusionOk="0">
                 <a:moveTo>
                   <a:pt x="0" y="0"/>
                 </a:moveTo>
@@ -868,9 +894,11 @@
       <p:sp>
         <p:nvSpPr>
           <p:cNvPr id="63" name="Google Shape;63;g7f61b749fe_1_2:notes"/>
-          <p:cNvSpPr txBox="1"/>
+          <p:cNvSpPr txBox="1">
+            <a:spLocks noGrp="1"/>
+          </p:cNvSpPr>
           <p:nvPr>
-            <p:ph idx="1" type="body"/>
+            <p:ph type="body" idx="1"/>
           </p:nvPr>
         </p:nvSpPr>
         <p:spPr>
@@ -883,12 +911,12 @@
           </a:prstGeom>
         </p:spPr>
         <p:txBody>
-          <a:bodyPr anchorCtr="0" anchor="t" bIns="91425" lIns="91425" spcFirstLastPara="1" rIns="91425" wrap="square" tIns="91425">
+          <a:bodyPr spcFirstLastPara="1" wrap="square" lIns="91425" tIns="91425" rIns="91425" bIns="91425" anchor="t" anchorCtr="0">
             <a:noAutofit/>
           </a:bodyPr>
           <a:lstStyle/>
           <a:p>
-            <a:pPr indent="0" lvl="0" marL="0" rtl="0" algn="l">
+            <a:pPr marL="0" lvl="0" indent="0" algn="l" rtl="0">
               <a:spcBef>
                 <a:spcPts val="0"/>
               </a:spcBef>
@@ -897,9 +925,6 @@
               </a:spcAft>
               <a:buNone/>
             </a:pPr>
-            <a:r>
-              <a:t/>
-            </a:r>
             <a:endParaRPr/>
           </a:p>
         </p:txBody>
@@ -913,11 +938,11 @@
 </file>
 
 <file path=ppt/notesSlides/notesSlide3.xml><?xml version="1.0" encoding="utf-8"?>
-<p:notes xmlns:a="http://schemas.openxmlformats.org/drawingml/2006/main" xmlns:r="http://schemas.openxmlformats.org/officeDocument/2006/relationships" xmlns:mc="http://schemas.openxmlformats.org/markup-compatibility/2006" xmlns:mv="urn:schemas-microsoft-com:mac:vml" xmlns:p="http://schemas.openxmlformats.org/presentationml/2006/main" xmlns:c="http://schemas.openxmlformats.org/drawingml/2006/chart" xmlns:dgm="http://schemas.openxmlformats.org/drawingml/2006/diagram" xmlns:o="urn:schemas-microsoft-com:office:office" xmlns:v="urn:schemas-microsoft-com:vml" xmlns:pvml="urn:schemas-microsoft-com:office:powerpoint" xmlns:com="http://schemas.openxmlformats.org/drawingml/2006/compatibility" xmlns:p14="http://schemas.microsoft.com/office/powerpoint/2010/main" xmlns:p15="http://schemas.microsoft.com/office/powerpoint/2012/main" showMasterPhAnim="0" showMasterSp="0">
+<p:notes xmlns:a="http://schemas.openxmlformats.org/drawingml/2006/main" xmlns:r="http://schemas.openxmlformats.org/officeDocument/2006/relationships" xmlns:p="http://schemas.openxmlformats.org/presentationml/2006/main" showMasterSp="0" showMasterPhAnim="0">
   <p:cSld>
     <p:spTree>
       <p:nvGrpSpPr>
-        <p:cNvPr id="67" name="Shape 67"/>
+        <p:cNvPr id="1" name="Shape 67"/>
         <p:cNvGrpSpPr/>
         <p:nvPr/>
       </p:nvGrpSpPr>
@@ -932,20 +957,26 @@
       <p:sp>
         <p:nvSpPr>
           <p:cNvPr id="68" name="Google Shape;68;g7f61b749fe_0_356:notes"/>
-          <p:cNvSpPr/>
+          <p:cNvSpPr>
+            <a:spLocks noGrp="1" noRot="1" noChangeAspect="1"/>
+          </p:cNvSpPr>
           <p:nvPr>
-            <p:ph idx="2" type="sldImg"/>
+            <p:ph type="sldImg" idx="2"/>
           </p:nvPr>
         </p:nvSpPr>
         <p:spPr>
           <a:xfrm>
-            <a:off x="381300" y="685800"/>
+            <a:off x="381000" y="685800"/>
             <a:ext cx="6096000" cy="3429000"/>
           </a:xfrm>
           <a:custGeom>
-            <a:rect b="b" l="l" r="r" t="t"/>
+            <a:avLst/>
+            <a:gdLst/>
+            <a:ahLst/>
+            <a:cxnLst/>
+            <a:rect l="l" t="t" r="r" b="b"/>
             <a:pathLst>
-              <a:path extrusionOk="0" h="120000" w="120000">
+              <a:path w="120000" h="120000" extrusionOk="0">
                 <a:moveTo>
                   <a:pt x="0" y="0"/>
                 </a:moveTo>
@@ -967,9 +998,11 @@
       <p:sp>
         <p:nvSpPr>
           <p:cNvPr id="69" name="Google Shape;69;g7f61b749fe_0_356:notes"/>
-          <p:cNvSpPr txBox="1"/>
+          <p:cNvSpPr txBox="1">
+            <a:spLocks noGrp="1"/>
+          </p:cNvSpPr>
           <p:nvPr>
-            <p:ph idx="1" type="body"/>
+            <p:ph type="body" idx="1"/>
           </p:nvPr>
         </p:nvSpPr>
         <p:spPr>
@@ -982,12 +1015,12 @@
           </a:prstGeom>
         </p:spPr>
         <p:txBody>
-          <a:bodyPr anchorCtr="0" anchor="t" bIns="91425" lIns="91425" spcFirstLastPara="1" rIns="91425" wrap="square" tIns="91425">
+          <a:bodyPr spcFirstLastPara="1" wrap="square" lIns="91425" tIns="91425" rIns="91425" bIns="91425" anchor="t" anchorCtr="0">
             <a:noAutofit/>
           </a:bodyPr>
           <a:lstStyle/>
           <a:p>
-            <a:pPr indent="0" lvl="0" marL="0" rtl="0" algn="l">
+            <a:pPr marL="0" lvl="0" indent="0" algn="l" rtl="0">
               <a:spcBef>
                 <a:spcPts val="0"/>
               </a:spcBef>
@@ -996,9 +1029,6 @@
               </a:spcAft>
               <a:buNone/>
             </a:pPr>
-            <a:r>
-              <a:t/>
-            </a:r>
             <a:endParaRPr/>
           </a:p>
         </p:txBody>
@@ -1012,11 +1042,11 @@
 </file>
 
 <file path=ppt/notesSlides/notesSlide4.xml><?xml version="1.0" encoding="utf-8"?>
-<p:notes xmlns:a="http://schemas.openxmlformats.org/drawingml/2006/main" xmlns:r="http://schemas.openxmlformats.org/officeDocument/2006/relationships" xmlns:mc="http://schemas.openxmlformats.org/markup-compatibility/2006" xmlns:mv="urn:schemas-microsoft-com:mac:vml" xmlns:p="http://schemas.openxmlformats.org/presentationml/2006/main" xmlns:c="http://schemas.openxmlformats.org/drawingml/2006/chart" xmlns:dgm="http://schemas.openxmlformats.org/drawingml/2006/diagram" xmlns:o="urn:schemas-microsoft-com:office:office" xmlns:v="urn:schemas-microsoft-com:vml" xmlns:pvml="urn:schemas-microsoft-com:office:powerpoint" xmlns:com="http://schemas.openxmlformats.org/drawingml/2006/compatibility" xmlns:p14="http://schemas.microsoft.com/office/powerpoint/2010/main" xmlns:p15="http://schemas.microsoft.com/office/powerpoint/2012/main" showMasterPhAnim="0" showMasterSp="0">
+<p:notes xmlns:a="http://schemas.openxmlformats.org/drawingml/2006/main" xmlns:r="http://schemas.openxmlformats.org/officeDocument/2006/relationships" xmlns:p="http://schemas.openxmlformats.org/presentationml/2006/main" showMasterSp="0" showMasterPhAnim="0">
   <p:cSld>
     <p:spTree>
       <p:nvGrpSpPr>
-        <p:cNvPr id="74" name="Shape 74"/>
+        <p:cNvPr id="1" name="Shape 74"/>
         <p:cNvGrpSpPr/>
         <p:nvPr/>
       </p:nvGrpSpPr>
@@ -1031,20 +1061,26 @@
       <p:sp>
         <p:nvSpPr>
           <p:cNvPr id="75" name="Google Shape;75;g77dea62d6b_0_12:notes"/>
-          <p:cNvSpPr/>
+          <p:cNvSpPr>
+            <a:spLocks noGrp="1" noRot="1" noChangeAspect="1"/>
+          </p:cNvSpPr>
           <p:nvPr>
-            <p:ph idx="2" type="sldImg"/>
+            <p:ph type="sldImg" idx="2"/>
           </p:nvPr>
         </p:nvSpPr>
         <p:spPr>
           <a:xfrm>
-            <a:off x="381300" y="685800"/>
+            <a:off x="381000" y="685800"/>
             <a:ext cx="6096000" cy="3429000"/>
           </a:xfrm>
           <a:custGeom>
-            <a:rect b="b" l="l" r="r" t="t"/>
+            <a:avLst/>
+            <a:gdLst/>
+            <a:ahLst/>
+            <a:cxnLst/>
+            <a:rect l="l" t="t" r="r" b="b"/>
             <a:pathLst>
-              <a:path extrusionOk="0" h="120000" w="120000">
+              <a:path w="120000" h="120000" extrusionOk="0">
                 <a:moveTo>
                   <a:pt x="0" y="0"/>
                 </a:moveTo>
@@ -1066,9 +1102,11 @@
       <p:sp>
         <p:nvSpPr>
           <p:cNvPr id="76" name="Google Shape;76;g77dea62d6b_0_12:notes"/>
-          <p:cNvSpPr txBox="1"/>
+          <p:cNvSpPr txBox="1">
+            <a:spLocks noGrp="1"/>
+          </p:cNvSpPr>
           <p:nvPr>
-            <p:ph idx="1" type="body"/>
+            <p:ph type="body" idx="1"/>
           </p:nvPr>
         </p:nvSpPr>
         <p:spPr>
@@ -1081,12 +1119,12 @@
           </a:prstGeom>
         </p:spPr>
         <p:txBody>
-          <a:bodyPr anchorCtr="0" anchor="t" bIns="91425" lIns="91425" spcFirstLastPara="1" rIns="91425" wrap="square" tIns="91425">
+          <a:bodyPr spcFirstLastPara="1" wrap="square" lIns="91425" tIns="91425" rIns="91425" bIns="91425" anchor="t" anchorCtr="0">
             <a:noAutofit/>
           </a:bodyPr>
           <a:lstStyle/>
           <a:p>
-            <a:pPr indent="0" lvl="0" marL="0" rtl="0" algn="l">
+            <a:pPr marL="0" lvl="0" indent="0" algn="l" rtl="0">
               <a:spcBef>
                 <a:spcPts val="0"/>
               </a:spcBef>
@@ -1095,9 +1133,6 @@
               </a:spcAft>
               <a:buNone/>
             </a:pPr>
-            <a:r>
-              <a:t/>
-            </a:r>
             <a:endParaRPr/>
           </a:p>
         </p:txBody>
@@ -1111,11 +1146,11 @@
 </file>
 
 <file path=ppt/notesSlides/notesSlide5.xml><?xml version="1.0" encoding="utf-8"?>
-<p:notes xmlns:a="http://schemas.openxmlformats.org/drawingml/2006/main" xmlns:r="http://schemas.openxmlformats.org/officeDocument/2006/relationships" xmlns:mc="http://schemas.openxmlformats.org/markup-compatibility/2006" xmlns:mv="urn:schemas-microsoft-com:mac:vml" xmlns:p="http://schemas.openxmlformats.org/presentationml/2006/main" xmlns:c="http://schemas.openxmlformats.org/drawingml/2006/chart" xmlns:dgm="http://schemas.openxmlformats.org/drawingml/2006/diagram" xmlns:o="urn:schemas-microsoft-com:office:office" xmlns:v="urn:schemas-microsoft-com:vml" xmlns:pvml="urn:schemas-microsoft-com:office:powerpoint" xmlns:com="http://schemas.openxmlformats.org/drawingml/2006/compatibility" xmlns:p14="http://schemas.microsoft.com/office/powerpoint/2010/main" xmlns:p15="http://schemas.microsoft.com/office/powerpoint/2012/main" showMasterPhAnim="0" showMasterSp="0">
+<p:notes xmlns:a="http://schemas.openxmlformats.org/drawingml/2006/main" xmlns:r="http://schemas.openxmlformats.org/officeDocument/2006/relationships" xmlns:p="http://schemas.openxmlformats.org/presentationml/2006/main" showMasterSp="0" showMasterPhAnim="0">
   <p:cSld>
     <p:spTree>
       <p:nvGrpSpPr>
-        <p:cNvPr id="81" name="Shape 81"/>
+        <p:cNvPr id="1" name="Shape 81"/>
         <p:cNvGrpSpPr/>
         <p:nvPr/>
       </p:nvGrpSpPr>
@@ -1130,20 +1165,26 @@
       <p:sp>
         <p:nvSpPr>
           <p:cNvPr id="82" name="Google Shape;82;g77dea62d6b_0_5:notes"/>
-          <p:cNvSpPr/>
+          <p:cNvSpPr>
+            <a:spLocks noGrp="1" noRot="1" noChangeAspect="1"/>
+          </p:cNvSpPr>
           <p:nvPr>
-            <p:ph idx="2" type="sldImg"/>
+            <p:ph type="sldImg" idx="2"/>
           </p:nvPr>
         </p:nvSpPr>
         <p:spPr>
           <a:xfrm>
-            <a:off x="381300" y="685800"/>
+            <a:off x="381000" y="685800"/>
             <a:ext cx="6096000" cy="3429000"/>
           </a:xfrm>
           <a:custGeom>
-            <a:rect b="b" l="l" r="r" t="t"/>
+            <a:avLst/>
+            <a:gdLst/>
+            <a:ahLst/>
+            <a:cxnLst/>
+            <a:rect l="l" t="t" r="r" b="b"/>
             <a:pathLst>
-              <a:path extrusionOk="0" h="120000" w="120000">
+              <a:path w="120000" h="120000" extrusionOk="0">
                 <a:moveTo>
                   <a:pt x="0" y="0"/>
                 </a:moveTo>
@@ -1165,9 +1206,11 @@
       <p:sp>
         <p:nvSpPr>
           <p:cNvPr id="83" name="Google Shape;83;g77dea62d6b_0_5:notes"/>
-          <p:cNvSpPr txBox="1"/>
+          <p:cNvSpPr txBox="1">
+            <a:spLocks noGrp="1"/>
+          </p:cNvSpPr>
           <p:nvPr>
-            <p:ph idx="1" type="body"/>
+            <p:ph type="body" idx="1"/>
           </p:nvPr>
         </p:nvSpPr>
         <p:spPr>
@@ -1180,12 +1223,12 @@
           </a:prstGeom>
         </p:spPr>
         <p:txBody>
-          <a:bodyPr anchorCtr="0" anchor="t" bIns="91425" lIns="91425" spcFirstLastPara="1" rIns="91425" wrap="square" tIns="91425">
+          <a:bodyPr spcFirstLastPara="1" wrap="square" lIns="91425" tIns="91425" rIns="91425" bIns="91425" anchor="t" anchorCtr="0">
             <a:noAutofit/>
           </a:bodyPr>
           <a:lstStyle/>
           <a:p>
-            <a:pPr indent="0" lvl="0" marL="0" rtl="0" algn="l">
+            <a:pPr marL="0" lvl="0" indent="0" algn="l" rtl="0">
               <a:spcBef>
                 <a:spcPts val="0"/>
               </a:spcBef>
@@ -1194,9 +1237,6 @@
               </a:spcAft>
               <a:buNone/>
             </a:pPr>
-            <a:r>
-              <a:t/>
-            </a:r>
             <a:endParaRPr/>
           </a:p>
         </p:txBody>
@@ -1210,11 +1250,11 @@
 </file>
 
 <file path=ppt/notesSlides/notesSlide6.xml><?xml version="1.0" encoding="utf-8"?>
-<p:notes xmlns:a="http://schemas.openxmlformats.org/drawingml/2006/main" xmlns:r="http://schemas.openxmlformats.org/officeDocument/2006/relationships" xmlns:mc="http://schemas.openxmlformats.org/markup-compatibility/2006" xmlns:mv="urn:schemas-microsoft-com:mac:vml" xmlns:p="http://schemas.openxmlformats.org/presentationml/2006/main" xmlns:c="http://schemas.openxmlformats.org/drawingml/2006/chart" xmlns:dgm="http://schemas.openxmlformats.org/drawingml/2006/diagram" xmlns:o="urn:schemas-microsoft-com:office:office" xmlns:v="urn:schemas-microsoft-com:vml" xmlns:pvml="urn:schemas-microsoft-com:office:powerpoint" xmlns:com="http://schemas.openxmlformats.org/drawingml/2006/compatibility" xmlns:p14="http://schemas.microsoft.com/office/powerpoint/2010/main" xmlns:p15="http://schemas.microsoft.com/office/powerpoint/2012/main" showMasterPhAnim="0" showMasterSp="0">
+<p:notes xmlns:a="http://schemas.openxmlformats.org/drawingml/2006/main" xmlns:r="http://schemas.openxmlformats.org/officeDocument/2006/relationships" xmlns:p="http://schemas.openxmlformats.org/presentationml/2006/main" showMasterSp="0" showMasterPhAnim="0">
   <p:cSld>
     <p:spTree>
       <p:nvGrpSpPr>
-        <p:cNvPr id="88" name="Shape 88"/>
+        <p:cNvPr id="1" name="Shape 88"/>
         <p:cNvGrpSpPr/>
         <p:nvPr/>
       </p:nvGrpSpPr>
@@ -1229,20 +1269,26 @@
       <p:sp>
         <p:nvSpPr>
           <p:cNvPr id="89" name="Google Shape;89;g7f61b749fe_3_20:notes"/>
-          <p:cNvSpPr/>
+          <p:cNvSpPr>
+            <a:spLocks noGrp="1" noRot="1" noChangeAspect="1"/>
+          </p:cNvSpPr>
           <p:nvPr>
-            <p:ph idx="2" type="sldImg"/>
+            <p:ph type="sldImg" idx="2"/>
           </p:nvPr>
         </p:nvSpPr>
         <p:spPr>
           <a:xfrm>
-            <a:off x="381300" y="685800"/>
+            <a:off x="381000" y="685800"/>
             <a:ext cx="6096000" cy="3429000"/>
           </a:xfrm>
           <a:custGeom>
-            <a:rect b="b" l="l" r="r" t="t"/>
+            <a:avLst/>
+            <a:gdLst/>
+            <a:ahLst/>
+            <a:cxnLst/>
+            <a:rect l="l" t="t" r="r" b="b"/>
             <a:pathLst>
-              <a:path extrusionOk="0" h="120000" w="120000">
+              <a:path w="120000" h="120000" extrusionOk="0">
                 <a:moveTo>
                   <a:pt x="0" y="0"/>
                 </a:moveTo>
@@ -1264,9 +1310,11 @@
       <p:sp>
         <p:nvSpPr>
           <p:cNvPr id="90" name="Google Shape;90;g7f61b749fe_3_20:notes"/>
-          <p:cNvSpPr txBox="1"/>
+          <p:cNvSpPr txBox="1">
+            <a:spLocks noGrp="1"/>
+          </p:cNvSpPr>
           <p:nvPr>
-            <p:ph idx="1" type="body"/>
+            <p:ph type="body" idx="1"/>
           </p:nvPr>
         </p:nvSpPr>
         <p:spPr>
@@ -1279,12 +1327,12 @@
           </a:prstGeom>
         </p:spPr>
         <p:txBody>
-          <a:bodyPr anchorCtr="0" anchor="t" bIns="91425" lIns="91425" spcFirstLastPara="1" rIns="91425" wrap="square" tIns="91425">
+          <a:bodyPr spcFirstLastPara="1" wrap="square" lIns="91425" tIns="91425" rIns="91425" bIns="91425" anchor="t" anchorCtr="0">
             <a:noAutofit/>
           </a:bodyPr>
           <a:lstStyle/>
           <a:p>
-            <a:pPr indent="0" lvl="0" marL="0" rtl="0" algn="l">
+            <a:pPr marL="0" lvl="0" indent="0" algn="l" rtl="0">
               <a:spcBef>
                 <a:spcPts val="0"/>
               </a:spcBef>
@@ -1293,9 +1341,6 @@
               </a:spcAft>
               <a:buNone/>
             </a:pPr>
-            <a:r>
-              <a:t/>
-            </a:r>
             <a:endParaRPr/>
           </a:p>
         </p:txBody>
@@ -1309,18 +1354,19 @@
 </file>
 
 <file path=ppt/slideLayouts/slideLayout1.xml><?xml version="1.0" encoding="utf-8"?>
-<p:sldLayout xmlns:a="http://schemas.openxmlformats.org/drawingml/2006/main" xmlns:r="http://schemas.openxmlformats.org/officeDocument/2006/relationships" xmlns:mc="http://schemas.openxmlformats.org/markup-compatibility/2006" xmlns:mv="urn:schemas-microsoft-com:mac:vml" xmlns:p="http://schemas.openxmlformats.org/presentationml/2006/main" xmlns:c="http://schemas.openxmlformats.org/drawingml/2006/chart" xmlns:dgm="http://schemas.openxmlformats.org/drawingml/2006/diagram" xmlns:o="urn:schemas-microsoft-com:office:office" xmlns:v="urn:schemas-microsoft-com:vml" xmlns:pvml="urn:schemas-microsoft-com:office:powerpoint" xmlns:com="http://schemas.openxmlformats.org/drawingml/2006/compatibility" xmlns:p14="http://schemas.microsoft.com/office/powerpoint/2010/main" xmlns:p15="http://schemas.microsoft.com/office/powerpoint/2012/main" matchingName="Title slide" type="title">
+<p:sldLayout xmlns:a="http://schemas.openxmlformats.org/drawingml/2006/main" xmlns:r="http://schemas.openxmlformats.org/officeDocument/2006/relationships" xmlns:p="http://schemas.openxmlformats.org/presentationml/2006/main" matchingName="Title slide" type="title">
   <p:cSld name="TITLE">
     <p:bg>
       <p:bgPr>
         <a:solidFill>
           <a:schemeClr val="dk1"/>
         </a:solidFill>
+        <a:effectLst/>
       </p:bgPr>
     </p:bg>
     <p:spTree>
       <p:nvGrpSpPr>
-        <p:cNvPr id="9" name="Shape 9"/>
+        <p:cNvPr id="1" name="Shape 9"/>
         <p:cNvGrpSpPr/>
         <p:nvPr/>
       </p:nvGrpSpPr>
@@ -1347,21 +1393,23 @@
             <a:avLst/>
           </a:prstGeom>
           <a:noFill/>
-          <a:ln cap="flat" cmpd="sng" w="19050">
+          <a:ln w="19050" cap="flat" cmpd="sng">
             <a:solidFill>
               <a:schemeClr val="lt2"/>
             </a:solidFill>
             <a:prstDash val="solid"/>
             <a:round/>
-            <a:headEnd len="sm" w="sm" type="none"/>
-            <a:tailEnd len="sm" w="sm" type="none"/>
+            <a:headEnd type="none" w="sm" len="sm"/>
+            <a:tailEnd type="none" w="sm" len="sm"/>
           </a:ln>
         </p:spPr>
       </p:cxnSp>
       <p:sp>
         <p:nvSpPr>
           <p:cNvPr id="11" name="Google Shape;11;p2"/>
-          <p:cNvSpPr txBox="1"/>
+          <p:cNvSpPr txBox="1">
+            <a:spLocks noGrp="1"/>
+          </p:cNvSpPr>
           <p:nvPr>
             <p:ph type="ctrTitle"/>
           </p:nvPr>
@@ -1376,7 +1424,7 @@
           </a:prstGeom>
         </p:spPr>
         <p:txBody>
-          <a:bodyPr anchorCtr="0" anchor="b" bIns="91425" lIns="91425" spcFirstLastPara="1" rIns="91425" wrap="square" tIns="91425">
+          <a:bodyPr spcFirstLastPara="1" wrap="square" lIns="91425" tIns="91425" rIns="91425" bIns="91425" anchor="b" anchorCtr="0">
             <a:noAutofit/>
           </a:bodyPr>
           <a:lstStyle>
@@ -1543,15 +1591,19 @@
               </a:defRPr>
             </a:lvl9pPr>
           </a:lstStyle>
-          <a:p/>
+          <a:p>
+            <a:endParaRPr/>
+          </a:p>
         </p:txBody>
       </p:sp>
       <p:sp>
         <p:nvSpPr>
           <p:cNvPr id="12" name="Google Shape;12;p2"/>
-          <p:cNvSpPr txBox="1"/>
+          <p:cNvSpPr txBox="1">
+            <a:spLocks noGrp="1"/>
+          </p:cNvSpPr>
           <p:nvPr>
-            <p:ph idx="1" type="subTitle"/>
+            <p:ph type="subTitle" idx="1"/>
           </p:nvPr>
         </p:nvSpPr>
         <p:spPr>
@@ -1564,7 +1616,7 @@
           </a:prstGeom>
         </p:spPr>
         <p:txBody>
-          <a:bodyPr anchorCtr="0" anchor="t" bIns="91425" lIns="91425" spcFirstLastPara="1" rIns="91425" wrap="square" tIns="91425">
+          <a:bodyPr spcFirstLastPara="1" wrap="square" lIns="91425" tIns="91425" rIns="91425" bIns="91425" anchor="t" anchorCtr="0">
             <a:noAutofit/>
           </a:bodyPr>
           <a:lstStyle>
@@ -1758,15 +1810,19 @@
               </a:defRPr>
             </a:lvl9pPr>
           </a:lstStyle>
-          <a:p/>
+          <a:p>
+            <a:endParaRPr/>
+          </a:p>
         </p:txBody>
       </p:sp>
       <p:sp>
         <p:nvSpPr>
           <p:cNvPr id="13" name="Google Shape;13;p2"/>
-          <p:cNvSpPr txBox="1"/>
+          <p:cNvSpPr txBox="1">
+            <a:spLocks noGrp="1"/>
+          </p:cNvSpPr>
           <p:nvPr>
-            <p:ph idx="12" type="sldNum"/>
+            <p:ph type="sldNum" idx="12"/>
           </p:nvPr>
         </p:nvSpPr>
         <p:spPr>
@@ -1779,7 +1835,7 @@
           </a:prstGeom>
         </p:spPr>
         <p:txBody>
-          <a:bodyPr anchorCtr="0" anchor="ctr" bIns="91425" lIns="91425" spcFirstLastPara="1" rIns="91425" wrap="square" tIns="91425">
+          <a:bodyPr spcFirstLastPara="1" wrap="square" lIns="91425" tIns="91425" rIns="91425" bIns="91425" anchor="ctr" anchorCtr="0">
             <a:noAutofit/>
           </a:bodyPr>
           <a:lstStyle>
@@ -1857,7 +1913,7 @@
             </a:lvl9pPr>
           </a:lstStyle>
           <a:p>
-            <a:pPr indent="0" lvl="0" marL="0" rtl="0" algn="r">
+            <a:pPr marL="0" lvl="0" indent="0" algn="r" rtl="0">
               <a:spcBef>
                 <a:spcPts val="0"/>
               </a:spcBef>
@@ -1868,7 +1924,7 @@
             </a:pPr>
             <a:fld id="{00000000-1234-1234-1234-123412341234}" type="slidenum">
               <a:rPr lang="es-419"/>
-              <a:t>‹#›</a:t>
+              <a:t>‹Nº›</a:t>
             </a:fld>
             <a:endParaRPr/>
           </a:p>
@@ -1883,11 +1939,11 @@
 </file>
 
 <file path=ppt/slideLayouts/slideLayout10.xml><?xml version="1.0" encoding="utf-8"?>
-<p:sldLayout xmlns:a="http://schemas.openxmlformats.org/drawingml/2006/main" xmlns:r="http://schemas.openxmlformats.org/officeDocument/2006/relationships" xmlns:mc="http://schemas.openxmlformats.org/markup-compatibility/2006" xmlns:mv="urn:schemas-microsoft-com:mac:vml" xmlns:p="http://schemas.openxmlformats.org/presentationml/2006/main" xmlns:c="http://schemas.openxmlformats.org/drawingml/2006/chart" xmlns:dgm="http://schemas.openxmlformats.org/drawingml/2006/diagram" xmlns:o="urn:schemas-microsoft-com:office:office" xmlns:v="urn:schemas-microsoft-com:vml" xmlns:pvml="urn:schemas-microsoft-com:office:powerpoint" xmlns:com="http://schemas.openxmlformats.org/drawingml/2006/compatibility" xmlns:p14="http://schemas.microsoft.com/office/powerpoint/2010/main" xmlns:p15="http://schemas.microsoft.com/office/powerpoint/2012/main" matchingName="Big number">
+<p:sldLayout xmlns:a="http://schemas.openxmlformats.org/drawingml/2006/main" xmlns:r="http://schemas.openxmlformats.org/officeDocument/2006/relationships" xmlns:p="http://schemas.openxmlformats.org/presentationml/2006/main" matchingName="Big number">
   <p:cSld name="BIG_NUMBER">
     <p:spTree>
       <p:nvGrpSpPr>
-        <p:cNvPr id="48" name="Shape 48"/>
+        <p:cNvPr id="1" name="Shape 48"/>
         <p:cNvGrpSpPr/>
         <p:nvPr/>
       </p:nvGrpSpPr>
@@ -1921,12 +1977,12 @@
           </a:ln>
         </p:spPr>
         <p:txBody>
-          <a:bodyPr anchorCtr="0" anchor="ctr" bIns="91425" lIns="91425" spcFirstLastPara="1" rIns="91425" wrap="square" tIns="91425">
+          <a:bodyPr spcFirstLastPara="1" wrap="square" lIns="91425" tIns="91425" rIns="91425" bIns="91425" anchor="ctr" anchorCtr="0">
             <a:noAutofit/>
           </a:bodyPr>
           <a:lstStyle/>
           <a:p>
-            <a:pPr indent="0" lvl="0" marL="0" rtl="0" algn="l">
+            <a:pPr marL="0" lvl="0" indent="0" algn="l" rtl="0">
               <a:spcBef>
                 <a:spcPts val="0"/>
               </a:spcBef>
@@ -1935,9 +1991,6 @@
               </a:spcAft>
               <a:buNone/>
             </a:pPr>
-            <a:r>
-              <a:t/>
-            </a:r>
             <a:endParaRPr/>
           </a:p>
         </p:txBody>
@@ -1945,9 +1998,11 @@
       <p:sp>
         <p:nvSpPr>
           <p:cNvPr id="50" name="Google Shape;50;p11"/>
-          <p:cNvSpPr txBox="1"/>
+          <p:cNvSpPr txBox="1">
+            <a:spLocks noGrp="1"/>
+          </p:cNvSpPr>
           <p:nvPr>
-            <p:ph hasCustomPrompt="1" type="title"/>
+            <p:ph type="title" hasCustomPrompt="1"/>
           </p:nvPr>
         </p:nvSpPr>
         <p:spPr>
@@ -1960,7 +2015,7 @@
           </a:prstGeom>
         </p:spPr>
         <p:txBody>
-          <a:bodyPr anchorCtr="0" anchor="ctr" bIns="91425" lIns="91425" spcFirstLastPara="1" rIns="91425" wrap="square" tIns="91425">
+          <a:bodyPr spcFirstLastPara="1" wrap="square" lIns="91425" tIns="91425" rIns="91425" bIns="91425" anchor="ctr" anchorCtr="0">
             <a:noAutofit/>
           </a:bodyPr>
           <a:lstStyle>
@@ -1973,7 +2028,7 @@
               </a:spcAft>
               <a:buSzPts val="14000"/>
               <a:buNone/>
-              <a:defRPr b="1" sz="14000"/>
+              <a:defRPr sz="14000" b="1"/>
             </a:lvl1pPr>
             <a:lvl2pPr lvl="1" algn="ctr">
               <a:spcBef>
@@ -1984,7 +2039,7 @@
               </a:spcAft>
               <a:buSzPts val="14000"/>
               <a:buNone/>
-              <a:defRPr b="1" sz="14000"/>
+              <a:defRPr sz="14000" b="1"/>
             </a:lvl2pPr>
             <a:lvl3pPr lvl="2" algn="ctr">
               <a:spcBef>
@@ -1995,7 +2050,7 @@
               </a:spcAft>
               <a:buSzPts val="14000"/>
               <a:buNone/>
-              <a:defRPr b="1" sz="14000"/>
+              <a:defRPr sz="14000" b="1"/>
             </a:lvl3pPr>
             <a:lvl4pPr lvl="3" algn="ctr">
               <a:spcBef>
@@ -2006,7 +2061,7 @@
               </a:spcAft>
               <a:buSzPts val="14000"/>
               <a:buNone/>
-              <a:defRPr b="1" sz="14000"/>
+              <a:defRPr sz="14000" b="1"/>
             </a:lvl4pPr>
             <a:lvl5pPr lvl="4" algn="ctr">
               <a:spcBef>
@@ -2017,7 +2072,7 @@
               </a:spcAft>
               <a:buSzPts val="14000"/>
               <a:buNone/>
-              <a:defRPr b="1" sz="14000"/>
+              <a:defRPr sz="14000" b="1"/>
             </a:lvl5pPr>
             <a:lvl6pPr lvl="5" algn="ctr">
               <a:spcBef>
@@ -2028,7 +2083,7 @@
               </a:spcAft>
               <a:buSzPts val="14000"/>
               <a:buNone/>
-              <a:defRPr b="1" sz="14000"/>
+              <a:defRPr sz="14000" b="1"/>
             </a:lvl6pPr>
             <a:lvl7pPr lvl="6" algn="ctr">
               <a:spcBef>
@@ -2039,7 +2094,7 @@
               </a:spcAft>
               <a:buSzPts val="14000"/>
               <a:buNone/>
-              <a:defRPr b="1" sz="14000"/>
+              <a:defRPr sz="14000" b="1"/>
             </a:lvl7pPr>
             <a:lvl8pPr lvl="7" algn="ctr">
               <a:spcBef>
@@ -2050,7 +2105,7 @@
               </a:spcAft>
               <a:buSzPts val="14000"/>
               <a:buNone/>
-              <a:defRPr b="1" sz="14000"/>
+              <a:defRPr sz="14000" b="1"/>
             </a:lvl8pPr>
             <a:lvl9pPr lvl="8" algn="ctr">
               <a:spcBef>
@@ -2061,7 +2116,7 @@
               </a:spcAft>
               <a:buSzPts val="14000"/>
               <a:buNone/>
-              <a:defRPr b="1" sz="14000"/>
+              <a:defRPr sz="14000" b="1"/>
             </a:lvl9pPr>
           </a:lstStyle>
           <a:p>
@@ -2074,9 +2129,11 @@
       <p:sp>
         <p:nvSpPr>
           <p:cNvPr id="51" name="Google Shape;51;p11"/>
-          <p:cNvSpPr txBox="1"/>
+          <p:cNvSpPr txBox="1">
+            <a:spLocks noGrp="1"/>
+          </p:cNvSpPr>
           <p:nvPr>
-            <p:ph idx="1" type="body"/>
+            <p:ph type="body" idx="1"/>
           </p:nvPr>
         </p:nvSpPr>
         <p:spPr>
@@ -2089,11 +2146,11 @@
           </a:prstGeom>
         </p:spPr>
         <p:txBody>
-          <a:bodyPr anchorCtr="0" anchor="t" bIns="91425" lIns="91425" spcFirstLastPara="1" rIns="91425" wrap="square" tIns="91425">
+          <a:bodyPr spcFirstLastPara="1" wrap="square" lIns="91425" tIns="91425" rIns="91425" bIns="91425" anchor="t" anchorCtr="0">
             <a:noAutofit/>
           </a:bodyPr>
           <a:lstStyle>
-            <a:lvl1pPr indent="-342900" lvl="0" marL="457200" algn="ctr">
+            <a:lvl1pPr marL="457200" lvl="0" indent="-342900" algn="ctr">
               <a:spcBef>
                 <a:spcPts val="0"/>
               </a:spcBef>
@@ -2104,7 +2161,7 @@
               <a:buChar char="●"/>
               <a:defRPr/>
             </a:lvl1pPr>
-            <a:lvl2pPr indent="-317500" lvl="1" marL="914400" algn="ctr">
+            <a:lvl2pPr marL="914400" lvl="1" indent="-317500" algn="ctr">
               <a:spcBef>
                 <a:spcPts val="1600"/>
               </a:spcBef>
@@ -2115,7 +2172,7 @@
               <a:buChar char="○"/>
               <a:defRPr/>
             </a:lvl2pPr>
-            <a:lvl3pPr indent="-317500" lvl="2" marL="1371600" algn="ctr">
+            <a:lvl3pPr marL="1371600" lvl="2" indent="-317500" algn="ctr">
               <a:spcBef>
                 <a:spcPts val="1600"/>
               </a:spcBef>
@@ -2126,7 +2183,7 @@
               <a:buChar char="■"/>
               <a:defRPr/>
             </a:lvl3pPr>
-            <a:lvl4pPr indent="-317500" lvl="3" marL="1828800" algn="ctr">
+            <a:lvl4pPr marL="1828800" lvl="3" indent="-317500" algn="ctr">
               <a:spcBef>
                 <a:spcPts val="1600"/>
               </a:spcBef>
@@ -2137,7 +2194,7 @@
               <a:buChar char="●"/>
               <a:defRPr/>
             </a:lvl4pPr>
-            <a:lvl5pPr indent="-317500" lvl="4" marL="2286000" algn="ctr">
+            <a:lvl5pPr marL="2286000" lvl="4" indent="-317500" algn="ctr">
               <a:spcBef>
                 <a:spcPts val="1600"/>
               </a:spcBef>
@@ -2148,7 +2205,7 @@
               <a:buChar char="○"/>
               <a:defRPr/>
             </a:lvl5pPr>
-            <a:lvl6pPr indent="-317500" lvl="5" marL="2743200" algn="ctr">
+            <a:lvl6pPr marL="2743200" lvl="5" indent="-317500" algn="ctr">
               <a:spcBef>
                 <a:spcPts val="1600"/>
               </a:spcBef>
@@ -2159,7 +2216,7 @@
               <a:buChar char="■"/>
               <a:defRPr/>
             </a:lvl6pPr>
-            <a:lvl7pPr indent="-317500" lvl="6" marL="3200400" algn="ctr">
+            <a:lvl7pPr marL="3200400" lvl="6" indent="-317500" algn="ctr">
               <a:spcBef>
                 <a:spcPts val="1600"/>
               </a:spcBef>
@@ -2170,7 +2227,7 @@
               <a:buChar char="●"/>
               <a:defRPr/>
             </a:lvl7pPr>
-            <a:lvl8pPr indent="-317500" lvl="7" marL="3657600" algn="ctr">
+            <a:lvl8pPr marL="3657600" lvl="7" indent="-317500" algn="ctr">
               <a:spcBef>
                 <a:spcPts val="1600"/>
               </a:spcBef>
@@ -2181,7 +2238,7 @@
               <a:buChar char="○"/>
               <a:defRPr/>
             </a:lvl8pPr>
-            <a:lvl9pPr indent="-317500" lvl="8" marL="4114800" algn="ctr">
+            <a:lvl9pPr marL="4114800" lvl="8" indent="-317500" algn="ctr">
               <a:spcBef>
                 <a:spcPts val="1600"/>
               </a:spcBef>
@@ -2193,15 +2250,19 @@
               <a:defRPr/>
             </a:lvl9pPr>
           </a:lstStyle>
-          <a:p/>
+          <a:p>
+            <a:endParaRPr/>
+          </a:p>
         </p:txBody>
       </p:sp>
       <p:sp>
         <p:nvSpPr>
           <p:cNvPr id="52" name="Google Shape;52;p11"/>
-          <p:cNvSpPr txBox="1"/>
+          <p:cNvSpPr txBox="1">
+            <a:spLocks noGrp="1"/>
+          </p:cNvSpPr>
           <p:nvPr>
-            <p:ph idx="12" type="sldNum"/>
+            <p:ph type="sldNum" idx="12"/>
           </p:nvPr>
         </p:nvSpPr>
         <p:spPr>
@@ -2214,7 +2275,7 @@
           </a:prstGeom>
         </p:spPr>
         <p:txBody>
-          <a:bodyPr anchorCtr="0" anchor="ctr" bIns="91425" lIns="91425" spcFirstLastPara="1" rIns="91425" wrap="square" tIns="91425">
+          <a:bodyPr spcFirstLastPara="1" wrap="square" lIns="91425" tIns="91425" rIns="91425" bIns="91425" anchor="ctr" anchorCtr="0">
             <a:noAutofit/>
           </a:bodyPr>
           <a:lstStyle>
@@ -2256,7 +2317,7 @@
             </a:lvl9pPr>
           </a:lstStyle>
           <a:p>
-            <a:pPr indent="0" lvl="0" marL="0" rtl="0" algn="r">
+            <a:pPr marL="0" lvl="0" indent="0" algn="r" rtl="0">
               <a:spcBef>
                 <a:spcPts val="0"/>
               </a:spcBef>
@@ -2267,7 +2328,7 @@
             </a:pPr>
             <a:fld id="{00000000-1234-1234-1234-123412341234}" type="slidenum">
               <a:rPr lang="es-419"/>
-              <a:t>‹#›</a:t>
+              <a:t>‹Nº›</a:t>
             </a:fld>
             <a:endParaRPr/>
           </a:p>
@@ -2282,11 +2343,11 @@
 </file>
 
 <file path=ppt/slideLayouts/slideLayout11.xml><?xml version="1.0" encoding="utf-8"?>
-<p:sldLayout xmlns:a="http://schemas.openxmlformats.org/drawingml/2006/main" xmlns:r="http://schemas.openxmlformats.org/officeDocument/2006/relationships" xmlns:mc="http://schemas.openxmlformats.org/markup-compatibility/2006" xmlns:mv="urn:schemas-microsoft-com:mac:vml" xmlns:p="http://schemas.openxmlformats.org/presentationml/2006/main" xmlns:c="http://schemas.openxmlformats.org/drawingml/2006/chart" xmlns:dgm="http://schemas.openxmlformats.org/drawingml/2006/diagram" xmlns:o="urn:schemas-microsoft-com:office:office" xmlns:v="urn:schemas-microsoft-com:vml" xmlns:pvml="urn:schemas-microsoft-com:office:powerpoint" xmlns:com="http://schemas.openxmlformats.org/drawingml/2006/compatibility" xmlns:p14="http://schemas.microsoft.com/office/powerpoint/2010/main" xmlns:p15="http://schemas.microsoft.com/office/powerpoint/2012/main" matchingName="Blank" type="blank">
+<p:sldLayout xmlns:a="http://schemas.openxmlformats.org/drawingml/2006/main" xmlns:r="http://schemas.openxmlformats.org/officeDocument/2006/relationships" xmlns:p="http://schemas.openxmlformats.org/presentationml/2006/main" matchingName="Blank" type="blank">
   <p:cSld name="BLANK">
     <p:spTree>
       <p:nvGrpSpPr>
-        <p:cNvPr id="53" name="Shape 53"/>
+        <p:cNvPr id="1" name="Shape 53"/>
         <p:cNvGrpSpPr/>
         <p:nvPr/>
       </p:nvGrpSpPr>
@@ -2301,9 +2362,11 @@
       <p:sp>
         <p:nvSpPr>
           <p:cNvPr id="54" name="Google Shape;54;p12"/>
-          <p:cNvSpPr txBox="1"/>
+          <p:cNvSpPr txBox="1">
+            <a:spLocks noGrp="1"/>
+          </p:cNvSpPr>
           <p:nvPr>
-            <p:ph idx="12" type="sldNum"/>
+            <p:ph type="sldNum" idx="12"/>
           </p:nvPr>
         </p:nvSpPr>
         <p:spPr>
@@ -2316,7 +2379,7 @@
           </a:prstGeom>
         </p:spPr>
         <p:txBody>
-          <a:bodyPr anchorCtr="0" anchor="ctr" bIns="91425" lIns="91425" spcFirstLastPara="1" rIns="91425" wrap="square" tIns="91425">
+          <a:bodyPr spcFirstLastPara="1" wrap="square" lIns="91425" tIns="91425" rIns="91425" bIns="91425" anchor="ctr" anchorCtr="0">
             <a:noAutofit/>
           </a:bodyPr>
           <a:lstStyle>
@@ -2358,7 +2421,7 @@
             </a:lvl9pPr>
           </a:lstStyle>
           <a:p>
-            <a:pPr indent="0" lvl="0" marL="0" rtl="0" algn="r">
+            <a:pPr marL="0" lvl="0" indent="0" algn="r" rtl="0">
               <a:spcBef>
                 <a:spcPts val="0"/>
               </a:spcBef>
@@ -2369,7 +2432,7 @@
             </a:pPr>
             <a:fld id="{00000000-1234-1234-1234-123412341234}" type="slidenum">
               <a:rPr lang="es-419"/>
-              <a:t>‹#›</a:t>
+              <a:t>‹Nº›</a:t>
             </a:fld>
             <a:endParaRPr/>
           </a:p>
@@ -2384,18 +2447,19 @@
 </file>
 
 <file path=ppt/slideLayouts/slideLayout2.xml><?xml version="1.0" encoding="utf-8"?>
-<p:sldLayout xmlns:a="http://schemas.openxmlformats.org/drawingml/2006/main" xmlns:r="http://schemas.openxmlformats.org/officeDocument/2006/relationships" xmlns:mc="http://schemas.openxmlformats.org/markup-compatibility/2006" xmlns:mv="urn:schemas-microsoft-com:mac:vml" xmlns:p="http://schemas.openxmlformats.org/presentationml/2006/main" xmlns:c="http://schemas.openxmlformats.org/drawingml/2006/chart" xmlns:dgm="http://schemas.openxmlformats.org/drawingml/2006/diagram" xmlns:o="urn:schemas-microsoft-com:office:office" xmlns:v="urn:schemas-microsoft-com:vml" xmlns:pvml="urn:schemas-microsoft-com:office:powerpoint" xmlns:com="http://schemas.openxmlformats.org/drawingml/2006/compatibility" xmlns:p14="http://schemas.microsoft.com/office/powerpoint/2010/main" xmlns:p15="http://schemas.microsoft.com/office/powerpoint/2012/main" matchingName="Section header" type="secHead">
+<p:sldLayout xmlns:a="http://schemas.openxmlformats.org/drawingml/2006/main" xmlns:r="http://schemas.openxmlformats.org/officeDocument/2006/relationships" xmlns:p="http://schemas.openxmlformats.org/presentationml/2006/main" matchingName="Section header" type="secHead">
   <p:cSld name="SECTION_HEADER">
     <p:bg>
       <p:bgPr>
         <a:solidFill>
           <a:schemeClr val="dk1"/>
         </a:solidFill>
+        <a:effectLst/>
       </p:bgPr>
     </p:bg>
     <p:spTree>
       <p:nvGrpSpPr>
-        <p:cNvPr id="14" name="Shape 14"/>
+        <p:cNvPr id="1" name="Shape 14"/>
         <p:cNvGrpSpPr/>
         <p:nvPr/>
       </p:nvGrpSpPr>
@@ -2422,21 +2486,23 @@
             <a:avLst/>
           </a:prstGeom>
           <a:noFill/>
-          <a:ln cap="flat" cmpd="sng" w="19050">
+          <a:ln w="19050" cap="flat" cmpd="sng">
             <a:solidFill>
               <a:schemeClr val="lt2"/>
             </a:solidFill>
             <a:prstDash val="solid"/>
             <a:round/>
-            <a:headEnd len="sm" w="sm" type="none"/>
-            <a:tailEnd len="sm" w="sm" type="none"/>
+            <a:headEnd type="none" w="sm" len="sm"/>
+            <a:tailEnd type="none" w="sm" len="sm"/>
           </a:ln>
         </p:spPr>
       </p:cxnSp>
       <p:sp>
         <p:nvSpPr>
           <p:cNvPr id="16" name="Google Shape;16;p3"/>
-          <p:cNvSpPr txBox="1"/>
+          <p:cNvSpPr txBox="1">
+            <a:spLocks noGrp="1"/>
+          </p:cNvSpPr>
           <p:nvPr>
             <p:ph type="title"/>
           </p:nvPr>
@@ -2451,7 +2517,7 @@
           </a:prstGeom>
         </p:spPr>
         <p:txBody>
-          <a:bodyPr anchorCtr="0" anchor="b" bIns="91425" lIns="91425" spcFirstLastPara="1" rIns="91425" wrap="square" tIns="91425">
+          <a:bodyPr spcFirstLastPara="1" wrap="square" lIns="91425" tIns="91425" rIns="91425" bIns="91425" anchor="b" anchorCtr="0">
             <a:noAutofit/>
           </a:bodyPr>
           <a:lstStyle>
@@ -2618,15 +2684,19 @@
               </a:defRPr>
             </a:lvl9pPr>
           </a:lstStyle>
-          <a:p/>
+          <a:p>
+            <a:endParaRPr/>
+          </a:p>
         </p:txBody>
       </p:sp>
       <p:sp>
         <p:nvSpPr>
           <p:cNvPr id="17" name="Google Shape;17;p3"/>
-          <p:cNvSpPr txBox="1"/>
+          <p:cNvSpPr txBox="1">
+            <a:spLocks noGrp="1"/>
+          </p:cNvSpPr>
           <p:nvPr>
-            <p:ph idx="12" type="sldNum"/>
+            <p:ph type="sldNum" idx="12"/>
           </p:nvPr>
         </p:nvSpPr>
         <p:spPr>
@@ -2639,7 +2709,7 @@
           </a:prstGeom>
         </p:spPr>
         <p:txBody>
-          <a:bodyPr anchorCtr="0" anchor="ctr" bIns="91425" lIns="91425" spcFirstLastPara="1" rIns="91425" wrap="square" tIns="91425">
+          <a:bodyPr spcFirstLastPara="1" wrap="square" lIns="91425" tIns="91425" rIns="91425" bIns="91425" anchor="ctr" anchorCtr="0">
             <a:noAutofit/>
           </a:bodyPr>
           <a:lstStyle>
@@ -2717,7 +2787,7 @@
             </a:lvl9pPr>
           </a:lstStyle>
           <a:p>
-            <a:pPr indent="0" lvl="0" marL="0" rtl="0" algn="r">
+            <a:pPr marL="0" lvl="0" indent="0" algn="r" rtl="0">
               <a:spcBef>
                 <a:spcPts val="0"/>
               </a:spcBef>
@@ -2728,7 +2798,7 @@
             </a:pPr>
             <a:fld id="{00000000-1234-1234-1234-123412341234}" type="slidenum">
               <a:rPr lang="es-419"/>
-              <a:t>‹#›</a:t>
+              <a:t>‹Nº›</a:t>
             </a:fld>
             <a:endParaRPr/>
           </a:p>
@@ -2743,11 +2813,11 @@
 </file>
 
 <file path=ppt/slideLayouts/slideLayout3.xml><?xml version="1.0" encoding="utf-8"?>
-<p:sldLayout xmlns:a="http://schemas.openxmlformats.org/drawingml/2006/main" xmlns:r="http://schemas.openxmlformats.org/officeDocument/2006/relationships" xmlns:mc="http://schemas.openxmlformats.org/markup-compatibility/2006" xmlns:mv="urn:schemas-microsoft-com:mac:vml" xmlns:p="http://schemas.openxmlformats.org/presentationml/2006/main" xmlns:c="http://schemas.openxmlformats.org/drawingml/2006/chart" xmlns:dgm="http://schemas.openxmlformats.org/drawingml/2006/diagram" xmlns:o="urn:schemas-microsoft-com:office:office" xmlns:v="urn:schemas-microsoft-com:vml" xmlns:pvml="urn:schemas-microsoft-com:office:powerpoint" xmlns:com="http://schemas.openxmlformats.org/drawingml/2006/compatibility" xmlns:p14="http://schemas.microsoft.com/office/powerpoint/2010/main" xmlns:p15="http://schemas.microsoft.com/office/powerpoint/2012/main" matchingName="Title and body" type="tx">
+<p:sldLayout xmlns:a="http://schemas.openxmlformats.org/drawingml/2006/main" xmlns:r="http://schemas.openxmlformats.org/officeDocument/2006/relationships" xmlns:p="http://schemas.openxmlformats.org/presentationml/2006/main" matchingName="Title and body" type="tx">
   <p:cSld name="TITLE_AND_BODY">
     <p:spTree>
       <p:nvGrpSpPr>
-        <p:cNvPr id="18" name="Shape 18"/>
+        <p:cNvPr id="1" name="Shape 18"/>
         <p:cNvGrpSpPr/>
         <p:nvPr/>
       </p:nvGrpSpPr>
@@ -2781,12 +2851,12 @@
           </a:ln>
         </p:spPr>
         <p:txBody>
-          <a:bodyPr anchorCtr="0" anchor="ctr" bIns="91425" lIns="91425" spcFirstLastPara="1" rIns="91425" wrap="square" tIns="91425">
+          <a:bodyPr spcFirstLastPara="1" wrap="square" lIns="91425" tIns="91425" rIns="91425" bIns="91425" anchor="ctr" anchorCtr="0">
             <a:noAutofit/>
           </a:bodyPr>
           <a:lstStyle/>
           <a:p>
-            <a:pPr indent="0" lvl="0" marL="0" rtl="0" algn="l">
+            <a:pPr marL="0" lvl="0" indent="0" algn="l" rtl="0">
               <a:spcBef>
                 <a:spcPts val="0"/>
               </a:spcBef>
@@ -2795,9 +2865,6 @@
               </a:spcAft>
               <a:buNone/>
             </a:pPr>
-            <a:r>
-              <a:t/>
-            </a:r>
             <a:endParaRPr/>
           </a:p>
         </p:txBody>
@@ -2805,7 +2872,9 @@
       <p:sp>
         <p:nvSpPr>
           <p:cNvPr id="20" name="Google Shape;20;p4"/>
-          <p:cNvSpPr txBox="1"/>
+          <p:cNvSpPr txBox="1">
+            <a:spLocks noGrp="1"/>
+          </p:cNvSpPr>
           <p:nvPr>
             <p:ph type="title"/>
           </p:nvPr>
@@ -2820,7 +2889,7 @@
           </a:prstGeom>
         </p:spPr>
         <p:txBody>
-          <a:bodyPr anchorCtr="0" anchor="t" bIns="91425" lIns="91425" spcFirstLastPara="1" rIns="91425" wrap="square" tIns="91425">
+          <a:bodyPr spcFirstLastPara="1" wrap="square" lIns="91425" tIns="91425" rIns="91425" bIns="91425" anchor="t" anchorCtr="0">
             <a:noAutofit/>
           </a:bodyPr>
           <a:lstStyle>
@@ -2924,15 +2993,19 @@
               <a:defRPr/>
             </a:lvl9pPr>
           </a:lstStyle>
-          <a:p/>
+          <a:p>
+            <a:endParaRPr/>
+          </a:p>
         </p:txBody>
       </p:sp>
       <p:sp>
         <p:nvSpPr>
           <p:cNvPr id="21" name="Google Shape;21;p4"/>
-          <p:cNvSpPr txBox="1"/>
+          <p:cNvSpPr txBox="1">
+            <a:spLocks noGrp="1"/>
+          </p:cNvSpPr>
           <p:nvPr>
-            <p:ph idx="1" type="body"/>
+            <p:ph type="body" idx="1"/>
           </p:nvPr>
         </p:nvSpPr>
         <p:spPr>
@@ -2945,11 +3018,11 @@
           </a:prstGeom>
         </p:spPr>
         <p:txBody>
-          <a:bodyPr anchorCtr="0" anchor="t" bIns="91425" lIns="91425" spcFirstLastPara="1" rIns="91425" wrap="square" tIns="91425">
+          <a:bodyPr spcFirstLastPara="1" wrap="square" lIns="91425" tIns="91425" rIns="91425" bIns="91425" anchor="t" anchorCtr="0">
             <a:noAutofit/>
           </a:bodyPr>
           <a:lstStyle>
-            <a:lvl1pPr indent="-342900" lvl="0" marL="457200">
+            <a:lvl1pPr marL="457200" lvl="0" indent="-342900">
               <a:spcBef>
                 <a:spcPts val="0"/>
               </a:spcBef>
@@ -2960,7 +3033,7 @@
               <a:buChar char="●"/>
               <a:defRPr/>
             </a:lvl1pPr>
-            <a:lvl2pPr indent="-317500" lvl="1" marL="914400">
+            <a:lvl2pPr marL="914400" lvl="1" indent="-317500">
               <a:spcBef>
                 <a:spcPts val="1600"/>
               </a:spcBef>
@@ -2971,7 +3044,7 @@
               <a:buChar char="○"/>
               <a:defRPr/>
             </a:lvl2pPr>
-            <a:lvl3pPr indent="-317500" lvl="2" marL="1371600">
+            <a:lvl3pPr marL="1371600" lvl="2" indent="-317500">
               <a:spcBef>
                 <a:spcPts val="1600"/>
               </a:spcBef>
@@ -2982,7 +3055,7 @@
               <a:buChar char="■"/>
               <a:defRPr/>
             </a:lvl3pPr>
-            <a:lvl4pPr indent="-317500" lvl="3" marL="1828800">
+            <a:lvl4pPr marL="1828800" lvl="3" indent="-317500">
               <a:spcBef>
                 <a:spcPts val="1600"/>
               </a:spcBef>
@@ -2993,7 +3066,7 @@
               <a:buChar char="●"/>
               <a:defRPr/>
             </a:lvl4pPr>
-            <a:lvl5pPr indent="-317500" lvl="4" marL="2286000">
+            <a:lvl5pPr marL="2286000" lvl="4" indent="-317500">
               <a:spcBef>
                 <a:spcPts val="1600"/>
               </a:spcBef>
@@ -3004,7 +3077,7 @@
               <a:buChar char="○"/>
               <a:defRPr/>
             </a:lvl5pPr>
-            <a:lvl6pPr indent="-317500" lvl="5" marL="2743200">
+            <a:lvl6pPr marL="2743200" lvl="5" indent="-317500">
               <a:spcBef>
                 <a:spcPts val="1600"/>
               </a:spcBef>
@@ -3015,7 +3088,7 @@
               <a:buChar char="■"/>
               <a:defRPr/>
             </a:lvl6pPr>
-            <a:lvl7pPr indent="-317500" lvl="6" marL="3200400">
+            <a:lvl7pPr marL="3200400" lvl="6" indent="-317500">
               <a:spcBef>
                 <a:spcPts val="1600"/>
               </a:spcBef>
@@ -3026,7 +3099,7 @@
               <a:buChar char="●"/>
               <a:defRPr/>
             </a:lvl7pPr>
-            <a:lvl8pPr indent="-317500" lvl="7" marL="3657600">
+            <a:lvl8pPr marL="3657600" lvl="7" indent="-317500">
               <a:spcBef>
                 <a:spcPts val="1600"/>
               </a:spcBef>
@@ -3037,7 +3110,7 @@
               <a:buChar char="○"/>
               <a:defRPr/>
             </a:lvl8pPr>
-            <a:lvl9pPr indent="-317500" lvl="8" marL="4114800">
+            <a:lvl9pPr marL="4114800" lvl="8" indent="-317500">
               <a:spcBef>
                 <a:spcPts val="1600"/>
               </a:spcBef>
@@ -3049,15 +3122,19 @@
               <a:defRPr/>
             </a:lvl9pPr>
           </a:lstStyle>
-          <a:p/>
+          <a:p>
+            <a:endParaRPr/>
+          </a:p>
         </p:txBody>
       </p:sp>
       <p:sp>
         <p:nvSpPr>
           <p:cNvPr id="22" name="Google Shape;22;p4"/>
-          <p:cNvSpPr txBox="1"/>
+          <p:cNvSpPr txBox="1">
+            <a:spLocks noGrp="1"/>
+          </p:cNvSpPr>
           <p:nvPr>
-            <p:ph idx="12" type="sldNum"/>
+            <p:ph type="sldNum" idx="12"/>
           </p:nvPr>
         </p:nvSpPr>
         <p:spPr>
@@ -3070,7 +3147,7 @@
           </a:prstGeom>
         </p:spPr>
         <p:txBody>
-          <a:bodyPr anchorCtr="0" anchor="ctr" bIns="91425" lIns="91425" spcFirstLastPara="1" rIns="91425" wrap="square" tIns="91425">
+          <a:bodyPr spcFirstLastPara="1" wrap="square" lIns="91425" tIns="91425" rIns="91425" bIns="91425" anchor="ctr" anchorCtr="0">
             <a:noAutofit/>
           </a:bodyPr>
           <a:lstStyle>
@@ -3112,7 +3189,7 @@
             </a:lvl9pPr>
           </a:lstStyle>
           <a:p>
-            <a:pPr indent="0" lvl="0" marL="0" rtl="0" algn="r">
+            <a:pPr marL="0" lvl="0" indent="0" algn="r" rtl="0">
               <a:spcBef>
                 <a:spcPts val="0"/>
               </a:spcBef>
@@ -3123,7 +3200,7 @@
             </a:pPr>
             <a:fld id="{00000000-1234-1234-1234-123412341234}" type="slidenum">
               <a:rPr lang="es-419"/>
-              <a:t>‹#›</a:t>
+              <a:t>‹Nº›</a:t>
             </a:fld>
             <a:endParaRPr/>
           </a:p>
@@ -3138,11 +3215,11 @@
 </file>
 
 <file path=ppt/slideLayouts/slideLayout4.xml><?xml version="1.0" encoding="utf-8"?>
-<p:sldLayout xmlns:a="http://schemas.openxmlformats.org/drawingml/2006/main" xmlns:r="http://schemas.openxmlformats.org/officeDocument/2006/relationships" xmlns:mc="http://schemas.openxmlformats.org/markup-compatibility/2006" xmlns:mv="urn:schemas-microsoft-com:mac:vml" xmlns:p="http://schemas.openxmlformats.org/presentationml/2006/main" xmlns:c="http://schemas.openxmlformats.org/drawingml/2006/chart" xmlns:dgm="http://schemas.openxmlformats.org/drawingml/2006/diagram" xmlns:o="urn:schemas-microsoft-com:office:office" xmlns:v="urn:schemas-microsoft-com:vml" xmlns:pvml="urn:schemas-microsoft-com:office:powerpoint" xmlns:com="http://schemas.openxmlformats.org/drawingml/2006/compatibility" xmlns:p14="http://schemas.microsoft.com/office/powerpoint/2010/main" xmlns:p15="http://schemas.microsoft.com/office/powerpoint/2012/main" matchingName="Title and two columns" type="twoColTx">
+<p:sldLayout xmlns:a="http://schemas.openxmlformats.org/drawingml/2006/main" xmlns:r="http://schemas.openxmlformats.org/officeDocument/2006/relationships" xmlns:p="http://schemas.openxmlformats.org/presentationml/2006/main" matchingName="Title and two columns" type="twoColTx">
   <p:cSld name="TITLE_AND_TWO_COLUMNS">
     <p:spTree>
       <p:nvGrpSpPr>
-        <p:cNvPr id="23" name="Shape 23"/>
+        <p:cNvPr id="1" name="Shape 23"/>
         <p:cNvGrpSpPr/>
         <p:nvPr/>
       </p:nvGrpSpPr>
@@ -3157,7 +3234,9 @@
       <p:sp>
         <p:nvSpPr>
           <p:cNvPr id="24" name="Google Shape;24;p5"/>
-          <p:cNvSpPr txBox="1"/>
+          <p:cNvSpPr txBox="1">
+            <a:spLocks noGrp="1"/>
+          </p:cNvSpPr>
           <p:nvPr>
             <p:ph type="title"/>
           </p:nvPr>
@@ -3172,7 +3251,7 @@
           </a:prstGeom>
         </p:spPr>
         <p:txBody>
-          <a:bodyPr anchorCtr="0" anchor="t" bIns="91425" lIns="91425" spcFirstLastPara="1" rIns="91425" wrap="square" tIns="91425">
+          <a:bodyPr spcFirstLastPara="1" wrap="square" lIns="91425" tIns="91425" rIns="91425" bIns="91425" anchor="t" anchorCtr="0">
             <a:noAutofit/>
           </a:bodyPr>
           <a:lstStyle>
@@ -3276,15 +3355,19 @@
               <a:defRPr/>
             </a:lvl9pPr>
           </a:lstStyle>
-          <a:p/>
+          <a:p>
+            <a:endParaRPr/>
+          </a:p>
         </p:txBody>
       </p:sp>
       <p:sp>
         <p:nvSpPr>
           <p:cNvPr id="25" name="Google Shape;25;p5"/>
-          <p:cNvSpPr txBox="1"/>
+          <p:cNvSpPr txBox="1">
+            <a:spLocks noGrp="1"/>
+          </p:cNvSpPr>
           <p:nvPr>
-            <p:ph idx="1" type="body"/>
+            <p:ph type="body" idx="1"/>
           </p:nvPr>
         </p:nvSpPr>
         <p:spPr>
@@ -3297,11 +3380,11 @@
           </a:prstGeom>
         </p:spPr>
         <p:txBody>
-          <a:bodyPr anchorCtr="0" anchor="t" bIns="91425" lIns="91425" spcFirstLastPara="1" rIns="91425" wrap="square" tIns="91425">
+          <a:bodyPr spcFirstLastPara="1" wrap="square" lIns="91425" tIns="91425" rIns="91425" bIns="91425" anchor="t" anchorCtr="0">
             <a:noAutofit/>
           </a:bodyPr>
           <a:lstStyle>
-            <a:lvl1pPr indent="-317500" lvl="0" marL="457200">
+            <a:lvl1pPr marL="457200" lvl="0" indent="-317500">
               <a:spcBef>
                 <a:spcPts val="0"/>
               </a:spcBef>
@@ -3312,7 +3395,7 @@
               <a:buChar char="●"/>
               <a:defRPr sz="1400"/>
             </a:lvl1pPr>
-            <a:lvl2pPr indent="-304800" lvl="1" marL="914400">
+            <a:lvl2pPr marL="914400" lvl="1" indent="-304800">
               <a:spcBef>
                 <a:spcPts val="1600"/>
               </a:spcBef>
@@ -3323,7 +3406,7 @@
               <a:buChar char="○"/>
               <a:defRPr sz="1200"/>
             </a:lvl2pPr>
-            <a:lvl3pPr indent="-304800" lvl="2" marL="1371600">
+            <a:lvl3pPr marL="1371600" lvl="2" indent="-304800">
               <a:spcBef>
                 <a:spcPts val="1600"/>
               </a:spcBef>
@@ -3334,7 +3417,7 @@
               <a:buChar char="■"/>
               <a:defRPr sz="1200"/>
             </a:lvl3pPr>
-            <a:lvl4pPr indent="-304800" lvl="3" marL="1828800">
+            <a:lvl4pPr marL="1828800" lvl="3" indent="-304800">
               <a:spcBef>
                 <a:spcPts val="1600"/>
               </a:spcBef>
@@ -3345,7 +3428,7 @@
               <a:buChar char="●"/>
               <a:defRPr sz="1200"/>
             </a:lvl4pPr>
-            <a:lvl5pPr indent="-304800" lvl="4" marL="2286000">
+            <a:lvl5pPr marL="2286000" lvl="4" indent="-304800">
               <a:spcBef>
                 <a:spcPts val="1600"/>
               </a:spcBef>
@@ -3356,7 +3439,7 @@
               <a:buChar char="○"/>
               <a:defRPr sz="1200"/>
             </a:lvl5pPr>
-            <a:lvl6pPr indent="-304800" lvl="5" marL="2743200">
+            <a:lvl6pPr marL="2743200" lvl="5" indent="-304800">
               <a:spcBef>
                 <a:spcPts val="1600"/>
               </a:spcBef>
@@ -3367,7 +3450,7 @@
               <a:buChar char="■"/>
               <a:defRPr sz="1200"/>
             </a:lvl6pPr>
-            <a:lvl7pPr indent="-304800" lvl="6" marL="3200400">
+            <a:lvl7pPr marL="3200400" lvl="6" indent="-304800">
               <a:spcBef>
                 <a:spcPts val="1600"/>
               </a:spcBef>
@@ -3378,7 +3461,7 @@
               <a:buChar char="●"/>
               <a:defRPr sz="1200"/>
             </a:lvl7pPr>
-            <a:lvl8pPr indent="-304800" lvl="7" marL="3657600">
+            <a:lvl8pPr marL="3657600" lvl="7" indent="-304800">
               <a:spcBef>
                 <a:spcPts val="1600"/>
               </a:spcBef>
@@ -3389,7 +3472,7 @@
               <a:buChar char="○"/>
               <a:defRPr sz="1200"/>
             </a:lvl8pPr>
-            <a:lvl9pPr indent="-304800" lvl="8" marL="4114800">
+            <a:lvl9pPr marL="4114800" lvl="8" indent="-304800">
               <a:spcBef>
                 <a:spcPts val="1600"/>
               </a:spcBef>
@@ -3401,15 +3484,19 @@
               <a:defRPr sz="1200"/>
             </a:lvl9pPr>
           </a:lstStyle>
-          <a:p/>
+          <a:p>
+            <a:endParaRPr/>
+          </a:p>
         </p:txBody>
       </p:sp>
       <p:sp>
         <p:nvSpPr>
           <p:cNvPr id="26" name="Google Shape;26;p5"/>
-          <p:cNvSpPr txBox="1"/>
+          <p:cNvSpPr txBox="1">
+            <a:spLocks noGrp="1"/>
+          </p:cNvSpPr>
           <p:nvPr>
-            <p:ph idx="2" type="body"/>
+            <p:ph type="body" idx="2"/>
           </p:nvPr>
         </p:nvSpPr>
         <p:spPr>
@@ -3422,11 +3509,11 @@
           </a:prstGeom>
         </p:spPr>
         <p:txBody>
-          <a:bodyPr anchorCtr="0" anchor="t" bIns="91425" lIns="91425" spcFirstLastPara="1" rIns="91425" wrap="square" tIns="91425">
+          <a:bodyPr spcFirstLastPara="1" wrap="square" lIns="91425" tIns="91425" rIns="91425" bIns="91425" anchor="t" anchorCtr="0">
             <a:noAutofit/>
           </a:bodyPr>
           <a:lstStyle>
-            <a:lvl1pPr indent="-317500" lvl="0" marL="457200">
+            <a:lvl1pPr marL="457200" lvl="0" indent="-317500">
               <a:spcBef>
                 <a:spcPts val="0"/>
               </a:spcBef>
@@ -3437,7 +3524,7 @@
               <a:buChar char="●"/>
               <a:defRPr sz="1400"/>
             </a:lvl1pPr>
-            <a:lvl2pPr indent="-304800" lvl="1" marL="914400">
+            <a:lvl2pPr marL="914400" lvl="1" indent="-304800">
               <a:spcBef>
                 <a:spcPts val="1600"/>
               </a:spcBef>
@@ -3448,7 +3535,7 @@
               <a:buChar char="○"/>
               <a:defRPr sz="1200"/>
             </a:lvl2pPr>
-            <a:lvl3pPr indent="-304800" lvl="2" marL="1371600">
+            <a:lvl3pPr marL="1371600" lvl="2" indent="-304800">
               <a:spcBef>
                 <a:spcPts val="1600"/>
               </a:spcBef>
@@ -3459,7 +3546,7 @@
               <a:buChar char="■"/>
               <a:defRPr sz="1200"/>
             </a:lvl3pPr>
-            <a:lvl4pPr indent="-304800" lvl="3" marL="1828800">
+            <a:lvl4pPr marL="1828800" lvl="3" indent="-304800">
               <a:spcBef>
                 <a:spcPts val="1600"/>
               </a:spcBef>
@@ -3470,7 +3557,7 @@
               <a:buChar char="●"/>
               <a:defRPr sz="1200"/>
             </a:lvl4pPr>
-            <a:lvl5pPr indent="-304800" lvl="4" marL="2286000">
+            <a:lvl5pPr marL="2286000" lvl="4" indent="-304800">
               <a:spcBef>
                 <a:spcPts val="1600"/>
               </a:spcBef>
@@ -3481,7 +3568,7 @@
               <a:buChar char="○"/>
               <a:defRPr sz="1200"/>
             </a:lvl5pPr>
-            <a:lvl6pPr indent="-304800" lvl="5" marL="2743200">
+            <a:lvl6pPr marL="2743200" lvl="5" indent="-304800">
               <a:spcBef>
                 <a:spcPts val="1600"/>
               </a:spcBef>
@@ -3492,7 +3579,7 @@
               <a:buChar char="■"/>
               <a:defRPr sz="1200"/>
             </a:lvl6pPr>
-            <a:lvl7pPr indent="-304800" lvl="6" marL="3200400">
+            <a:lvl7pPr marL="3200400" lvl="6" indent="-304800">
               <a:spcBef>
                 <a:spcPts val="1600"/>
               </a:spcBef>
@@ -3503,7 +3590,7 @@
               <a:buChar char="●"/>
               <a:defRPr sz="1200"/>
             </a:lvl7pPr>
-            <a:lvl8pPr indent="-304800" lvl="7" marL="3657600">
+            <a:lvl8pPr marL="3657600" lvl="7" indent="-304800">
               <a:spcBef>
                 <a:spcPts val="1600"/>
               </a:spcBef>
@@ -3514,7 +3601,7 @@
               <a:buChar char="○"/>
               <a:defRPr sz="1200"/>
             </a:lvl8pPr>
-            <a:lvl9pPr indent="-304800" lvl="8" marL="4114800">
+            <a:lvl9pPr marL="4114800" lvl="8" indent="-304800">
               <a:spcBef>
                 <a:spcPts val="1600"/>
               </a:spcBef>
@@ -3526,15 +3613,19 @@
               <a:defRPr sz="1200"/>
             </a:lvl9pPr>
           </a:lstStyle>
-          <a:p/>
+          <a:p>
+            <a:endParaRPr/>
+          </a:p>
         </p:txBody>
       </p:sp>
       <p:sp>
         <p:nvSpPr>
           <p:cNvPr id="27" name="Google Shape;27;p5"/>
-          <p:cNvSpPr txBox="1"/>
+          <p:cNvSpPr txBox="1">
+            <a:spLocks noGrp="1"/>
+          </p:cNvSpPr>
           <p:nvPr>
-            <p:ph idx="12" type="sldNum"/>
+            <p:ph type="sldNum" idx="12"/>
           </p:nvPr>
         </p:nvSpPr>
         <p:spPr>
@@ -3547,7 +3638,7 @@
           </a:prstGeom>
         </p:spPr>
         <p:txBody>
-          <a:bodyPr anchorCtr="0" anchor="ctr" bIns="91425" lIns="91425" spcFirstLastPara="1" rIns="91425" wrap="square" tIns="91425">
+          <a:bodyPr spcFirstLastPara="1" wrap="square" lIns="91425" tIns="91425" rIns="91425" bIns="91425" anchor="ctr" anchorCtr="0">
             <a:noAutofit/>
           </a:bodyPr>
           <a:lstStyle>
@@ -3589,7 +3680,7 @@
             </a:lvl9pPr>
           </a:lstStyle>
           <a:p>
-            <a:pPr indent="0" lvl="0" marL="0" rtl="0" algn="r">
+            <a:pPr marL="0" lvl="0" indent="0" algn="r" rtl="0">
               <a:spcBef>
                 <a:spcPts val="0"/>
               </a:spcBef>
@@ -3600,7 +3691,7 @@
             </a:pPr>
             <a:fld id="{00000000-1234-1234-1234-123412341234}" type="slidenum">
               <a:rPr lang="es-419"/>
-              <a:t>‹#›</a:t>
+              <a:t>‹Nº›</a:t>
             </a:fld>
             <a:endParaRPr/>
           </a:p>
@@ -3615,11 +3706,11 @@
 </file>
 
 <file path=ppt/slideLayouts/slideLayout5.xml><?xml version="1.0" encoding="utf-8"?>
-<p:sldLayout xmlns:a="http://schemas.openxmlformats.org/drawingml/2006/main" xmlns:r="http://schemas.openxmlformats.org/officeDocument/2006/relationships" xmlns:mc="http://schemas.openxmlformats.org/markup-compatibility/2006" xmlns:mv="urn:schemas-microsoft-com:mac:vml" xmlns:p="http://schemas.openxmlformats.org/presentationml/2006/main" xmlns:c="http://schemas.openxmlformats.org/drawingml/2006/chart" xmlns:dgm="http://schemas.openxmlformats.org/drawingml/2006/diagram" xmlns:o="urn:schemas-microsoft-com:office:office" xmlns:v="urn:schemas-microsoft-com:vml" xmlns:pvml="urn:schemas-microsoft-com:office:powerpoint" xmlns:com="http://schemas.openxmlformats.org/drawingml/2006/compatibility" xmlns:p14="http://schemas.microsoft.com/office/powerpoint/2010/main" xmlns:p15="http://schemas.microsoft.com/office/powerpoint/2012/main" matchingName="Title only" type="titleOnly">
+<p:sldLayout xmlns:a="http://schemas.openxmlformats.org/drawingml/2006/main" xmlns:r="http://schemas.openxmlformats.org/officeDocument/2006/relationships" xmlns:p="http://schemas.openxmlformats.org/presentationml/2006/main" matchingName="Title only" type="titleOnly">
   <p:cSld name="TITLE_ONLY">
     <p:spTree>
       <p:nvGrpSpPr>
-        <p:cNvPr id="28" name="Shape 28"/>
+        <p:cNvPr id="1" name="Shape 28"/>
         <p:cNvGrpSpPr/>
         <p:nvPr/>
       </p:nvGrpSpPr>
@@ -3634,7 +3725,9 @@
       <p:sp>
         <p:nvSpPr>
           <p:cNvPr id="29" name="Google Shape;29;p6"/>
-          <p:cNvSpPr txBox="1"/>
+          <p:cNvSpPr txBox="1">
+            <a:spLocks noGrp="1"/>
+          </p:cNvSpPr>
           <p:nvPr>
             <p:ph type="title"/>
           </p:nvPr>
@@ -3649,7 +3742,7 @@
           </a:prstGeom>
         </p:spPr>
         <p:txBody>
-          <a:bodyPr anchorCtr="0" anchor="t" bIns="91425" lIns="91425" spcFirstLastPara="1" rIns="91425" wrap="square" tIns="91425">
+          <a:bodyPr spcFirstLastPara="1" wrap="square" lIns="91425" tIns="91425" rIns="91425" bIns="91425" anchor="t" anchorCtr="0">
             <a:noAutofit/>
           </a:bodyPr>
           <a:lstStyle>
@@ -3753,15 +3846,19 @@
               <a:defRPr/>
             </a:lvl9pPr>
           </a:lstStyle>
-          <a:p/>
+          <a:p>
+            <a:endParaRPr/>
+          </a:p>
         </p:txBody>
       </p:sp>
       <p:sp>
         <p:nvSpPr>
           <p:cNvPr id="30" name="Google Shape;30;p6"/>
-          <p:cNvSpPr txBox="1"/>
+          <p:cNvSpPr txBox="1">
+            <a:spLocks noGrp="1"/>
+          </p:cNvSpPr>
           <p:nvPr>
-            <p:ph idx="12" type="sldNum"/>
+            <p:ph type="sldNum" idx="12"/>
           </p:nvPr>
         </p:nvSpPr>
         <p:spPr>
@@ -3774,7 +3871,7 @@
           </a:prstGeom>
         </p:spPr>
         <p:txBody>
-          <a:bodyPr anchorCtr="0" anchor="ctr" bIns="91425" lIns="91425" spcFirstLastPara="1" rIns="91425" wrap="square" tIns="91425">
+          <a:bodyPr spcFirstLastPara="1" wrap="square" lIns="91425" tIns="91425" rIns="91425" bIns="91425" anchor="ctr" anchorCtr="0">
             <a:noAutofit/>
           </a:bodyPr>
           <a:lstStyle>
@@ -3816,7 +3913,7 @@
             </a:lvl9pPr>
           </a:lstStyle>
           <a:p>
-            <a:pPr indent="0" lvl="0" marL="0" rtl="0" algn="r">
+            <a:pPr marL="0" lvl="0" indent="0" algn="r" rtl="0">
               <a:spcBef>
                 <a:spcPts val="0"/>
               </a:spcBef>
@@ -3827,7 +3924,7 @@
             </a:pPr>
             <a:fld id="{00000000-1234-1234-1234-123412341234}" type="slidenum">
               <a:rPr lang="es-419"/>
-              <a:t>‹#›</a:t>
+              <a:t>‹Nº›</a:t>
             </a:fld>
             <a:endParaRPr/>
           </a:p>
@@ -3842,11 +3939,11 @@
 </file>
 
 <file path=ppt/slideLayouts/slideLayout6.xml><?xml version="1.0" encoding="utf-8"?>
-<p:sldLayout xmlns:a="http://schemas.openxmlformats.org/drawingml/2006/main" xmlns:r="http://schemas.openxmlformats.org/officeDocument/2006/relationships" xmlns:mc="http://schemas.openxmlformats.org/markup-compatibility/2006" xmlns:mv="urn:schemas-microsoft-com:mac:vml" xmlns:p="http://schemas.openxmlformats.org/presentationml/2006/main" xmlns:c="http://schemas.openxmlformats.org/drawingml/2006/chart" xmlns:dgm="http://schemas.openxmlformats.org/drawingml/2006/diagram" xmlns:o="urn:schemas-microsoft-com:office:office" xmlns:v="urn:schemas-microsoft-com:vml" xmlns:pvml="urn:schemas-microsoft-com:office:powerpoint" xmlns:com="http://schemas.openxmlformats.org/drawingml/2006/compatibility" xmlns:p14="http://schemas.microsoft.com/office/powerpoint/2010/main" xmlns:p15="http://schemas.microsoft.com/office/powerpoint/2012/main" matchingName="One column text">
+<p:sldLayout xmlns:a="http://schemas.openxmlformats.org/drawingml/2006/main" xmlns:r="http://schemas.openxmlformats.org/officeDocument/2006/relationships" xmlns:p="http://schemas.openxmlformats.org/presentationml/2006/main" matchingName="One column text">
   <p:cSld name="ONE_COLUMN_TEXT">
     <p:spTree>
       <p:nvGrpSpPr>
-        <p:cNvPr id="31" name="Shape 31"/>
+        <p:cNvPr id="1" name="Shape 31"/>
         <p:cNvGrpSpPr/>
         <p:nvPr/>
       </p:nvGrpSpPr>
@@ -3861,7 +3958,9 @@
       <p:sp>
         <p:nvSpPr>
           <p:cNvPr id="32" name="Google Shape;32;p7"/>
-          <p:cNvSpPr txBox="1"/>
+          <p:cNvSpPr txBox="1">
+            <a:spLocks noGrp="1"/>
+          </p:cNvSpPr>
           <p:nvPr>
             <p:ph type="title"/>
           </p:nvPr>
@@ -3876,7 +3975,7 @@
           </a:prstGeom>
         </p:spPr>
         <p:txBody>
-          <a:bodyPr anchorCtr="0" anchor="b" bIns="91425" lIns="91425" spcFirstLastPara="1" rIns="91425" wrap="square" tIns="91425">
+          <a:bodyPr spcFirstLastPara="1" wrap="square" lIns="91425" tIns="91425" rIns="91425" bIns="91425" anchor="b" anchorCtr="0">
             <a:noAutofit/>
           </a:bodyPr>
           <a:lstStyle>
@@ -3980,15 +4079,19 @@
               <a:defRPr sz="2400"/>
             </a:lvl9pPr>
           </a:lstStyle>
-          <a:p/>
+          <a:p>
+            <a:endParaRPr/>
+          </a:p>
         </p:txBody>
       </p:sp>
       <p:sp>
         <p:nvSpPr>
           <p:cNvPr id="33" name="Google Shape;33;p7"/>
-          <p:cNvSpPr txBox="1"/>
+          <p:cNvSpPr txBox="1">
+            <a:spLocks noGrp="1"/>
+          </p:cNvSpPr>
           <p:nvPr>
-            <p:ph idx="1" type="body"/>
+            <p:ph type="body" idx="1"/>
           </p:nvPr>
         </p:nvSpPr>
         <p:spPr>
@@ -4001,11 +4104,11 @@
           </a:prstGeom>
         </p:spPr>
         <p:txBody>
-          <a:bodyPr anchorCtr="0" anchor="t" bIns="91425" lIns="91425" spcFirstLastPara="1" rIns="91425" wrap="square" tIns="91425">
+          <a:bodyPr spcFirstLastPara="1" wrap="square" lIns="91425" tIns="91425" rIns="91425" bIns="91425" anchor="t" anchorCtr="0">
             <a:noAutofit/>
           </a:bodyPr>
           <a:lstStyle>
-            <a:lvl1pPr indent="-304800" lvl="0" marL="457200">
+            <a:lvl1pPr marL="457200" lvl="0" indent="-304800">
               <a:spcBef>
                 <a:spcPts val="0"/>
               </a:spcBef>
@@ -4016,7 +4119,7 @@
               <a:buChar char="●"/>
               <a:defRPr sz="1200"/>
             </a:lvl1pPr>
-            <a:lvl2pPr indent="-304800" lvl="1" marL="914400">
+            <a:lvl2pPr marL="914400" lvl="1" indent="-304800">
               <a:spcBef>
                 <a:spcPts val="1600"/>
               </a:spcBef>
@@ -4027,7 +4130,7 @@
               <a:buChar char="○"/>
               <a:defRPr sz="1200"/>
             </a:lvl2pPr>
-            <a:lvl3pPr indent="-304800" lvl="2" marL="1371600">
+            <a:lvl3pPr marL="1371600" lvl="2" indent="-304800">
               <a:spcBef>
                 <a:spcPts val="1600"/>
               </a:spcBef>
@@ -4038,7 +4141,7 @@
               <a:buChar char="■"/>
               <a:defRPr sz="1200"/>
             </a:lvl3pPr>
-            <a:lvl4pPr indent="-304800" lvl="3" marL="1828800">
+            <a:lvl4pPr marL="1828800" lvl="3" indent="-304800">
               <a:spcBef>
                 <a:spcPts val="1600"/>
               </a:spcBef>
@@ -4049,7 +4152,7 @@
               <a:buChar char="●"/>
               <a:defRPr sz="1200"/>
             </a:lvl4pPr>
-            <a:lvl5pPr indent="-304800" lvl="4" marL="2286000">
+            <a:lvl5pPr marL="2286000" lvl="4" indent="-304800">
               <a:spcBef>
                 <a:spcPts val="1600"/>
               </a:spcBef>
@@ -4060,7 +4163,7 @@
               <a:buChar char="○"/>
               <a:defRPr sz="1200"/>
             </a:lvl5pPr>
-            <a:lvl6pPr indent="-304800" lvl="5" marL="2743200">
+            <a:lvl6pPr marL="2743200" lvl="5" indent="-304800">
               <a:spcBef>
                 <a:spcPts val="1600"/>
               </a:spcBef>
@@ -4071,7 +4174,7 @@
               <a:buChar char="■"/>
               <a:defRPr sz="1200"/>
             </a:lvl6pPr>
-            <a:lvl7pPr indent="-304800" lvl="6" marL="3200400">
+            <a:lvl7pPr marL="3200400" lvl="6" indent="-304800">
               <a:spcBef>
                 <a:spcPts val="1600"/>
               </a:spcBef>
@@ -4082,7 +4185,7 @@
               <a:buChar char="●"/>
               <a:defRPr sz="1200"/>
             </a:lvl7pPr>
-            <a:lvl8pPr indent="-304800" lvl="7" marL="3657600">
+            <a:lvl8pPr marL="3657600" lvl="7" indent="-304800">
               <a:spcBef>
                 <a:spcPts val="1600"/>
               </a:spcBef>
@@ -4093,7 +4196,7 @@
               <a:buChar char="○"/>
               <a:defRPr sz="1200"/>
             </a:lvl8pPr>
-            <a:lvl9pPr indent="-304800" lvl="8" marL="4114800">
+            <a:lvl9pPr marL="4114800" lvl="8" indent="-304800">
               <a:spcBef>
                 <a:spcPts val="1600"/>
               </a:spcBef>
@@ -4105,15 +4208,19 @@
               <a:defRPr sz="1200"/>
             </a:lvl9pPr>
           </a:lstStyle>
-          <a:p/>
+          <a:p>
+            <a:endParaRPr/>
+          </a:p>
         </p:txBody>
       </p:sp>
       <p:sp>
         <p:nvSpPr>
           <p:cNvPr id="34" name="Google Shape;34;p7"/>
-          <p:cNvSpPr txBox="1"/>
+          <p:cNvSpPr txBox="1">
+            <a:spLocks noGrp="1"/>
+          </p:cNvSpPr>
           <p:nvPr>
-            <p:ph idx="12" type="sldNum"/>
+            <p:ph type="sldNum" idx="12"/>
           </p:nvPr>
         </p:nvSpPr>
         <p:spPr>
@@ -4126,7 +4233,7 @@
           </a:prstGeom>
         </p:spPr>
         <p:txBody>
-          <a:bodyPr anchorCtr="0" anchor="ctr" bIns="91425" lIns="91425" spcFirstLastPara="1" rIns="91425" wrap="square" tIns="91425">
+          <a:bodyPr spcFirstLastPara="1" wrap="square" lIns="91425" tIns="91425" rIns="91425" bIns="91425" anchor="ctr" anchorCtr="0">
             <a:noAutofit/>
           </a:bodyPr>
           <a:lstStyle>
@@ -4168,7 +4275,7 @@
             </a:lvl9pPr>
           </a:lstStyle>
           <a:p>
-            <a:pPr indent="0" lvl="0" marL="0" rtl="0" algn="r">
+            <a:pPr marL="0" lvl="0" indent="0" algn="r" rtl="0">
               <a:spcBef>
                 <a:spcPts val="0"/>
               </a:spcBef>
@@ -4179,7 +4286,7 @@
             </a:pPr>
             <a:fld id="{00000000-1234-1234-1234-123412341234}" type="slidenum">
               <a:rPr lang="es-419"/>
-              <a:t>‹#›</a:t>
+              <a:t>‹Nº›</a:t>
             </a:fld>
             <a:endParaRPr/>
           </a:p>
@@ -4194,18 +4301,19 @@
 </file>
 
 <file path=ppt/slideLayouts/slideLayout7.xml><?xml version="1.0" encoding="utf-8"?>
-<p:sldLayout xmlns:a="http://schemas.openxmlformats.org/drawingml/2006/main" xmlns:r="http://schemas.openxmlformats.org/officeDocument/2006/relationships" xmlns:mc="http://schemas.openxmlformats.org/markup-compatibility/2006" xmlns:mv="urn:schemas-microsoft-com:mac:vml" xmlns:p="http://schemas.openxmlformats.org/presentationml/2006/main" xmlns:c="http://schemas.openxmlformats.org/drawingml/2006/chart" xmlns:dgm="http://schemas.openxmlformats.org/drawingml/2006/diagram" xmlns:o="urn:schemas-microsoft-com:office:office" xmlns:v="urn:schemas-microsoft-com:vml" xmlns:pvml="urn:schemas-microsoft-com:office:powerpoint" xmlns:com="http://schemas.openxmlformats.org/drawingml/2006/compatibility" xmlns:p14="http://schemas.microsoft.com/office/powerpoint/2010/main" xmlns:p15="http://schemas.microsoft.com/office/powerpoint/2012/main" matchingName="Main point">
+<p:sldLayout xmlns:a="http://schemas.openxmlformats.org/drawingml/2006/main" xmlns:r="http://schemas.openxmlformats.org/officeDocument/2006/relationships" xmlns:p="http://schemas.openxmlformats.org/presentationml/2006/main" matchingName="Main point">
   <p:cSld name="MAIN_POINT">
     <p:bg>
       <p:bgPr>
         <a:solidFill>
           <a:schemeClr val="lt2"/>
         </a:solidFill>
+        <a:effectLst/>
       </p:bgPr>
     </p:bg>
     <p:spTree>
       <p:nvGrpSpPr>
-        <p:cNvPr id="35" name="Shape 35"/>
+        <p:cNvPr id="1" name="Shape 35"/>
         <p:cNvGrpSpPr/>
         <p:nvPr/>
       </p:nvGrpSpPr>
@@ -4220,7 +4328,9 @@
       <p:sp>
         <p:nvSpPr>
           <p:cNvPr id="36" name="Google Shape;36;p8"/>
-          <p:cNvSpPr txBox="1"/>
+          <p:cNvSpPr txBox="1">
+            <a:spLocks noGrp="1"/>
+          </p:cNvSpPr>
           <p:nvPr>
             <p:ph type="title"/>
           </p:nvPr>
@@ -4235,7 +4345,7 @@
           </a:prstGeom>
         </p:spPr>
         <p:txBody>
-          <a:bodyPr anchorCtr="0" anchor="ctr" bIns="91425" lIns="91425" spcFirstLastPara="1" rIns="91425" wrap="square" tIns="91425">
+          <a:bodyPr spcFirstLastPara="1" wrap="square" lIns="91425" tIns="91425" rIns="91425" bIns="91425" anchor="ctr" anchorCtr="0">
             <a:noAutofit/>
           </a:bodyPr>
           <a:lstStyle>
@@ -4339,15 +4449,19 @@
               <a:defRPr sz="4800"/>
             </a:lvl9pPr>
           </a:lstStyle>
-          <a:p/>
+          <a:p>
+            <a:endParaRPr/>
+          </a:p>
         </p:txBody>
       </p:sp>
       <p:sp>
         <p:nvSpPr>
           <p:cNvPr id="37" name="Google Shape;37;p8"/>
-          <p:cNvSpPr txBox="1"/>
+          <p:cNvSpPr txBox="1">
+            <a:spLocks noGrp="1"/>
+          </p:cNvSpPr>
           <p:nvPr>
-            <p:ph idx="12" type="sldNum"/>
+            <p:ph type="sldNum" idx="12"/>
           </p:nvPr>
         </p:nvSpPr>
         <p:spPr>
@@ -4360,7 +4474,7 @@
           </a:prstGeom>
         </p:spPr>
         <p:txBody>
-          <a:bodyPr anchorCtr="0" anchor="ctr" bIns="91425" lIns="91425" spcFirstLastPara="1" rIns="91425" wrap="square" tIns="91425">
+          <a:bodyPr spcFirstLastPara="1" wrap="square" lIns="91425" tIns="91425" rIns="91425" bIns="91425" anchor="ctr" anchorCtr="0">
             <a:noAutofit/>
           </a:bodyPr>
           <a:lstStyle>
@@ -4402,7 +4516,7 @@
             </a:lvl9pPr>
           </a:lstStyle>
           <a:p>
-            <a:pPr indent="0" lvl="0" marL="0" rtl="0" algn="r">
+            <a:pPr marL="0" lvl="0" indent="0" algn="r" rtl="0">
               <a:spcBef>
                 <a:spcPts val="0"/>
               </a:spcBef>
@@ -4413,7 +4527,7 @@
             </a:pPr>
             <a:fld id="{00000000-1234-1234-1234-123412341234}" type="slidenum">
               <a:rPr lang="es-419"/>
-              <a:t>‹#›</a:t>
+              <a:t>‹Nº›</a:t>
             </a:fld>
             <a:endParaRPr/>
           </a:p>
@@ -4428,11 +4542,11 @@
 </file>
 
 <file path=ppt/slideLayouts/slideLayout8.xml><?xml version="1.0" encoding="utf-8"?>
-<p:sldLayout xmlns:a="http://schemas.openxmlformats.org/drawingml/2006/main" xmlns:r="http://schemas.openxmlformats.org/officeDocument/2006/relationships" xmlns:mc="http://schemas.openxmlformats.org/markup-compatibility/2006" xmlns:mv="urn:schemas-microsoft-com:mac:vml" xmlns:p="http://schemas.openxmlformats.org/presentationml/2006/main" xmlns:c="http://schemas.openxmlformats.org/drawingml/2006/chart" xmlns:dgm="http://schemas.openxmlformats.org/drawingml/2006/diagram" xmlns:o="urn:schemas-microsoft-com:office:office" xmlns:v="urn:schemas-microsoft-com:vml" xmlns:pvml="urn:schemas-microsoft-com:office:powerpoint" xmlns:com="http://schemas.openxmlformats.org/drawingml/2006/compatibility" xmlns:p14="http://schemas.microsoft.com/office/powerpoint/2010/main" xmlns:p15="http://schemas.microsoft.com/office/powerpoint/2012/main" matchingName="Section title and description">
+<p:sldLayout xmlns:a="http://schemas.openxmlformats.org/drawingml/2006/main" xmlns:r="http://schemas.openxmlformats.org/officeDocument/2006/relationships" xmlns:p="http://schemas.openxmlformats.org/presentationml/2006/main" matchingName="Section title and description">
   <p:cSld name="SECTION_TITLE_AND_DESCRIPTION">
     <p:spTree>
       <p:nvGrpSpPr>
-        <p:cNvPr id="38" name="Shape 38"/>
+        <p:cNvPr id="1" name="Shape 38"/>
         <p:cNvGrpSpPr/>
         <p:nvPr/>
       </p:nvGrpSpPr>
@@ -4466,12 +4580,12 @@
           </a:ln>
         </p:spPr>
         <p:txBody>
-          <a:bodyPr anchorCtr="0" anchor="ctr" bIns="91425" lIns="91425" spcFirstLastPara="1" rIns="91425" wrap="square" tIns="91425">
+          <a:bodyPr spcFirstLastPara="1" wrap="square" lIns="91425" tIns="91425" rIns="91425" bIns="91425" anchor="ctr" anchorCtr="0">
             <a:noAutofit/>
           </a:bodyPr>
           <a:lstStyle/>
           <a:p>
-            <a:pPr indent="0" lvl="0" marL="0" rtl="0" algn="l">
+            <a:pPr marL="0" lvl="0" indent="0" algn="l" rtl="0">
               <a:spcBef>
                 <a:spcPts val="0"/>
               </a:spcBef>
@@ -4480,9 +4594,6 @@
               </a:spcAft>
               <a:buNone/>
             </a:pPr>
-            <a:r>
-              <a:t/>
-            </a:r>
             <a:endParaRPr/>
           </a:p>
         </p:txBody>
@@ -4502,21 +4613,23 @@
             <a:avLst/>
           </a:prstGeom>
           <a:noFill/>
-          <a:ln cap="flat" cmpd="sng" w="19050">
+          <a:ln w="19050" cap="flat" cmpd="sng">
             <a:solidFill>
               <a:schemeClr val="lt2"/>
             </a:solidFill>
             <a:prstDash val="solid"/>
             <a:round/>
-            <a:headEnd len="sm" w="sm" type="none"/>
-            <a:tailEnd len="sm" w="sm" type="none"/>
+            <a:headEnd type="none" w="sm" len="sm"/>
+            <a:tailEnd type="none" w="sm" len="sm"/>
           </a:ln>
         </p:spPr>
       </p:cxnSp>
       <p:sp>
         <p:nvSpPr>
           <p:cNvPr id="41" name="Google Shape;41;p9"/>
-          <p:cNvSpPr txBox="1"/>
+          <p:cNvSpPr txBox="1">
+            <a:spLocks noGrp="1"/>
+          </p:cNvSpPr>
           <p:nvPr>
             <p:ph type="title"/>
           </p:nvPr>
@@ -4531,7 +4644,7 @@
           </a:prstGeom>
         </p:spPr>
         <p:txBody>
-          <a:bodyPr anchorCtr="0" anchor="b" bIns="91425" lIns="91425" spcFirstLastPara="1" rIns="91425" wrap="square" tIns="91425">
+          <a:bodyPr spcFirstLastPara="1" wrap="square" lIns="91425" tIns="91425" rIns="91425" bIns="91425" anchor="b" anchorCtr="0">
             <a:noAutofit/>
           </a:bodyPr>
           <a:lstStyle>
@@ -4635,15 +4748,19 @@
               <a:defRPr sz="4200"/>
             </a:lvl9pPr>
           </a:lstStyle>
-          <a:p/>
+          <a:p>
+            <a:endParaRPr/>
+          </a:p>
         </p:txBody>
       </p:sp>
       <p:sp>
         <p:nvSpPr>
           <p:cNvPr id="42" name="Google Shape;42;p9"/>
-          <p:cNvSpPr txBox="1"/>
+          <p:cNvSpPr txBox="1">
+            <a:spLocks noGrp="1"/>
+          </p:cNvSpPr>
           <p:nvPr>
-            <p:ph idx="1" type="subTitle"/>
+            <p:ph type="subTitle" idx="1"/>
           </p:nvPr>
         </p:nvSpPr>
         <p:spPr>
@@ -4656,7 +4773,7 @@
           </a:prstGeom>
         </p:spPr>
         <p:txBody>
-          <a:bodyPr anchorCtr="0" anchor="t" bIns="91425" lIns="91425" spcFirstLastPara="1" rIns="91425" wrap="square" tIns="91425">
+          <a:bodyPr spcFirstLastPara="1" wrap="square" lIns="91425" tIns="91425" rIns="91425" bIns="91425" anchor="t" anchorCtr="0">
             <a:noAutofit/>
           </a:bodyPr>
           <a:lstStyle>
@@ -4787,15 +4904,19 @@
               <a:defRPr sz="2100"/>
             </a:lvl9pPr>
           </a:lstStyle>
-          <a:p/>
+          <a:p>
+            <a:endParaRPr/>
+          </a:p>
         </p:txBody>
       </p:sp>
       <p:sp>
         <p:nvSpPr>
           <p:cNvPr id="43" name="Google Shape;43;p9"/>
-          <p:cNvSpPr txBox="1"/>
+          <p:cNvSpPr txBox="1">
+            <a:spLocks noGrp="1"/>
+          </p:cNvSpPr>
           <p:nvPr>
-            <p:ph idx="2" type="body"/>
+            <p:ph type="body" idx="2"/>
           </p:nvPr>
         </p:nvSpPr>
         <p:spPr>
@@ -4808,11 +4929,11 @@
           </a:prstGeom>
         </p:spPr>
         <p:txBody>
-          <a:bodyPr anchorCtr="0" anchor="ctr" bIns="91425" lIns="91425" spcFirstLastPara="1" rIns="91425" wrap="square" tIns="91425">
+          <a:bodyPr spcFirstLastPara="1" wrap="square" lIns="91425" tIns="91425" rIns="91425" bIns="91425" anchor="ctr" anchorCtr="0">
             <a:noAutofit/>
           </a:bodyPr>
           <a:lstStyle>
-            <a:lvl1pPr indent="-342900" lvl="0" marL="457200">
+            <a:lvl1pPr marL="457200" lvl="0" indent="-342900">
               <a:spcBef>
                 <a:spcPts val="0"/>
               </a:spcBef>
@@ -4830,7 +4951,7 @@
                 </a:solidFill>
               </a:defRPr>
             </a:lvl1pPr>
-            <a:lvl2pPr indent="-317500" lvl="1" marL="914400">
+            <a:lvl2pPr marL="914400" lvl="1" indent="-317500">
               <a:spcBef>
                 <a:spcPts val="1600"/>
               </a:spcBef>
@@ -4848,7 +4969,7 @@
                 </a:solidFill>
               </a:defRPr>
             </a:lvl2pPr>
-            <a:lvl3pPr indent="-317500" lvl="2" marL="1371600">
+            <a:lvl3pPr marL="1371600" lvl="2" indent="-317500">
               <a:spcBef>
                 <a:spcPts val="1600"/>
               </a:spcBef>
@@ -4866,7 +4987,7 @@
                 </a:solidFill>
               </a:defRPr>
             </a:lvl3pPr>
-            <a:lvl4pPr indent="-317500" lvl="3" marL="1828800">
+            <a:lvl4pPr marL="1828800" lvl="3" indent="-317500">
               <a:spcBef>
                 <a:spcPts val="1600"/>
               </a:spcBef>
@@ -4884,7 +5005,7 @@
                 </a:solidFill>
               </a:defRPr>
             </a:lvl4pPr>
-            <a:lvl5pPr indent="-317500" lvl="4" marL="2286000">
+            <a:lvl5pPr marL="2286000" lvl="4" indent="-317500">
               <a:spcBef>
                 <a:spcPts val="1600"/>
               </a:spcBef>
@@ -4902,7 +5023,7 @@
                 </a:solidFill>
               </a:defRPr>
             </a:lvl5pPr>
-            <a:lvl6pPr indent="-317500" lvl="5" marL="2743200">
+            <a:lvl6pPr marL="2743200" lvl="5" indent="-317500">
               <a:spcBef>
                 <a:spcPts val="1600"/>
               </a:spcBef>
@@ -4920,7 +5041,7 @@
                 </a:solidFill>
               </a:defRPr>
             </a:lvl6pPr>
-            <a:lvl7pPr indent="-317500" lvl="6" marL="3200400">
+            <a:lvl7pPr marL="3200400" lvl="6" indent="-317500">
               <a:spcBef>
                 <a:spcPts val="1600"/>
               </a:spcBef>
@@ -4938,7 +5059,7 @@
                 </a:solidFill>
               </a:defRPr>
             </a:lvl7pPr>
-            <a:lvl8pPr indent="-317500" lvl="7" marL="3657600">
+            <a:lvl8pPr marL="3657600" lvl="7" indent="-317500">
               <a:spcBef>
                 <a:spcPts val="1600"/>
               </a:spcBef>
@@ -4956,7 +5077,7 @@
                 </a:solidFill>
               </a:defRPr>
             </a:lvl8pPr>
-            <a:lvl9pPr indent="-317500" lvl="8" marL="4114800">
+            <a:lvl9pPr marL="4114800" lvl="8" indent="-317500">
               <a:spcBef>
                 <a:spcPts val="1600"/>
               </a:spcBef>
@@ -4975,15 +5096,19 @@
               </a:defRPr>
             </a:lvl9pPr>
           </a:lstStyle>
-          <a:p/>
+          <a:p>
+            <a:endParaRPr/>
+          </a:p>
         </p:txBody>
       </p:sp>
       <p:sp>
         <p:nvSpPr>
           <p:cNvPr id="44" name="Google Shape;44;p9"/>
-          <p:cNvSpPr txBox="1"/>
+          <p:cNvSpPr txBox="1">
+            <a:spLocks noGrp="1"/>
+          </p:cNvSpPr>
           <p:nvPr>
-            <p:ph idx="12" type="sldNum"/>
+            <p:ph type="sldNum" idx="12"/>
           </p:nvPr>
         </p:nvSpPr>
         <p:spPr>
@@ -4996,7 +5121,7 @@
           </a:prstGeom>
         </p:spPr>
         <p:txBody>
-          <a:bodyPr anchorCtr="0" anchor="ctr" bIns="91425" lIns="91425" spcFirstLastPara="1" rIns="91425" wrap="square" tIns="91425">
+          <a:bodyPr spcFirstLastPara="1" wrap="square" lIns="91425" tIns="91425" rIns="91425" bIns="91425" anchor="ctr" anchorCtr="0">
             <a:noAutofit/>
           </a:bodyPr>
           <a:lstStyle>
@@ -5074,7 +5199,7 @@
             </a:lvl9pPr>
           </a:lstStyle>
           <a:p>
-            <a:pPr indent="0" lvl="0" marL="0" rtl="0" algn="r">
+            <a:pPr marL="0" lvl="0" indent="0" algn="r" rtl="0">
               <a:spcBef>
                 <a:spcPts val="0"/>
               </a:spcBef>
@@ -5085,7 +5210,7 @@
             </a:pPr>
             <a:fld id="{00000000-1234-1234-1234-123412341234}" type="slidenum">
               <a:rPr lang="es-419"/>
-              <a:t>‹#›</a:t>
+              <a:t>‹Nº›</a:t>
             </a:fld>
             <a:endParaRPr/>
           </a:p>
@@ -5100,11 +5225,11 @@
 </file>
 
 <file path=ppt/slideLayouts/slideLayout9.xml><?xml version="1.0" encoding="utf-8"?>
-<p:sldLayout xmlns:a="http://schemas.openxmlformats.org/drawingml/2006/main" xmlns:r="http://schemas.openxmlformats.org/officeDocument/2006/relationships" xmlns:mc="http://schemas.openxmlformats.org/markup-compatibility/2006" xmlns:mv="urn:schemas-microsoft-com:mac:vml" xmlns:p="http://schemas.openxmlformats.org/presentationml/2006/main" xmlns:c="http://schemas.openxmlformats.org/drawingml/2006/chart" xmlns:dgm="http://schemas.openxmlformats.org/drawingml/2006/diagram" xmlns:o="urn:schemas-microsoft-com:office:office" xmlns:v="urn:schemas-microsoft-com:vml" xmlns:pvml="urn:schemas-microsoft-com:office:powerpoint" xmlns:com="http://schemas.openxmlformats.org/drawingml/2006/compatibility" xmlns:p14="http://schemas.microsoft.com/office/powerpoint/2010/main" xmlns:p15="http://schemas.microsoft.com/office/powerpoint/2012/main" matchingName="Caption">
+<p:sldLayout xmlns:a="http://schemas.openxmlformats.org/drawingml/2006/main" xmlns:r="http://schemas.openxmlformats.org/officeDocument/2006/relationships" xmlns:p="http://schemas.openxmlformats.org/presentationml/2006/main" matchingName="Caption">
   <p:cSld name="CAPTION_ONLY">
     <p:spTree>
       <p:nvGrpSpPr>
-        <p:cNvPr id="45" name="Shape 45"/>
+        <p:cNvPr id="1" name="Shape 45"/>
         <p:cNvGrpSpPr/>
         <p:nvPr/>
       </p:nvGrpSpPr>
@@ -5119,9 +5244,11 @@
       <p:sp>
         <p:nvSpPr>
           <p:cNvPr id="46" name="Google Shape;46;p10"/>
-          <p:cNvSpPr txBox="1"/>
+          <p:cNvSpPr txBox="1">
+            <a:spLocks noGrp="1"/>
+          </p:cNvSpPr>
           <p:nvPr>
-            <p:ph idx="1" type="body"/>
+            <p:ph type="body" idx="1"/>
           </p:nvPr>
         </p:nvSpPr>
         <p:spPr>
@@ -5134,11 +5261,11 @@
           </a:prstGeom>
         </p:spPr>
         <p:txBody>
-          <a:bodyPr anchorCtr="0" anchor="ctr" bIns="91425" lIns="91425" spcFirstLastPara="1" rIns="91425" wrap="square" tIns="91425">
+          <a:bodyPr spcFirstLastPara="1" wrap="square" lIns="91425" tIns="91425" rIns="91425" bIns="91425" anchor="ctr" anchorCtr="0">
             <a:noAutofit/>
           </a:bodyPr>
           <a:lstStyle>
-            <a:lvl1pPr indent="-228600" lvl="0" marL="457200">
+            <a:lvl1pPr marL="457200" lvl="0" indent="-228600">
               <a:lnSpc>
                 <a:spcPct val="100000"/>
               </a:lnSpc>
@@ -5153,15 +5280,19 @@
               <a:defRPr sz="2100"/>
             </a:lvl1pPr>
           </a:lstStyle>
-          <a:p/>
+          <a:p>
+            <a:endParaRPr/>
+          </a:p>
         </p:txBody>
       </p:sp>
       <p:sp>
         <p:nvSpPr>
           <p:cNvPr id="47" name="Google Shape;47;p10"/>
-          <p:cNvSpPr txBox="1"/>
+          <p:cNvSpPr txBox="1">
+            <a:spLocks noGrp="1"/>
+          </p:cNvSpPr>
           <p:nvPr>
-            <p:ph idx="12" type="sldNum"/>
+            <p:ph type="sldNum" idx="12"/>
           </p:nvPr>
         </p:nvSpPr>
         <p:spPr>
@@ -5174,7 +5305,7 @@
           </a:prstGeom>
         </p:spPr>
         <p:txBody>
-          <a:bodyPr anchorCtr="0" anchor="ctr" bIns="91425" lIns="91425" spcFirstLastPara="1" rIns="91425" wrap="square" tIns="91425">
+          <a:bodyPr spcFirstLastPara="1" wrap="square" lIns="91425" tIns="91425" rIns="91425" bIns="91425" anchor="ctr" anchorCtr="0">
             <a:noAutofit/>
           </a:bodyPr>
           <a:lstStyle>
@@ -5216,7 +5347,7 @@
             </a:lvl9pPr>
           </a:lstStyle>
           <a:p>
-            <a:pPr indent="0" lvl="0" marL="0" rtl="0" algn="r">
+            <a:pPr marL="0" lvl="0" indent="0" algn="r" rtl="0">
               <a:spcBef>
                 <a:spcPts val="0"/>
               </a:spcBef>
@@ -5227,7 +5358,7 @@
             </a:pPr>
             <a:fld id="{00000000-1234-1234-1234-123412341234}" type="slidenum">
               <a:rPr lang="es-419"/>
-              <a:t>‹#›</a:t>
+              <a:t>‹Nº›</a:t>
             </a:fld>
             <a:endParaRPr/>
           </a:p>
@@ -5242,18 +5373,19 @@
 </file>
 
 <file path=ppt/slideMasters/slideMaster1.xml><?xml version="1.0" encoding="utf-8"?>
-<p:sldMaster xmlns:a="http://schemas.openxmlformats.org/drawingml/2006/main" xmlns:r="http://schemas.openxmlformats.org/officeDocument/2006/relationships" xmlns:mc="http://schemas.openxmlformats.org/markup-compatibility/2006" xmlns:mv="urn:schemas-microsoft-com:mac:vml" xmlns:p="http://schemas.openxmlformats.org/presentationml/2006/main" xmlns:c="http://schemas.openxmlformats.org/drawingml/2006/chart" xmlns:dgm="http://schemas.openxmlformats.org/drawingml/2006/diagram" xmlns:o="urn:schemas-microsoft-com:office:office" xmlns:v="urn:schemas-microsoft-com:vml" xmlns:pvml="urn:schemas-microsoft-com:office:powerpoint" xmlns:com="http://schemas.openxmlformats.org/drawingml/2006/compatibility" xmlns:p14="http://schemas.microsoft.com/office/powerpoint/2010/main" xmlns:p15="http://schemas.microsoft.com/office/powerpoint/2012/main">
+<p:sldMaster xmlns:a="http://schemas.openxmlformats.org/drawingml/2006/main" xmlns:r="http://schemas.openxmlformats.org/officeDocument/2006/relationships" xmlns:p="http://schemas.openxmlformats.org/presentationml/2006/main">
   <p:cSld name="spearmint">
     <p:bg>
       <p:bgPr>
         <a:solidFill>
           <a:schemeClr val="lt1"/>
         </a:solidFill>
+        <a:effectLst/>
       </p:bgPr>
     </p:bg>
     <p:spTree>
       <p:nvGrpSpPr>
-        <p:cNvPr id="5" name="Shape 5"/>
+        <p:cNvPr id="1" name="Shape 5"/>
         <p:cNvGrpSpPr/>
         <p:nvPr/>
       </p:nvGrpSpPr>
@@ -5268,7 +5400,9 @@
       <p:sp>
         <p:nvSpPr>
           <p:cNvPr id="6" name="Google Shape;6;p1"/>
-          <p:cNvSpPr txBox="1"/>
+          <p:cNvSpPr txBox="1">
+            <a:spLocks noGrp="1"/>
+          </p:cNvSpPr>
           <p:nvPr>
             <p:ph type="title"/>
           </p:nvPr>
@@ -5287,7 +5421,7 @@
           </a:ln>
         </p:spPr>
         <p:txBody>
-          <a:bodyPr anchorCtr="0" anchor="t" bIns="91425" lIns="91425" spcFirstLastPara="1" rIns="91425" wrap="square" tIns="91425">
+          <a:bodyPr spcFirstLastPara="1" wrap="square" lIns="91425" tIns="91425" rIns="91425" bIns="91425" anchor="t" anchorCtr="0">
             <a:noAutofit/>
           </a:bodyPr>
           <a:lstStyle>
@@ -5499,15 +5633,19 @@
               </a:defRPr>
             </a:lvl9pPr>
           </a:lstStyle>
-          <a:p/>
+          <a:p>
+            <a:endParaRPr/>
+          </a:p>
         </p:txBody>
       </p:sp>
       <p:sp>
         <p:nvSpPr>
           <p:cNvPr id="7" name="Google Shape;7;p1"/>
-          <p:cNvSpPr txBox="1"/>
+          <p:cNvSpPr txBox="1">
+            <a:spLocks noGrp="1"/>
+          </p:cNvSpPr>
           <p:nvPr>
-            <p:ph idx="1" type="body"/>
+            <p:ph type="body" idx="1"/>
           </p:nvPr>
         </p:nvSpPr>
         <p:spPr>
@@ -5524,11 +5662,11 @@
           </a:ln>
         </p:spPr>
         <p:txBody>
-          <a:bodyPr anchorCtr="0" anchor="t" bIns="91425" lIns="91425" spcFirstLastPara="1" rIns="91425" wrap="square" tIns="91425">
+          <a:bodyPr spcFirstLastPara="1" wrap="square" lIns="91425" tIns="91425" rIns="91425" bIns="91425" anchor="t" anchorCtr="0">
             <a:noAutofit/>
           </a:bodyPr>
           <a:lstStyle>
-            <a:lvl1pPr indent="-342900" lvl="0" marL="457200">
+            <a:lvl1pPr marL="457200" lvl="0" indent="-342900">
               <a:lnSpc>
                 <a:spcPct val="115000"/>
               </a:lnSpc>
@@ -5554,7 +5692,7 @@
                 <a:sym typeface="Proxima Nova"/>
               </a:defRPr>
             </a:lvl1pPr>
-            <a:lvl2pPr indent="-317500" lvl="1" marL="914400">
+            <a:lvl2pPr marL="914400" lvl="1" indent="-317500">
               <a:lnSpc>
                 <a:spcPct val="115000"/>
               </a:lnSpc>
@@ -5580,7 +5718,7 @@
                 <a:sym typeface="Proxima Nova"/>
               </a:defRPr>
             </a:lvl2pPr>
-            <a:lvl3pPr indent="-317500" lvl="2" marL="1371600">
+            <a:lvl3pPr marL="1371600" lvl="2" indent="-317500">
               <a:lnSpc>
                 <a:spcPct val="115000"/>
               </a:lnSpc>
@@ -5606,7 +5744,7 @@
                 <a:sym typeface="Proxima Nova"/>
               </a:defRPr>
             </a:lvl3pPr>
-            <a:lvl4pPr indent="-317500" lvl="3" marL="1828800">
+            <a:lvl4pPr marL="1828800" lvl="3" indent="-317500">
               <a:lnSpc>
                 <a:spcPct val="115000"/>
               </a:lnSpc>
@@ -5632,7 +5770,7 @@
                 <a:sym typeface="Proxima Nova"/>
               </a:defRPr>
             </a:lvl4pPr>
-            <a:lvl5pPr indent="-317500" lvl="4" marL="2286000">
+            <a:lvl5pPr marL="2286000" lvl="4" indent="-317500">
               <a:lnSpc>
                 <a:spcPct val="115000"/>
               </a:lnSpc>
@@ -5658,7 +5796,7 @@
                 <a:sym typeface="Proxima Nova"/>
               </a:defRPr>
             </a:lvl5pPr>
-            <a:lvl6pPr indent="-317500" lvl="5" marL="2743200">
+            <a:lvl6pPr marL="2743200" lvl="5" indent="-317500">
               <a:lnSpc>
                 <a:spcPct val="115000"/>
               </a:lnSpc>
@@ -5684,7 +5822,7 @@
                 <a:sym typeface="Proxima Nova"/>
               </a:defRPr>
             </a:lvl6pPr>
-            <a:lvl7pPr indent="-317500" lvl="6" marL="3200400">
+            <a:lvl7pPr marL="3200400" lvl="6" indent="-317500">
               <a:lnSpc>
                 <a:spcPct val="115000"/>
               </a:lnSpc>
@@ -5710,7 +5848,7 @@
                 <a:sym typeface="Proxima Nova"/>
               </a:defRPr>
             </a:lvl7pPr>
-            <a:lvl8pPr indent="-317500" lvl="7" marL="3657600">
+            <a:lvl8pPr marL="3657600" lvl="7" indent="-317500">
               <a:lnSpc>
                 <a:spcPct val="115000"/>
               </a:lnSpc>
@@ -5736,7 +5874,7 @@
                 <a:sym typeface="Proxima Nova"/>
               </a:defRPr>
             </a:lvl8pPr>
-            <a:lvl9pPr indent="-317500" lvl="8" marL="4114800">
+            <a:lvl9pPr marL="4114800" lvl="8" indent="-317500">
               <a:lnSpc>
                 <a:spcPct val="115000"/>
               </a:lnSpc>
@@ -5763,15 +5901,19 @@
               </a:defRPr>
             </a:lvl9pPr>
           </a:lstStyle>
-          <a:p/>
+          <a:p>
+            <a:endParaRPr/>
+          </a:p>
         </p:txBody>
       </p:sp>
       <p:sp>
         <p:nvSpPr>
           <p:cNvPr id="8" name="Google Shape;8;p1"/>
-          <p:cNvSpPr txBox="1"/>
+          <p:cNvSpPr txBox="1">
+            <a:spLocks noGrp="1"/>
+          </p:cNvSpPr>
           <p:nvPr>
-            <p:ph idx="12" type="sldNum"/>
+            <p:ph type="sldNum" idx="12"/>
           </p:nvPr>
         </p:nvSpPr>
         <p:spPr>
@@ -5788,7 +5930,7 @@
           </a:ln>
         </p:spPr>
         <p:txBody>
-          <a:bodyPr anchorCtr="0" anchor="ctr" bIns="91425" lIns="91425" spcFirstLastPara="1" rIns="91425" wrap="square" tIns="91425">
+          <a:bodyPr spcFirstLastPara="1" wrap="square" lIns="91425" tIns="91425" rIns="91425" bIns="91425" anchor="ctr" anchorCtr="0">
             <a:noAutofit/>
           </a:bodyPr>
           <a:lstStyle>
@@ -5902,7 +6044,7 @@
             </a:lvl9pPr>
           </a:lstStyle>
           <a:p>
-            <a:pPr indent="0" lvl="0" marL="0" rtl="0" algn="r">
+            <a:pPr marL="0" lvl="0" indent="0" algn="r" rtl="0">
               <a:spcBef>
                 <a:spcPts val="0"/>
               </a:spcBef>
@@ -5913,7 +6055,7 @@
             </a:pPr>
             <a:fld id="{00000000-1234-1234-1234-123412341234}" type="slidenum">
               <a:rPr lang="es-419"/>
-              <a:t>‹#›</a:t>
+              <a:t>‹Nº›</a:t>
             </a:fld>
             <a:endParaRPr/>
           </a:p>
@@ -5921,7 +6063,7 @@
       </p:sp>
     </p:spTree>
   </p:cSld>
-  <p:clrMap accent1="accent1" accent2="accent2" accent3="accent3" accent4="accent4" accent5="accent5" accent6="accent6" bg1="lt1" bg2="dk2" tx1="dk1" tx2="lt2" folHlink="folHlink" hlink="hlink"/>
+  <p:clrMap bg1="lt1" tx1="dk1" bg2="dk2" tx2="lt2" accent1="accent1" accent2="accent2" accent3="accent3" accent4="accent4" accent5="accent5" accent6="accent6" hlink="hlink" folHlink="folHlink"/>
   <p:sldLayoutIdLst>
     <p:sldLayoutId id="2147483648" r:id="rId1"/>
     <p:sldLayoutId id="2147483649" r:id="rId2"/>
@@ -5935,10 +6077,10 @@
     <p:sldLayoutId id="2147483657" r:id="rId10"/>
     <p:sldLayoutId id="2147483658" r:id="rId11"/>
   </p:sldLayoutIdLst>
-  <p:hf dt="0" ftr="0" hdr="0" sldNum="0"/>
+  <p:hf sldNum="0" hdr="0" ftr="0" dt="0"/>
   <p:txStyles>
     <p:titleStyle>
-      <a:defPPr lvl="0" marR="0" rtl="0" algn="l">
+      <a:defPPr marR="0" lvl="0" algn="l" rtl="0">
         <a:lnSpc>
           <a:spcPct val="100000"/>
         </a:lnSpc>
@@ -5949,7 +6091,7 @@
           <a:spcPts val="0"/>
         </a:spcAft>
       </a:defPPr>
-      <a:lvl1pPr lvl="0" marR="0" rtl="0" algn="l">
+      <a:lvl1pPr marR="0" lvl="0" algn="l" rtl="0">
         <a:lnSpc>
           <a:spcPct val="100000"/>
         </a:lnSpc>
@@ -5963,7 +6105,7 @@
           <a:srgbClr val="000000"/>
         </a:buClr>
         <a:buFont typeface="Arial"/>
-        <a:defRPr b="0" i="0" sz="1400" u="none" cap="none" strike="noStrike">
+        <a:defRPr sz="1400" b="0" i="0" u="none" strike="noStrike" cap="none">
           <a:solidFill>
             <a:srgbClr val="000000"/>
           </a:solidFill>
@@ -5973,7 +6115,7 @@
           <a:sym typeface="Arial"/>
         </a:defRPr>
       </a:lvl1pPr>
-      <a:lvl2pPr lvl="1" marR="0" rtl="0" algn="l">
+      <a:lvl2pPr marR="0" lvl="1" algn="l" rtl="0">
         <a:lnSpc>
           <a:spcPct val="100000"/>
         </a:lnSpc>
@@ -5987,7 +6129,7 @@
           <a:srgbClr val="000000"/>
         </a:buClr>
         <a:buFont typeface="Arial"/>
-        <a:defRPr b="0" i="0" sz="1400" u="none" cap="none" strike="noStrike">
+        <a:defRPr sz="1400" b="0" i="0" u="none" strike="noStrike" cap="none">
           <a:solidFill>
             <a:srgbClr val="000000"/>
           </a:solidFill>
@@ -5997,7 +6139,7 @@
           <a:sym typeface="Arial"/>
         </a:defRPr>
       </a:lvl2pPr>
-      <a:lvl3pPr lvl="2" marR="0" rtl="0" algn="l">
+      <a:lvl3pPr marR="0" lvl="2" algn="l" rtl="0">
         <a:lnSpc>
           <a:spcPct val="100000"/>
         </a:lnSpc>
@@ -6011,7 +6153,7 @@
           <a:srgbClr val="000000"/>
         </a:buClr>
         <a:buFont typeface="Arial"/>
-        <a:defRPr b="0" i="0" sz="1400" u="none" cap="none" strike="noStrike">
+        <a:defRPr sz="1400" b="0" i="0" u="none" strike="noStrike" cap="none">
           <a:solidFill>
             <a:srgbClr val="000000"/>
           </a:solidFill>
@@ -6021,7 +6163,7 @@
           <a:sym typeface="Arial"/>
         </a:defRPr>
       </a:lvl3pPr>
-      <a:lvl4pPr lvl="3" marR="0" rtl="0" algn="l">
+      <a:lvl4pPr marR="0" lvl="3" algn="l" rtl="0">
         <a:lnSpc>
           <a:spcPct val="100000"/>
         </a:lnSpc>
@@ -6035,7 +6177,7 @@
           <a:srgbClr val="000000"/>
         </a:buClr>
         <a:buFont typeface="Arial"/>
-        <a:defRPr b="0" i="0" sz="1400" u="none" cap="none" strike="noStrike">
+        <a:defRPr sz="1400" b="0" i="0" u="none" strike="noStrike" cap="none">
           <a:solidFill>
             <a:srgbClr val="000000"/>
           </a:solidFill>
@@ -6045,7 +6187,7 @@
           <a:sym typeface="Arial"/>
         </a:defRPr>
       </a:lvl4pPr>
-      <a:lvl5pPr lvl="4" marR="0" rtl="0" algn="l">
+      <a:lvl5pPr marR="0" lvl="4" algn="l" rtl="0">
         <a:lnSpc>
           <a:spcPct val="100000"/>
         </a:lnSpc>
@@ -6059,7 +6201,7 @@
           <a:srgbClr val="000000"/>
         </a:buClr>
         <a:buFont typeface="Arial"/>
-        <a:defRPr b="0" i="0" sz="1400" u="none" cap="none" strike="noStrike">
+        <a:defRPr sz="1400" b="0" i="0" u="none" strike="noStrike" cap="none">
           <a:solidFill>
             <a:srgbClr val="000000"/>
           </a:solidFill>
@@ -6069,7 +6211,7 @@
           <a:sym typeface="Arial"/>
         </a:defRPr>
       </a:lvl5pPr>
-      <a:lvl6pPr lvl="5" marR="0" rtl="0" algn="l">
+      <a:lvl6pPr marR="0" lvl="5" algn="l" rtl="0">
         <a:lnSpc>
           <a:spcPct val="100000"/>
         </a:lnSpc>
@@ -6083,7 +6225,7 @@
           <a:srgbClr val="000000"/>
         </a:buClr>
         <a:buFont typeface="Arial"/>
-        <a:defRPr b="0" i="0" sz="1400" u="none" cap="none" strike="noStrike">
+        <a:defRPr sz="1400" b="0" i="0" u="none" strike="noStrike" cap="none">
           <a:solidFill>
             <a:srgbClr val="000000"/>
           </a:solidFill>
@@ -6093,7 +6235,7 @@
           <a:sym typeface="Arial"/>
         </a:defRPr>
       </a:lvl6pPr>
-      <a:lvl7pPr lvl="6" marR="0" rtl="0" algn="l">
+      <a:lvl7pPr marR="0" lvl="6" algn="l" rtl="0">
         <a:lnSpc>
           <a:spcPct val="100000"/>
         </a:lnSpc>
@@ -6107,7 +6249,7 @@
           <a:srgbClr val="000000"/>
         </a:buClr>
         <a:buFont typeface="Arial"/>
-        <a:defRPr b="0" i="0" sz="1400" u="none" cap="none" strike="noStrike">
+        <a:defRPr sz="1400" b="0" i="0" u="none" strike="noStrike" cap="none">
           <a:solidFill>
             <a:srgbClr val="000000"/>
           </a:solidFill>
@@ -6117,7 +6259,7 @@
           <a:sym typeface="Arial"/>
         </a:defRPr>
       </a:lvl7pPr>
-      <a:lvl8pPr lvl="7" marR="0" rtl="0" algn="l">
+      <a:lvl8pPr marR="0" lvl="7" algn="l" rtl="0">
         <a:lnSpc>
           <a:spcPct val="100000"/>
         </a:lnSpc>
@@ -6131,7 +6273,7 @@
           <a:srgbClr val="000000"/>
         </a:buClr>
         <a:buFont typeface="Arial"/>
-        <a:defRPr b="0" i="0" sz="1400" u="none" cap="none" strike="noStrike">
+        <a:defRPr sz="1400" b="0" i="0" u="none" strike="noStrike" cap="none">
           <a:solidFill>
             <a:srgbClr val="000000"/>
           </a:solidFill>
@@ -6141,7 +6283,7 @@
           <a:sym typeface="Arial"/>
         </a:defRPr>
       </a:lvl8pPr>
-      <a:lvl9pPr lvl="8" marR="0" rtl="0" algn="l">
+      <a:lvl9pPr marR="0" lvl="8" algn="l" rtl="0">
         <a:lnSpc>
           <a:spcPct val="100000"/>
         </a:lnSpc>
@@ -6155,7 +6297,7 @@
           <a:srgbClr val="000000"/>
         </a:buClr>
         <a:buFont typeface="Arial"/>
-        <a:defRPr b="0" i="0" sz="1400" u="none" cap="none" strike="noStrike">
+        <a:defRPr sz="1400" b="0" i="0" u="none" strike="noStrike" cap="none">
           <a:solidFill>
             <a:srgbClr val="000000"/>
           </a:solidFill>
@@ -6167,7 +6309,7 @@
       </a:lvl9pPr>
     </p:titleStyle>
     <p:bodyStyle>
-      <a:defPPr lvl="0" marR="0" rtl="0" algn="l">
+      <a:defPPr marR="0" lvl="0" algn="l" rtl="0">
         <a:lnSpc>
           <a:spcPct val="100000"/>
         </a:lnSpc>
@@ -6178,7 +6320,7 @@
           <a:spcPts val="0"/>
         </a:spcAft>
       </a:defPPr>
-      <a:lvl1pPr lvl="0" marR="0" rtl="0" algn="l">
+      <a:lvl1pPr marR="0" lvl="0" algn="l" rtl="0">
         <a:lnSpc>
           <a:spcPct val="100000"/>
         </a:lnSpc>
@@ -6192,7 +6334,7 @@
           <a:srgbClr val="000000"/>
         </a:buClr>
         <a:buFont typeface="Arial"/>
-        <a:defRPr b="0" i="0" sz="1400" u="none" cap="none" strike="noStrike">
+        <a:defRPr sz="1400" b="0" i="0" u="none" strike="noStrike" cap="none">
           <a:solidFill>
             <a:srgbClr val="000000"/>
           </a:solidFill>
@@ -6202,7 +6344,7 @@
           <a:sym typeface="Arial"/>
         </a:defRPr>
       </a:lvl1pPr>
-      <a:lvl2pPr lvl="1" marR="0" rtl="0" algn="l">
+      <a:lvl2pPr marR="0" lvl="1" algn="l" rtl="0">
         <a:lnSpc>
           <a:spcPct val="100000"/>
         </a:lnSpc>
@@ -6216,7 +6358,7 @@
           <a:srgbClr val="000000"/>
         </a:buClr>
         <a:buFont typeface="Arial"/>
-        <a:defRPr b="0" i="0" sz="1400" u="none" cap="none" strike="noStrike">
+        <a:defRPr sz="1400" b="0" i="0" u="none" strike="noStrike" cap="none">
           <a:solidFill>
             <a:srgbClr val="000000"/>
           </a:solidFill>
@@ -6226,7 +6368,7 @@
           <a:sym typeface="Arial"/>
         </a:defRPr>
       </a:lvl2pPr>
-      <a:lvl3pPr lvl="2" marR="0" rtl="0" algn="l">
+      <a:lvl3pPr marR="0" lvl="2" algn="l" rtl="0">
         <a:lnSpc>
           <a:spcPct val="100000"/>
         </a:lnSpc>
@@ -6240,7 +6382,7 @@
           <a:srgbClr val="000000"/>
         </a:buClr>
         <a:buFont typeface="Arial"/>
-        <a:defRPr b="0" i="0" sz="1400" u="none" cap="none" strike="noStrike">
+        <a:defRPr sz="1400" b="0" i="0" u="none" strike="noStrike" cap="none">
           <a:solidFill>
             <a:srgbClr val="000000"/>
           </a:solidFill>
@@ -6250,7 +6392,7 @@
           <a:sym typeface="Arial"/>
         </a:defRPr>
       </a:lvl3pPr>
-      <a:lvl4pPr lvl="3" marR="0" rtl="0" algn="l">
+      <a:lvl4pPr marR="0" lvl="3" algn="l" rtl="0">
         <a:lnSpc>
           <a:spcPct val="100000"/>
         </a:lnSpc>
@@ -6264,7 +6406,7 @@
           <a:srgbClr val="000000"/>
         </a:buClr>
         <a:buFont typeface="Arial"/>
-        <a:defRPr b="0" i="0" sz="1400" u="none" cap="none" strike="noStrike">
+        <a:defRPr sz="1400" b="0" i="0" u="none" strike="noStrike" cap="none">
           <a:solidFill>
             <a:srgbClr val="000000"/>
           </a:solidFill>
@@ -6274,7 +6416,7 @@
           <a:sym typeface="Arial"/>
         </a:defRPr>
       </a:lvl4pPr>
-      <a:lvl5pPr lvl="4" marR="0" rtl="0" algn="l">
+      <a:lvl5pPr marR="0" lvl="4" algn="l" rtl="0">
         <a:lnSpc>
           <a:spcPct val="100000"/>
         </a:lnSpc>
@@ -6288,7 +6430,7 @@
           <a:srgbClr val="000000"/>
         </a:buClr>
         <a:buFont typeface="Arial"/>
-        <a:defRPr b="0" i="0" sz="1400" u="none" cap="none" strike="noStrike">
+        <a:defRPr sz="1400" b="0" i="0" u="none" strike="noStrike" cap="none">
           <a:solidFill>
             <a:srgbClr val="000000"/>
           </a:solidFill>
@@ -6298,7 +6440,7 @@
           <a:sym typeface="Arial"/>
         </a:defRPr>
       </a:lvl5pPr>
-      <a:lvl6pPr lvl="5" marR="0" rtl="0" algn="l">
+      <a:lvl6pPr marR="0" lvl="5" algn="l" rtl="0">
         <a:lnSpc>
           <a:spcPct val="100000"/>
         </a:lnSpc>
@@ -6312,7 +6454,7 @@
           <a:srgbClr val="000000"/>
         </a:buClr>
         <a:buFont typeface="Arial"/>
-        <a:defRPr b="0" i="0" sz="1400" u="none" cap="none" strike="noStrike">
+        <a:defRPr sz="1400" b="0" i="0" u="none" strike="noStrike" cap="none">
           <a:solidFill>
             <a:srgbClr val="000000"/>
           </a:solidFill>
@@ -6322,7 +6464,7 @@
           <a:sym typeface="Arial"/>
         </a:defRPr>
       </a:lvl6pPr>
-      <a:lvl7pPr lvl="6" marR="0" rtl="0" algn="l">
+      <a:lvl7pPr marR="0" lvl="6" algn="l" rtl="0">
         <a:lnSpc>
           <a:spcPct val="100000"/>
         </a:lnSpc>
@@ -6336,7 +6478,7 @@
           <a:srgbClr val="000000"/>
         </a:buClr>
         <a:buFont typeface="Arial"/>
-        <a:defRPr b="0" i="0" sz="1400" u="none" cap="none" strike="noStrike">
+        <a:defRPr sz="1400" b="0" i="0" u="none" strike="noStrike" cap="none">
           <a:solidFill>
             <a:srgbClr val="000000"/>
           </a:solidFill>
@@ -6346,7 +6488,7 @@
           <a:sym typeface="Arial"/>
         </a:defRPr>
       </a:lvl7pPr>
-      <a:lvl8pPr lvl="7" marR="0" rtl="0" algn="l">
+      <a:lvl8pPr marR="0" lvl="7" algn="l" rtl="0">
         <a:lnSpc>
           <a:spcPct val="100000"/>
         </a:lnSpc>
@@ -6360,7 +6502,7 @@
           <a:srgbClr val="000000"/>
         </a:buClr>
         <a:buFont typeface="Arial"/>
-        <a:defRPr b="0" i="0" sz="1400" u="none" cap="none" strike="noStrike">
+        <a:defRPr sz="1400" b="0" i="0" u="none" strike="noStrike" cap="none">
           <a:solidFill>
             <a:srgbClr val="000000"/>
           </a:solidFill>
@@ -6370,7 +6512,7 @@
           <a:sym typeface="Arial"/>
         </a:defRPr>
       </a:lvl8pPr>
-      <a:lvl9pPr lvl="8" marR="0" rtl="0" algn="l">
+      <a:lvl9pPr marR="0" lvl="8" algn="l" rtl="0">
         <a:lnSpc>
           <a:spcPct val="100000"/>
         </a:lnSpc>
@@ -6384,7 +6526,7 @@
           <a:srgbClr val="000000"/>
         </a:buClr>
         <a:buFont typeface="Arial"/>
-        <a:defRPr b="0" i="0" sz="1400" u="none" cap="none" strike="noStrike">
+        <a:defRPr sz="1400" b="0" i="0" u="none" strike="noStrike" cap="none">
           <a:solidFill>
             <a:srgbClr val="000000"/>
           </a:solidFill>
@@ -6396,7 +6538,7 @@
       </a:lvl9pPr>
     </p:bodyStyle>
     <p:otherStyle>
-      <a:defPPr lvl="0" marR="0" rtl="0" algn="l">
+      <a:defPPr marR="0" lvl="0" algn="l" rtl="0">
         <a:lnSpc>
           <a:spcPct val="100000"/>
         </a:lnSpc>
@@ -6407,7 +6549,7 @@
           <a:spcPts val="0"/>
         </a:spcAft>
       </a:defPPr>
-      <a:lvl1pPr lvl="0" marR="0" rtl="0" algn="l">
+      <a:lvl1pPr marR="0" lvl="0" algn="l" rtl="0">
         <a:lnSpc>
           <a:spcPct val="100000"/>
         </a:lnSpc>
@@ -6421,7 +6563,7 @@
           <a:srgbClr val="000000"/>
         </a:buClr>
         <a:buFont typeface="Arial"/>
-        <a:defRPr b="0" i="0" sz="1400" u="none" cap="none" strike="noStrike">
+        <a:defRPr sz="1400" b="0" i="0" u="none" strike="noStrike" cap="none">
           <a:solidFill>
             <a:srgbClr val="000000"/>
           </a:solidFill>
@@ -6431,7 +6573,7 @@
           <a:sym typeface="Arial"/>
         </a:defRPr>
       </a:lvl1pPr>
-      <a:lvl2pPr lvl="1" marR="0" rtl="0" algn="l">
+      <a:lvl2pPr marR="0" lvl="1" algn="l" rtl="0">
         <a:lnSpc>
           <a:spcPct val="100000"/>
         </a:lnSpc>
@@ -6445,7 +6587,7 @@
           <a:srgbClr val="000000"/>
         </a:buClr>
         <a:buFont typeface="Arial"/>
-        <a:defRPr b="0" i="0" sz="1400" u="none" cap="none" strike="noStrike">
+        <a:defRPr sz="1400" b="0" i="0" u="none" strike="noStrike" cap="none">
           <a:solidFill>
             <a:srgbClr val="000000"/>
           </a:solidFill>
@@ -6455,7 +6597,7 @@
           <a:sym typeface="Arial"/>
         </a:defRPr>
       </a:lvl2pPr>
-      <a:lvl3pPr lvl="2" marR="0" rtl="0" algn="l">
+      <a:lvl3pPr marR="0" lvl="2" algn="l" rtl="0">
         <a:lnSpc>
           <a:spcPct val="100000"/>
         </a:lnSpc>
@@ -6469,7 +6611,7 @@
           <a:srgbClr val="000000"/>
         </a:buClr>
         <a:buFont typeface="Arial"/>
-        <a:defRPr b="0" i="0" sz="1400" u="none" cap="none" strike="noStrike">
+        <a:defRPr sz="1400" b="0" i="0" u="none" strike="noStrike" cap="none">
           <a:solidFill>
             <a:srgbClr val="000000"/>
           </a:solidFill>
@@ -6479,7 +6621,7 @@
           <a:sym typeface="Arial"/>
         </a:defRPr>
       </a:lvl3pPr>
-      <a:lvl4pPr lvl="3" marR="0" rtl="0" algn="l">
+      <a:lvl4pPr marR="0" lvl="3" algn="l" rtl="0">
         <a:lnSpc>
           <a:spcPct val="100000"/>
         </a:lnSpc>
@@ -6493,7 +6635,7 @@
           <a:srgbClr val="000000"/>
         </a:buClr>
         <a:buFont typeface="Arial"/>
-        <a:defRPr b="0" i="0" sz="1400" u="none" cap="none" strike="noStrike">
+        <a:defRPr sz="1400" b="0" i="0" u="none" strike="noStrike" cap="none">
           <a:solidFill>
             <a:srgbClr val="000000"/>
           </a:solidFill>
@@ -6503,7 +6645,7 @@
           <a:sym typeface="Arial"/>
         </a:defRPr>
       </a:lvl4pPr>
-      <a:lvl5pPr lvl="4" marR="0" rtl="0" algn="l">
+      <a:lvl5pPr marR="0" lvl="4" algn="l" rtl="0">
         <a:lnSpc>
           <a:spcPct val="100000"/>
         </a:lnSpc>
@@ -6517,7 +6659,7 @@
           <a:srgbClr val="000000"/>
         </a:buClr>
         <a:buFont typeface="Arial"/>
-        <a:defRPr b="0" i="0" sz="1400" u="none" cap="none" strike="noStrike">
+        <a:defRPr sz="1400" b="0" i="0" u="none" strike="noStrike" cap="none">
           <a:solidFill>
             <a:srgbClr val="000000"/>
           </a:solidFill>
@@ -6527,7 +6669,7 @@
           <a:sym typeface="Arial"/>
         </a:defRPr>
       </a:lvl5pPr>
-      <a:lvl6pPr lvl="5" marR="0" rtl="0" algn="l">
+      <a:lvl6pPr marR="0" lvl="5" algn="l" rtl="0">
         <a:lnSpc>
           <a:spcPct val="100000"/>
         </a:lnSpc>
@@ -6541,7 +6683,7 @@
           <a:srgbClr val="000000"/>
         </a:buClr>
         <a:buFont typeface="Arial"/>
-        <a:defRPr b="0" i="0" sz="1400" u="none" cap="none" strike="noStrike">
+        <a:defRPr sz="1400" b="0" i="0" u="none" strike="noStrike" cap="none">
           <a:solidFill>
             <a:srgbClr val="000000"/>
           </a:solidFill>
@@ -6551,7 +6693,7 @@
           <a:sym typeface="Arial"/>
         </a:defRPr>
       </a:lvl6pPr>
-      <a:lvl7pPr lvl="6" marR="0" rtl="0" algn="l">
+      <a:lvl7pPr marR="0" lvl="6" algn="l" rtl="0">
         <a:lnSpc>
           <a:spcPct val="100000"/>
         </a:lnSpc>
@@ -6565,7 +6707,7 @@
           <a:srgbClr val="000000"/>
         </a:buClr>
         <a:buFont typeface="Arial"/>
-        <a:defRPr b="0" i="0" sz="1400" u="none" cap="none" strike="noStrike">
+        <a:defRPr sz="1400" b="0" i="0" u="none" strike="noStrike" cap="none">
           <a:solidFill>
             <a:srgbClr val="000000"/>
           </a:solidFill>
@@ -6575,7 +6717,7 @@
           <a:sym typeface="Arial"/>
         </a:defRPr>
       </a:lvl7pPr>
-      <a:lvl8pPr lvl="7" marR="0" rtl="0" algn="l">
+      <a:lvl8pPr marR="0" lvl="7" algn="l" rtl="0">
         <a:lnSpc>
           <a:spcPct val="100000"/>
         </a:lnSpc>
@@ -6589,7 +6731,7 @@
           <a:srgbClr val="000000"/>
         </a:buClr>
         <a:buFont typeface="Arial"/>
-        <a:defRPr b="0" i="0" sz="1400" u="none" cap="none" strike="noStrike">
+        <a:defRPr sz="1400" b="0" i="0" u="none" strike="noStrike" cap="none">
           <a:solidFill>
             <a:srgbClr val="000000"/>
           </a:solidFill>
@@ -6599,7 +6741,7 @@
           <a:sym typeface="Arial"/>
         </a:defRPr>
       </a:lvl8pPr>
-      <a:lvl9pPr lvl="8" marR="0" rtl="0" algn="l">
+      <a:lvl9pPr marR="0" lvl="8" algn="l" rtl="0">
         <a:lnSpc>
           <a:spcPct val="100000"/>
         </a:lnSpc>
@@ -6613,7 +6755,7 @@
           <a:srgbClr val="000000"/>
         </a:buClr>
         <a:buFont typeface="Arial"/>
-        <a:defRPr b="0" i="0" sz="1400" u="none" cap="none" strike="noStrike">
+        <a:defRPr sz="1400" b="0" i="0" u="none" strike="noStrike" cap="none">
           <a:solidFill>
             <a:srgbClr val="000000"/>
           </a:solidFill>
@@ -6629,11 +6771,11 @@
 </file>
 
 <file path=ppt/slides/slide1.xml><?xml version="1.0" encoding="utf-8"?>
-<p:sld xmlns:a="http://schemas.openxmlformats.org/drawingml/2006/main" xmlns:r="http://schemas.openxmlformats.org/officeDocument/2006/relationships" xmlns:mc="http://schemas.openxmlformats.org/markup-compatibility/2006" xmlns:mv="urn:schemas-microsoft-com:mac:vml" xmlns:p="http://schemas.openxmlformats.org/presentationml/2006/main" xmlns:c="http://schemas.openxmlformats.org/drawingml/2006/chart" xmlns:dgm="http://schemas.openxmlformats.org/drawingml/2006/diagram" xmlns:o="urn:schemas-microsoft-com:office:office" xmlns:v="urn:schemas-microsoft-com:vml" xmlns:pvml="urn:schemas-microsoft-com:office:powerpoint" xmlns:com="http://schemas.openxmlformats.org/drawingml/2006/compatibility" xmlns:p14="http://schemas.microsoft.com/office/powerpoint/2010/main" xmlns:p15="http://schemas.microsoft.com/office/powerpoint/2012/main">
+<p:sld xmlns:a="http://schemas.openxmlformats.org/drawingml/2006/main" xmlns:r="http://schemas.openxmlformats.org/officeDocument/2006/relationships" xmlns:p="http://schemas.openxmlformats.org/presentationml/2006/main">
   <p:cSld>
     <p:spTree>
       <p:nvGrpSpPr>
-        <p:cNvPr id="58" name="Shape 58"/>
+        <p:cNvPr id="1" name="Shape 58"/>
         <p:cNvGrpSpPr/>
         <p:nvPr/>
       </p:nvGrpSpPr>
@@ -6648,27 +6790,29 @@
       <p:sp>
         <p:nvSpPr>
           <p:cNvPr id="59" name="Google Shape;59;p13"/>
-          <p:cNvSpPr txBox="1"/>
+          <p:cNvSpPr txBox="1">
+            <a:spLocks noGrp="1"/>
+          </p:cNvSpPr>
           <p:nvPr>
             <p:ph type="ctrTitle"/>
           </p:nvPr>
         </p:nvSpPr>
         <p:spPr>
           <a:xfrm>
-            <a:off x="311700" y="364150"/>
-            <a:ext cx="8520600" cy="2091600"/>
+            <a:off x="311700" y="1014400"/>
+            <a:ext cx="8520600" cy="1198450"/>
           </a:xfrm>
           <a:prstGeom prst="rect">
             <a:avLst/>
           </a:prstGeom>
         </p:spPr>
         <p:txBody>
-          <a:bodyPr anchorCtr="0" anchor="b" bIns="91425" lIns="91425" spcFirstLastPara="1" rIns="91425" wrap="square" tIns="91425">
+          <a:bodyPr spcFirstLastPara="1" wrap="square" lIns="91425" tIns="91425" rIns="91425" bIns="91425" anchor="b" anchorCtr="0">
             <a:noAutofit/>
           </a:bodyPr>
           <a:lstStyle/>
           <a:p>
-            <a:pPr indent="0" lvl="0" marL="0" rtl="0" algn="l">
+            <a:pPr marL="0" lvl="0" indent="0" algn="l" rtl="0">
               <a:spcBef>
                 <a:spcPts val="0"/>
               </a:spcBef>
@@ -6678,15 +6822,42 @@
               <a:buNone/>
             </a:pPr>
             <a:r>
-              <a:rPr lang="es-419">
+              <a:rPr lang="es-419" sz="3600" dirty="0">
                 <a:latin typeface="EB Garamond"/>
                 <a:ea typeface="EB Garamond"/>
                 <a:cs typeface="EB Garamond"/>
                 <a:sym typeface="EB Garamond"/>
               </a:rPr>
-              <a:t>Proyecto DRLW</a:t>
+              <a:t>VoIP </a:t>
             </a:r>
-            <a:endParaRPr>
+            <a:r>
+              <a:rPr lang="es-419" sz="3600" dirty="0" err="1">
+                <a:latin typeface="EB Garamond"/>
+                <a:ea typeface="EB Garamond"/>
+                <a:cs typeface="EB Garamond"/>
+                <a:sym typeface="EB Garamond"/>
+              </a:rPr>
+              <a:t>Packet</a:t>
+            </a:r>
+            <a:r>
+              <a:rPr lang="es-419" sz="3600" dirty="0">
+                <a:latin typeface="EB Garamond"/>
+                <a:ea typeface="EB Garamond"/>
+                <a:cs typeface="EB Garamond"/>
+                <a:sym typeface="EB Garamond"/>
+              </a:rPr>
+              <a:t> </a:t>
+            </a:r>
+            <a:r>
+              <a:rPr lang="es-419" sz="3600" dirty="0" err="1">
+                <a:latin typeface="EB Garamond"/>
+                <a:ea typeface="EB Garamond"/>
+                <a:cs typeface="EB Garamond"/>
+                <a:sym typeface="EB Garamond"/>
+              </a:rPr>
+              <a:t>Tracer</a:t>
+            </a:r>
+            <a:endParaRPr sz="3600" dirty="0">
               <a:latin typeface="EB Garamond"/>
               <a:ea typeface="EB Garamond"/>
               <a:cs typeface="EB Garamond"/>
@@ -6694,7 +6865,7 @@
             </a:endParaRPr>
           </a:p>
           <a:p>
-            <a:pPr indent="0" lvl="0" marL="0" rtl="0" algn="l">
+            <a:pPr marL="0" lvl="0" indent="0" algn="l" rtl="0">
               <a:spcBef>
                 <a:spcPts val="0"/>
               </a:spcBef>
@@ -6704,33 +6875,7 @@
               <a:buNone/>
             </a:pPr>
             <a:r>
-              <a:rPr lang="es-419" sz="3600">
-                <a:latin typeface="EB Garamond"/>
-                <a:ea typeface="EB Garamond"/>
-                <a:cs typeface="EB Garamond"/>
-                <a:sym typeface="EB Garamond"/>
-              </a:rPr>
-              <a:t>VoIP Packet Tracer</a:t>
-            </a:r>
-            <a:endParaRPr sz="3600">
-              <a:latin typeface="EB Garamond"/>
-              <a:ea typeface="EB Garamond"/>
-              <a:cs typeface="EB Garamond"/>
-              <a:sym typeface="EB Garamond"/>
-            </a:endParaRPr>
-          </a:p>
-          <a:p>
-            <a:pPr indent="0" lvl="0" marL="0" rtl="0" algn="l">
-              <a:spcBef>
-                <a:spcPts val="0"/>
-              </a:spcBef>
-              <a:spcAft>
-                <a:spcPts val="0"/>
-              </a:spcAft>
-              <a:buNone/>
-            </a:pPr>
-            <a:r>
-              <a:rPr lang="es-419" sz="3600">
+              <a:rPr lang="es-419" sz="3600" dirty="0">
                 <a:latin typeface="EB Garamond"/>
                 <a:ea typeface="EB Garamond"/>
                 <a:cs typeface="EB Garamond"/>
@@ -6738,7 +6883,7 @@
               </a:rPr>
               <a:t>Oferta Económica </a:t>
             </a:r>
-            <a:endParaRPr sz="3600">
+            <a:endParaRPr sz="3600" dirty="0">
               <a:latin typeface="EB Garamond"/>
               <a:ea typeface="EB Garamond"/>
               <a:cs typeface="EB Garamond"/>
@@ -6750,9 +6895,11 @@
       <p:sp>
         <p:nvSpPr>
           <p:cNvPr id="60" name="Google Shape;60;p13"/>
-          <p:cNvSpPr txBox="1"/>
+          <p:cNvSpPr txBox="1">
+            <a:spLocks noGrp="1"/>
+          </p:cNvSpPr>
           <p:nvPr>
-            <p:ph idx="1" type="subTitle"/>
+            <p:ph type="subTitle" idx="1"/>
           </p:nvPr>
         </p:nvSpPr>
         <p:spPr>
@@ -6765,12 +6912,12 @@
           </a:prstGeom>
         </p:spPr>
         <p:txBody>
-          <a:bodyPr anchorCtr="0" anchor="t" bIns="91425" lIns="91425" spcFirstLastPara="1" rIns="91425" wrap="square" tIns="91425">
+          <a:bodyPr spcFirstLastPara="1" wrap="square" lIns="91425" tIns="91425" rIns="91425" bIns="91425" anchor="t" anchorCtr="0">
             <a:noAutofit/>
           </a:bodyPr>
           <a:lstStyle/>
           <a:p>
-            <a:pPr indent="0" lvl="0" marL="0" rtl="0" algn="l">
+            <a:pPr marL="0" lvl="0" indent="0" algn="l" rtl="0">
               <a:spcBef>
                 <a:spcPts val="0"/>
               </a:spcBef>
@@ -6796,7 +6943,7 @@
             </a:endParaRPr>
           </a:p>
           <a:p>
-            <a:pPr indent="0" lvl="0" marL="0" rtl="0" algn="l">
+            <a:pPr marL="0" lvl="0" indent="0" algn="l" rtl="0">
               <a:spcBef>
                 <a:spcPts val="0"/>
               </a:spcBef>
@@ -6822,7 +6969,7 @@
             </a:endParaRPr>
           </a:p>
           <a:p>
-            <a:pPr indent="0" lvl="0" marL="0" rtl="0" algn="l">
+            <a:pPr marL="0" lvl="0" indent="0" algn="l" rtl="0">
               <a:spcBef>
                 <a:spcPts val="0"/>
               </a:spcBef>
@@ -6849,6 +6996,42 @@
           </a:p>
         </p:txBody>
       </p:sp>
+      <p:pic>
+        <p:nvPicPr>
+          <p:cNvPr id="4" name="Imagen 3">
+            <a:extLst>
+              <a:ext uri="{FF2B5EF4-FFF2-40B4-BE49-F238E27FC236}">
+                <a16:creationId xmlns:a16="http://schemas.microsoft.com/office/drawing/2014/main" id="{13453C65-4B31-4BD9-8F81-5A67B20AD525}"/>
+              </a:ext>
+            </a:extLst>
+          </p:cNvPr>
+          <p:cNvPicPr>
+            <a:picLocks noChangeAspect="1"/>
+          </p:cNvPicPr>
+          <p:nvPr/>
+        </p:nvPicPr>
+        <p:blipFill>
+          <a:blip r:embed="rId3">
+            <a:extLst>
+              <a:ext uri="{28A0092B-C50C-407E-A947-70E740481C1C}">
+                <a14:useLocalDpi xmlns:a14="http://schemas.microsoft.com/office/drawing/2010/main" val="0"/>
+              </a:ext>
+            </a:extLst>
+          </a:blip>
+          <a:stretch>
+            <a:fillRect/>
+          </a:stretch>
+        </p:blipFill>
+        <p:spPr>
+          <a:xfrm>
+            <a:off x="5087540" y="1143001"/>
+            <a:ext cx="2868563" cy="941248"/>
+          </a:xfrm>
+          <a:prstGeom prst="rect">
+            <a:avLst/>
+          </a:prstGeom>
+        </p:spPr>
+      </p:pic>
     </p:spTree>
   </p:cSld>
   <p:clrMapOvr>
@@ -6858,11 +7041,11 @@
 </file>
 
 <file path=ppt/slides/slide2.xml><?xml version="1.0" encoding="utf-8"?>
-<p:sld xmlns:a="http://schemas.openxmlformats.org/drawingml/2006/main" xmlns:r="http://schemas.openxmlformats.org/officeDocument/2006/relationships" xmlns:mc="http://schemas.openxmlformats.org/markup-compatibility/2006" xmlns:mv="urn:schemas-microsoft-com:mac:vml" xmlns:p="http://schemas.openxmlformats.org/presentationml/2006/main" xmlns:c="http://schemas.openxmlformats.org/drawingml/2006/chart" xmlns:dgm="http://schemas.openxmlformats.org/drawingml/2006/diagram" xmlns:o="urn:schemas-microsoft-com:office:office" xmlns:v="urn:schemas-microsoft-com:vml" xmlns:pvml="urn:schemas-microsoft-com:office:powerpoint" xmlns:com="http://schemas.openxmlformats.org/drawingml/2006/compatibility" xmlns:p14="http://schemas.microsoft.com/office/powerpoint/2010/main" xmlns:p15="http://schemas.microsoft.com/office/powerpoint/2012/main">
+<p:sld xmlns:a="http://schemas.openxmlformats.org/drawingml/2006/main" xmlns:r="http://schemas.openxmlformats.org/officeDocument/2006/relationships" xmlns:p="http://schemas.openxmlformats.org/presentationml/2006/main">
   <p:cSld>
     <p:spTree>
       <p:nvGrpSpPr>
-        <p:cNvPr id="64" name="Shape 64"/>
+        <p:cNvPr id="1" name="Shape 64"/>
         <p:cNvGrpSpPr/>
         <p:nvPr/>
       </p:nvGrpSpPr>
@@ -6877,7 +7060,9 @@
       <p:sp>
         <p:nvSpPr>
           <p:cNvPr id="65" name="Google Shape;65;p14"/>
-          <p:cNvSpPr txBox="1"/>
+          <p:cNvSpPr txBox="1">
+            <a:spLocks noGrp="1"/>
+          </p:cNvSpPr>
           <p:nvPr>
             <p:ph type="title"/>
           </p:nvPr>
@@ -6892,12 +7077,12 @@
           </a:prstGeom>
         </p:spPr>
         <p:txBody>
-          <a:bodyPr anchorCtr="0" anchor="t" bIns="91425" lIns="91425" spcFirstLastPara="1" rIns="91425" wrap="square" tIns="91425">
+          <a:bodyPr spcFirstLastPara="1" wrap="square" lIns="91425" tIns="91425" rIns="91425" bIns="91425" anchor="t" anchorCtr="0">
             <a:noAutofit/>
           </a:bodyPr>
           <a:lstStyle/>
           <a:p>
-            <a:pPr indent="0" lvl="0" marL="0" rtl="0" algn="l">
+            <a:pPr marL="0" lvl="0" indent="0" algn="l" rtl="0">
               <a:spcBef>
                 <a:spcPts val="0"/>
               </a:spcBef>
@@ -6927,9 +7112,11 @@
       <p:sp>
         <p:nvSpPr>
           <p:cNvPr id="66" name="Google Shape;66;p14"/>
-          <p:cNvSpPr txBox="1"/>
+          <p:cNvSpPr txBox="1">
+            <a:spLocks noGrp="1"/>
+          </p:cNvSpPr>
           <p:nvPr>
-            <p:ph idx="1" type="body"/>
+            <p:ph type="body" idx="1"/>
           </p:nvPr>
         </p:nvSpPr>
         <p:spPr>
@@ -6942,12 +7129,12 @@
           </a:prstGeom>
         </p:spPr>
         <p:txBody>
-          <a:bodyPr anchorCtr="0" anchor="t" bIns="91425" lIns="91425" spcFirstLastPara="1" rIns="91425" wrap="square" tIns="91425">
+          <a:bodyPr spcFirstLastPara="1" wrap="square" lIns="91425" tIns="91425" rIns="91425" bIns="91425" anchor="t" anchorCtr="0">
             <a:noAutofit/>
           </a:bodyPr>
           <a:lstStyle/>
           <a:p>
-            <a:pPr indent="-342900" lvl="0" marL="457200" rtl="0" algn="l">
+            <a:pPr marL="457200" lvl="0" indent="-342900" algn="l" rtl="0">
               <a:spcBef>
                 <a:spcPts val="0"/>
               </a:spcBef>
@@ -6980,7 +7167,7 @@
             </a:endParaRPr>
           </a:p>
           <a:p>
-            <a:pPr indent="0" lvl="0" marL="457200" rtl="0" algn="l">
+            <a:pPr marL="457200" lvl="0" indent="0" algn="l" rtl="0">
               <a:spcBef>
                 <a:spcPts val="1600"/>
               </a:spcBef>
@@ -6989,9 +7176,6 @@
               </a:spcAft>
               <a:buNone/>
             </a:pPr>
-            <a:r>
-              <a:t/>
-            </a:r>
             <a:endParaRPr>
               <a:solidFill>
                 <a:srgbClr val="000000"/>
@@ -7003,7 +7187,7 @@
             </a:endParaRPr>
           </a:p>
           <a:p>
-            <a:pPr indent="-342900" lvl="0" marL="457200" rtl="0" algn="just">
+            <a:pPr marL="457200" lvl="0" indent="-342900" algn="just" rtl="0">
               <a:spcBef>
                 <a:spcPts val="1600"/>
               </a:spcBef>
@@ -7040,7 +7224,7 @@
             </a:endParaRPr>
           </a:p>
           <a:p>
-            <a:pPr indent="0" lvl="0" marL="457200" rtl="0" algn="l">
+            <a:pPr marL="457200" lvl="0" indent="0" algn="l" rtl="0">
               <a:spcBef>
                 <a:spcPts val="1200"/>
               </a:spcBef>
@@ -7049,9 +7233,6 @@
               </a:spcAft>
               <a:buNone/>
             </a:pPr>
-            <a:r>
-              <a:t/>
-            </a:r>
             <a:endParaRPr sz="2200">
               <a:solidFill>
                 <a:srgbClr val="000000"/>
@@ -7064,6 +7245,42 @@
           </a:p>
         </p:txBody>
       </p:sp>
+      <p:pic>
+        <p:nvPicPr>
+          <p:cNvPr id="4" name="Imagen 3">
+            <a:extLst>
+              <a:ext uri="{FF2B5EF4-FFF2-40B4-BE49-F238E27FC236}">
+                <a16:creationId xmlns:a16="http://schemas.microsoft.com/office/drawing/2014/main" id="{F99FC093-A8FA-4DBE-972A-C1F50DD077C5}"/>
+              </a:ext>
+            </a:extLst>
+          </p:cNvPr>
+          <p:cNvPicPr>
+            <a:picLocks noChangeAspect="1"/>
+          </p:cNvPicPr>
+          <p:nvPr/>
+        </p:nvPicPr>
+        <p:blipFill>
+          <a:blip r:embed="rId3">
+            <a:extLst>
+              <a:ext uri="{28A0092B-C50C-407E-A947-70E740481C1C}">
+                <a14:useLocalDpi xmlns:a14="http://schemas.microsoft.com/office/drawing/2010/main" val="0"/>
+              </a:ext>
+            </a:extLst>
+          </a:blip>
+          <a:stretch>
+            <a:fillRect/>
+          </a:stretch>
+        </p:blipFill>
+        <p:spPr>
+          <a:xfrm>
+            <a:off x="7145154" y="0"/>
+            <a:ext cx="1998846" cy="655872"/>
+          </a:xfrm>
+          <a:prstGeom prst="rect">
+            <a:avLst/>
+          </a:prstGeom>
+        </p:spPr>
+      </p:pic>
     </p:spTree>
   </p:cSld>
   <p:clrMapOvr>
@@ -7073,11 +7290,11 @@
 </file>
 
 <file path=ppt/slides/slide3.xml><?xml version="1.0" encoding="utf-8"?>
-<p:sld xmlns:a="http://schemas.openxmlformats.org/drawingml/2006/main" xmlns:r="http://schemas.openxmlformats.org/officeDocument/2006/relationships" xmlns:mc="http://schemas.openxmlformats.org/markup-compatibility/2006" xmlns:mv="urn:schemas-microsoft-com:mac:vml" xmlns:p="http://schemas.openxmlformats.org/presentationml/2006/main" xmlns:c="http://schemas.openxmlformats.org/drawingml/2006/chart" xmlns:dgm="http://schemas.openxmlformats.org/drawingml/2006/diagram" xmlns:o="urn:schemas-microsoft-com:office:office" xmlns:v="urn:schemas-microsoft-com:vml" xmlns:pvml="urn:schemas-microsoft-com:office:powerpoint" xmlns:com="http://schemas.openxmlformats.org/drawingml/2006/compatibility" xmlns:p14="http://schemas.microsoft.com/office/powerpoint/2010/main" xmlns:p15="http://schemas.microsoft.com/office/powerpoint/2012/main">
+<p:sld xmlns:a="http://schemas.openxmlformats.org/drawingml/2006/main" xmlns:r="http://schemas.openxmlformats.org/officeDocument/2006/relationships" xmlns:p="http://schemas.openxmlformats.org/presentationml/2006/main">
   <p:cSld>
     <p:spTree>
       <p:nvGrpSpPr>
-        <p:cNvPr id="70" name="Shape 70"/>
+        <p:cNvPr id="1" name="Shape 70"/>
         <p:cNvGrpSpPr/>
         <p:nvPr/>
       </p:nvGrpSpPr>
@@ -7092,7 +7309,9 @@
       <p:sp>
         <p:nvSpPr>
           <p:cNvPr id="71" name="Google Shape;71;p15"/>
-          <p:cNvSpPr txBox="1"/>
+          <p:cNvSpPr txBox="1">
+            <a:spLocks noGrp="1"/>
+          </p:cNvSpPr>
           <p:nvPr>
             <p:ph type="title"/>
           </p:nvPr>
@@ -7107,12 +7326,12 @@
           </a:prstGeom>
         </p:spPr>
         <p:txBody>
-          <a:bodyPr anchorCtr="0" anchor="t" bIns="91425" lIns="91425" spcFirstLastPara="1" rIns="91425" wrap="square" tIns="91425">
+          <a:bodyPr spcFirstLastPara="1" wrap="square" lIns="91425" tIns="91425" rIns="91425" bIns="91425" anchor="t" anchorCtr="0">
             <a:noAutofit/>
           </a:bodyPr>
           <a:lstStyle/>
           <a:p>
-            <a:pPr indent="0" lvl="0" marL="0" rtl="0" algn="l">
+            <a:pPr marL="0" lvl="0" indent="0" algn="l" rtl="0">
               <a:spcBef>
                 <a:spcPts val="0"/>
               </a:spcBef>
@@ -7138,7 +7357,7 @@
             </a:endParaRPr>
           </a:p>
           <a:p>
-            <a:pPr indent="0" lvl="0" marL="457200" rtl="0" algn="l">
+            <a:pPr marL="457200" lvl="0" indent="0" algn="l" rtl="0">
               <a:spcBef>
                 <a:spcPts val="0"/>
               </a:spcBef>
@@ -7147,9 +7366,6 @@
               </a:spcAft>
               <a:buNone/>
             </a:pPr>
-            <a:r>
-              <a:t/>
-            </a:r>
             <a:endParaRPr/>
           </a:p>
         </p:txBody>
@@ -7157,9 +7373,11 @@
       <p:sp>
         <p:nvSpPr>
           <p:cNvPr id="72" name="Google Shape;72;p15"/>
-          <p:cNvSpPr txBox="1"/>
+          <p:cNvSpPr txBox="1">
+            <a:spLocks noGrp="1"/>
+          </p:cNvSpPr>
           <p:nvPr>
-            <p:ph idx="1" type="body"/>
+            <p:ph type="body" idx="1"/>
           </p:nvPr>
         </p:nvSpPr>
         <p:spPr>
@@ -7172,12 +7390,12 @@
           </a:prstGeom>
         </p:spPr>
         <p:txBody>
-          <a:bodyPr anchorCtr="0" anchor="t" bIns="91425" lIns="91425" spcFirstLastPara="1" rIns="91425" wrap="square" tIns="91425">
+          <a:bodyPr spcFirstLastPara="1" wrap="square" lIns="91425" tIns="91425" rIns="91425" bIns="91425" anchor="t" anchorCtr="0">
             <a:noAutofit/>
           </a:bodyPr>
           <a:lstStyle/>
           <a:p>
-            <a:pPr indent="-368300" lvl="0" marL="457200" rtl="0" algn="l">
+            <a:pPr marL="457200" lvl="0" indent="-368300" algn="l" rtl="0">
               <a:spcBef>
                 <a:spcPts val="0"/>
               </a:spcBef>
@@ -7196,23 +7414,7 @@
                   <a:srgbClr val="000000"/>
                 </a:solidFill>
               </a:rPr>
-              <a:t>Integración con la conexión a internet </a:t>
-            </a:r>
-            <a:r>
-              <a:rPr lang="es-419" sz="2200">
-                <a:solidFill>
-                  <a:srgbClr val="000000"/>
-                </a:solidFill>
-              </a:rPr>
-              <a:t>facilitará</a:t>
-            </a:r>
-            <a:r>
-              <a:rPr lang="es-419" sz="2200">
-                <a:solidFill>
-                  <a:srgbClr val="000000"/>
-                </a:solidFill>
-              </a:rPr>
-              <a:t> el manejo de la empresa.</a:t>
+              <a:t>Integración con la conexión a internet facilitará el manejo de la empresa.</a:t>
             </a:r>
             <a:endParaRPr sz="2200">
               <a:solidFill>
@@ -7221,7 +7423,7 @@
             </a:endParaRPr>
           </a:p>
           <a:p>
-            <a:pPr indent="-368300" lvl="0" marL="457200" rtl="0" algn="l">
+            <a:pPr marL="457200" lvl="0" indent="-368300" algn="l" rtl="0">
               <a:spcBef>
                 <a:spcPts val="0"/>
               </a:spcBef>
@@ -7240,23 +7442,7 @@
                   <a:srgbClr val="000000"/>
                 </a:solidFill>
               </a:rPr>
-              <a:t>Comunicación entre </a:t>
-            </a:r>
-            <a:r>
-              <a:rPr lang="es-419" sz="2200">
-                <a:solidFill>
-                  <a:srgbClr val="000000"/>
-                </a:solidFill>
-              </a:rPr>
-              <a:t>teléfonos</a:t>
-            </a:r>
-            <a:r>
-              <a:rPr lang="es-419" sz="2200">
-                <a:solidFill>
-                  <a:srgbClr val="000000"/>
-                </a:solidFill>
-              </a:rPr>
-              <a:t> es gratis.</a:t>
+              <a:t>Comunicación entre teléfonos es gratis.</a:t>
             </a:r>
             <a:endParaRPr sz="2200">
               <a:solidFill>
@@ -7265,7 +7451,7 @@
             </a:endParaRPr>
           </a:p>
           <a:p>
-            <a:pPr indent="-368300" lvl="0" marL="457200" rtl="0" algn="l">
+            <a:pPr marL="457200" lvl="0" indent="-368300" algn="l" rtl="0">
               <a:spcBef>
                 <a:spcPts val="0"/>
               </a:spcBef>
@@ -7293,7 +7479,7 @@
             </a:endParaRPr>
           </a:p>
           <a:p>
-            <a:pPr indent="-368300" lvl="0" marL="457200" rtl="0" algn="l">
+            <a:pPr marL="457200" lvl="0" indent="-368300" algn="l" rtl="0">
               <a:spcBef>
                 <a:spcPts val="0"/>
               </a:spcBef>
@@ -7321,7 +7507,7 @@
             </a:endParaRPr>
           </a:p>
           <a:p>
-            <a:pPr indent="-368300" lvl="0" marL="457200" rtl="0" algn="l">
+            <a:pPr marL="457200" lvl="0" indent="-368300" algn="l" rtl="0">
               <a:spcBef>
                 <a:spcPts val="0"/>
               </a:spcBef>
@@ -7378,6 +7564,42 @@
           </a:ln>
         </p:spPr>
       </p:pic>
+      <p:pic>
+        <p:nvPicPr>
+          <p:cNvPr id="5" name="Imagen 4">
+            <a:extLst>
+              <a:ext uri="{FF2B5EF4-FFF2-40B4-BE49-F238E27FC236}">
+                <a16:creationId xmlns:a16="http://schemas.microsoft.com/office/drawing/2014/main" id="{C59858AC-D942-444E-A702-CA8F89EA01CB}"/>
+              </a:ext>
+            </a:extLst>
+          </p:cNvPr>
+          <p:cNvPicPr>
+            <a:picLocks noChangeAspect="1"/>
+          </p:cNvPicPr>
+          <p:nvPr/>
+        </p:nvPicPr>
+        <p:blipFill>
+          <a:blip r:embed="rId4">
+            <a:extLst>
+              <a:ext uri="{28A0092B-C50C-407E-A947-70E740481C1C}">
+                <a14:useLocalDpi xmlns:a14="http://schemas.microsoft.com/office/drawing/2010/main" val="0"/>
+              </a:ext>
+            </a:extLst>
+          </a:blip>
+          <a:stretch>
+            <a:fillRect/>
+          </a:stretch>
+        </p:blipFill>
+        <p:spPr>
+          <a:xfrm>
+            <a:off x="7145154" y="0"/>
+            <a:ext cx="1998846" cy="655872"/>
+          </a:xfrm>
+          <a:prstGeom prst="rect">
+            <a:avLst/>
+          </a:prstGeom>
+        </p:spPr>
+      </p:pic>
     </p:spTree>
   </p:cSld>
   <p:clrMapOvr>
@@ -7387,11 +7609,11 @@
 </file>
 
 <file path=ppt/slides/slide4.xml><?xml version="1.0" encoding="utf-8"?>
-<p:sld xmlns:a="http://schemas.openxmlformats.org/drawingml/2006/main" xmlns:r="http://schemas.openxmlformats.org/officeDocument/2006/relationships" xmlns:mc="http://schemas.openxmlformats.org/markup-compatibility/2006" xmlns:mv="urn:schemas-microsoft-com:mac:vml" xmlns:p="http://schemas.openxmlformats.org/presentationml/2006/main" xmlns:c="http://schemas.openxmlformats.org/drawingml/2006/chart" xmlns:dgm="http://schemas.openxmlformats.org/drawingml/2006/diagram" xmlns:o="urn:schemas-microsoft-com:office:office" xmlns:v="urn:schemas-microsoft-com:vml" xmlns:pvml="urn:schemas-microsoft-com:office:powerpoint" xmlns:com="http://schemas.openxmlformats.org/drawingml/2006/compatibility" xmlns:p14="http://schemas.microsoft.com/office/powerpoint/2010/main" xmlns:p15="http://schemas.microsoft.com/office/powerpoint/2012/main">
+<p:sld xmlns:a="http://schemas.openxmlformats.org/drawingml/2006/main" xmlns:r="http://schemas.openxmlformats.org/officeDocument/2006/relationships" xmlns:p="http://schemas.openxmlformats.org/presentationml/2006/main">
   <p:cSld>
     <p:spTree>
       <p:nvGrpSpPr>
-        <p:cNvPr id="77" name="Shape 77"/>
+        <p:cNvPr id="1" name="Shape 77"/>
         <p:cNvGrpSpPr/>
         <p:nvPr/>
       </p:nvGrpSpPr>
@@ -7406,7 +7628,9 @@
       <p:sp>
         <p:nvSpPr>
           <p:cNvPr id="78" name="Google Shape;78;p16"/>
-          <p:cNvSpPr txBox="1"/>
+          <p:cNvSpPr txBox="1">
+            <a:spLocks noGrp="1"/>
+          </p:cNvSpPr>
           <p:nvPr>
             <p:ph type="title"/>
           </p:nvPr>
@@ -7421,12 +7645,12 @@
           </a:prstGeom>
         </p:spPr>
         <p:txBody>
-          <a:bodyPr anchorCtr="0" anchor="t" bIns="91425" lIns="91425" spcFirstLastPara="1" rIns="91425" wrap="square" tIns="91425">
+          <a:bodyPr spcFirstLastPara="1" wrap="square" lIns="91425" tIns="91425" rIns="91425" bIns="91425" anchor="t" anchorCtr="0">
             <a:noAutofit/>
           </a:bodyPr>
           <a:lstStyle/>
           <a:p>
-            <a:pPr indent="0" lvl="0" marL="0" rtl="0" algn="l">
+            <a:pPr marL="0" lvl="0" indent="0" algn="l" rtl="0">
               <a:spcBef>
                 <a:spcPts val="0"/>
               </a:spcBef>
@@ -7456,9 +7680,11 @@
       <p:sp>
         <p:nvSpPr>
           <p:cNvPr id="79" name="Google Shape;79;p16"/>
-          <p:cNvSpPr txBox="1"/>
+          <p:cNvSpPr txBox="1">
+            <a:spLocks noGrp="1"/>
+          </p:cNvSpPr>
           <p:nvPr>
-            <p:ph idx="1" type="body"/>
+            <p:ph type="body" idx="1"/>
           </p:nvPr>
         </p:nvSpPr>
         <p:spPr>
@@ -7471,12 +7697,12 @@
           </a:prstGeom>
         </p:spPr>
         <p:txBody>
-          <a:bodyPr anchorCtr="0" anchor="t" bIns="91425" lIns="91425" spcFirstLastPara="1" rIns="91425" wrap="square" tIns="91425">
+          <a:bodyPr spcFirstLastPara="1" wrap="square" lIns="91425" tIns="91425" rIns="91425" bIns="91425" anchor="t" anchorCtr="0">
             <a:noAutofit/>
           </a:bodyPr>
           <a:lstStyle/>
           <a:p>
-            <a:pPr indent="-342900" lvl="0" marL="457200" rtl="0" algn="l">
+            <a:pPr marL="457200" lvl="0" indent="-342900" algn="l" rtl="0">
               <a:spcBef>
                 <a:spcPts val="0"/>
               </a:spcBef>
@@ -7504,7 +7730,7 @@
             </a:endParaRPr>
           </a:p>
           <a:p>
-            <a:pPr indent="-342900" lvl="0" marL="457200" rtl="0" algn="l">
+            <a:pPr marL="457200" lvl="0" indent="-342900" algn="l" rtl="0">
               <a:spcBef>
                 <a:spcPts val="0"/>
               </a:spcBef>
@@ -7532,7 +7758,7 @@
             </a:endParaRPr>
           </a:p>
           <a:p>
-            <a:pPr indent="-342900" lvl="0" marL="457200" rtl="0" algn="l">
+            <a:pPr marL="457200" lvl="0" indent="-342900" algn="l" rtl="0">
               <a:spcBef>
                 <a:spcPts val="0"/>
               </a:spcBef>
@@ -7560,7 +7786,7 @@
             </a:endParaRPr>
           </a:p>
           <a:p>
-            <a:pPr indent="-342900" lvl="0" marL="457200" rtl="0" algn="l">
+            <a:pPr marL="457200" lvl="0" indent="-342900" algn="l" rtl="0">
               <a:spcBef>
                 <a:spcPts val="0"/>
               </a:spcBef>
@@ -7617,6 +7843,42 @@
           </a:ln>
         </p:spPr>
       </p:pic>
+      <p:pic>
+        <p:nvPicPr>
+          <p:cNvPr id="5" name="Imagen 4">
+            <a:extLst>
+              <a:ext uri="{FF2B5EF4-FFF2-40B4-BE49-F238E27FC236}">
+                <a16:creationId xmlns:a16="http://schemas.microsoft.com/office/drawing/2014/main" id="{6D9245F1-70E4-4CF9-9724-7A59A30A2F46}"/>
+              </a:ext>
+            </a:extLst>
+          </p:cNvPr>
+          <p:cNvPicPr>
+            <a:picLocks noChangeAspect="1"/>
+          </p:cNvPicPr>
+          <p:nvPr/>
+        </p:nvPicPr>
+        <p:blipFill>
+          <a:blip r:embed="rId4">
+            <a:extLst>
+              <a:ext uri="{28A0092B-C50C-407E-A947-70E740481C1C}">
+                <a14:useLocalDpi xmlns:a14="http://schemas.microsoft.com/office/drawing/2010/main" val="0"/>
+              </a:ext>
+            </a:extLst>
+          </a:blip>
+          <a:stretch>
+            <a:fillRect/>
+          </a:stretch>
+        </p:blipFill>
+        <p:spPr>
+          <a:xfrm>
+            <a:off x="7145154" y="0"/>
+            <a:ext cx="1998846" cy="655872"/>
+          </a:xfrm>
+          <a:prstGeom prst="rect">
+            <a:avLst/>
+          </a:prstGeom>
+        </p:spPr>
+      </p:pic>
     </p:spTree>
   </p:cSld>
   <p:clrMapOvr>
@@ -7626,11 +7888,11 @@
 </file>
 
 <file path=ppt/slides/slide5.xml><?xml version="1.0" encoding="utf-8"?>
-<p:sld xmlns:a="http://schemas.openxmlformats.org/drawingml/2006/main" xmlns:r="http://schemas.openxmlformats.org/officeDocument/2006/relationships" xmlns:mc="http://schemas.openxmlformats.org/markup-compatibility/2006" xmlns:mv="urn:schemas-microsoft-com:mac:vml" xmlns:p="http://schemas.openxmlformats.org/presentationml/2006/main" xmlns:c="http://schemas.openxmlformats.org/drawingml/2006/chart" xmlns:dgm="http://schemas.openxmlformats.org/drawingml/2006/diagram" xmlns:o="urn:schemas-microsoft-com:office:office" xmlns:v="urn:schemas-microsoft-com:vml" xmlns:pvml="urn:schemas-microsoft-com:office:powerpoint" xmlns:com="http://schemas.openxmlformats.org/drawingml/2006/compatibility" xmlns:p14="http://schemas.microsoft.com/office/powerpoint/2010/main" xmlns:p15="http://schemas.microsoft.com/office/powerpoint/2012/main">
+<p:sld xmlns:a="http://schemas.openxmlformats.org/drawingml/2006/main" xmlns:r="http://schemas.openxmlformats.org/officeDocument/2006/relationships" xmlns:p="http://schemas.openxmlformats.org/presentationml/2006/main">
   <p:cSld>
     <p:spTree>
       <p:nvGrpSpPr>
-        <p:cNvPr id="84" name="Shape 84"/>
+        <p:cNvPr id="1" name="Shape 84"/>
         <p:cNvGrpSpPr/>
         <p:nvPr/>
       </p:nvGrpSpPr>
@@ -7645,7 +7907,9 @@
       <p:sp>
         <p:nvSpPr>
           <p:cNvPr id="85" name="Google Shape;85;p17"/>
-          <p:cNvSpPr txBox="1"/>
+          <p:cNvSpPr txBox="1">
+            <a:spLocks noGrp="1"/>
+          </p:cNvSpPr>
           <p:nvPr>
             <p:ph type="title"/>
           </p:nvPr>
@@ -7660,12 +7924,12 @@
           </a:prstGeom>
         </p:spPr>
         <p:txBody>
-          <a:bodyPr anchorCtr="0" anchor="t" bIns="91425" lIns="91425" spcFirstLastPara="1" rIns="91425" wrap="square" tIns="91425">
+          <a:bodyPr spcFirstLastPara="1" wrap="square" lIns="91425" tIns="91425" rIns="91425" bIns="91425" anchor="t" anchorCtr="0">
             <a:noAutofit/>
           </a:bodyPr>
           <a:lstStyle/>
           <a:p>
-            <a:pPr indent="0" lvl="0" marL="0" rtl="0" algn="l">
+            <a:pPr marL="0" lvl="0" indent="0" algn="l" rtl="0">
               <a:spcBef>
                 <a:spcPts val="0"/>
               </a:spcBef>
@@ -7695,9 +7959,11 @@
       <p:sp>
         <p:nvSpPr>
           <p:cNvPr id="86" name="Google Shape;86;p17"/>
-          <p:cNvSpPr txBox="1"/>
+          <p:cNvSpPr txBox="1">
+            <a:spLocks noGrp="1"/>
+          </p:cNvSpPr>
           <p:nvPr>
-            <p:ph idx="1" type="body"/>
+            <p:ph type="body" idx="1"/>
           </p:nvPr>
         </p:nvSpPr>
         <p:spPr>
@@ -7710,12 +7976,12 @@
           </a:prstGeom>
         </p:spPr>
         <p:txBody>
-          <a:bodyPr anchorCtr="0" anchor="t" bIns="91425" lIns="91425" spcFirstLastPara="1" rIns="91425" wrap="square" tIns="91425">
+          <a:bodyPr spcFirstLastPara="1" wrap="square" lIns="91425" tIns="91425" rIns="91425" bIns="91425" anchor="t" anchorCtr="0">
             <a:noAutofit/>
           </a:bodyPr>
           <a:lstStyle/>
           <a:p>
-            <a:pPr indent="-368300" lvl="0" marL="457200" rtl="0" algn="l">
+            <a:pPr marL="457200" lvl="0" indent="-368300" algn="l" rtl="0">
               <a:spcBef>
                 <a:spcPts val="0"/>
               </a:spcBef>
@@ -7743,7 +8009,7 @@
             </a:endParaRPr>
           </a:p>
           <a:p>
-            <a:pPr indent="-368300" lvl="0" marL="457200" rtl="0" algn="l">
+            <a:pPr marL="457200" lvl="0" indent="-368300" algn="l" rtl="0">
               <a:spcBef>
                 <a:spcPts val="0"/>
               </a:spcBef>
@@ -7771,7 +8037,7 @@
             </a:endParaRPr>
           </a:p>
           <a:p>
-            <a:pPr indent="-368300" lvl="0" marL="457200" rtl="0" algn="l">
+            <a:pPr marL="457200" lvl="0" indent="-368300" algn="l" rtl="0">
               <a:spcBef>
                 <a:spcPts val="0"/>
               </a:spcBef>
@@ -7799,7 +8065,7 @@
             </a:endParaRPr>
           </a:p>
           <a:p>
-            <a:pPr indent="-368300" lvl="0" marL="457200" rtl="0" algn="l">
+            <a:pPr marL="457200" lvl="0" indent="-368300" algn="l" rtl="0">
               <a:spcBef>
                 <a:spcPts val="0"/>
               </a:spcBef>
@@ -7827,7 +8093,7 @@
             </a:endParaRPr>
           </a:p>
           <a:p>
-            <a:pPr indent="-368300" lvl="0" marL="457200" rtl="0" algn="l">
+            <a:pPr marL="457200" lvl="0" indent="-368300" algn="l" rtl="0">
               <a:spcBef>
                 <a:spcPts val="0"/>
               </a:spcBef>
@@ -7855,7 +8121,7 @@
             </a:endParaRPr>
           </a:p>
           <a:p>
-            <a:pPr indent="0" lvl="0" marL="457200" rtl="0" algn="l">
+            <a:pPr marL="457200" lvl="0" indent="0" algn="l" rtl="0">
               <a:spcBef>
                 <a:spcPts val="1600"/>
               </a:spcBef>
@@ -7864,9 +8130,6 @@
               </a:spcAft>
               <a:buNone/>
             </a:pPr>
-            <a:r>
-              <a:t/>
-            </a:r>
             <a:endParaRPr sz="2200">
               <a:solidFill>
                 <a:srgbClr val="000000"/>
@@ -7903,6 +8166,42 @@
           </a:ln>
         </p:spPr>
       </p:pic>
+      <p:pic>
+        <p:nvPicPr>
+          <p:cNvPr id="5" name="Imagen 4">
+            <a:extLst>
+              <a:ext uri="{FF2B5EF4-FFF2-40B4-BE49-F238E27FC236}">
+                <a16:creationId xmlns:a16="http://schemas.microsoft.com/office/drawing/2014/main" id="{72D77E20-984D-40D0-B0AF-0EBFC886A62E}"/>
+              </a:ext>
+            </a:extLst>
+          </p:cNvPr>
+          <p:cNvPicPr>
+            <a:picLocks noChangeAspect="1"/>
+          </p:cNvPicPr>
+          <p:nvPr/>
+        </p:nvPicPr>
+        <p:blipFill>
+          <a:blip r:embed="rId4">
+            <a:extLst>
+              <a:ext uri="{28A0092B-C50C-407E-A947-70E740481C1C}">
+                <a14:useLocalDpi xmlns:a14="http://schemas.microsoft.com/office/drawing/2010/main" val="0"/>
+              </a:ext>
+            </a:extLst>
+          </a:blip>
+          <a:stretch>
+            <a:fillRect/>
+          </a:stretch>
+        </p:blipFill>
+        <p:spPr>
+          <a:xfrm>
+            <a:off x="7145154" y="0"/>
+            <a:ext cx="1998846" cy="655872"/>
+          </a:xfrm>
+          <a:prstGeom prst="rect">
+            <a:avLst/>
+          </a:prstGeom>
+        </p:spPr>
+      </p:pic>
     </p:spTree>
   </p:cSld>
   <p:clrMapOvr>
@@ -7912,11 +8211,11 @@
 </file>
 
 <file path=ppt/slides/slide6.xml><?xml version="1.0" encoding="utf-8"?>
-<p:sld xmlns:a="http://schemas.openxmlformats.org/drawingml/2006/main" xmlns:r="http://schemas.openxmlformats.org/officeDocument/2006/relationships" xmlns:mc="http://schemas.openxmlformats.org/markup-compatibility/2006" xmlns:mv="urn:schemas-microsoft-com:mac:vml" xmlns:p="http://schemas.openxmlformats.org/presentationml/2006/main" xmlns:c="http://schemas.openxmlformats.org/drawingml/2006/chart" xmlns:dgm="http://schemas.openxmlformats.org/drawingml/2006/diagram" xmlns:o="urn:schemas-microsoft-com:office:office" xmlns:v="urn:schemas-microsoft-com:vml" xmlns:pvml="urn:schemas-microsoft-com:office:powerpoint" xmlns:com="http://schemas.openxmlformats.org/drawingml/2006/compatibility" xmlns:p14="http://schemas.microsoft.com/office/powerpoint/2010/main" xmlns:p15="http://schemas.microsoft.com/office/powerpoint/2012/main">
+<p:sld xmlns:a="http://schemas.openxmlformats.org/drawingml/2006/main" xmlns:r="http://schemas.openxmlformats.org/officeDocument/2006/relationships" xmlns:p="http://schemas.openxmlformats.org/presentationml/2006/main">
   <p:cSld>
     <p:spTree>
       <p:nvGrpSpPr>
-        <p:cNvPr id="91" name="Shape 91"/>
+        <p:cNvPr id="1" name="Shape 91"/>
         <p:cNvGrpSpPr/>
         <p:nvPr/>
       </p:nvGrpSpPr>
@@ -7931,7 +8230,9 @@
       <p:sp>
         <p:nvSpPr>
           <p:cNvPr id="92" name="Google Shape;92;p18"/>
-          <p:cNvSpPr txBox="1"/>
+          <p:cNvSpPr txBox="1">
+            <a:spLocks noGrp="1"/>
+          </p:cNvSpPr>
           <p:nvPr>
             <p:ph type="title"/>
           </p:nvPr>
@@ -7946,12 +8247,12 @@
           </a:prstGeom>
         </p:spPr>
         <p:txBody>
-          <a:bodyPr anchorCtr="0" anchor="t" bIns="91425" lIns="91425" spcFirstLastPara="1" rIns="91425" wrap="square" tIns="91425">
+          <a:bodyPr spcFirstLastPara="1" wrap="square" lIns="91425" tIns="91425" rIns="91425" bIns="91425" anchor="t" anchorCtr="0">
             <a:noAutofit/>
           </a:bodyPr>
           <a:lstStyle/>
           <a:p>
-            <a:pPr indent="0" lvl="0" marL="0" rtl="0" algn="l">
+            <a:pPr marL="0" lvl="0" indent="0" algn="l" rtl="0">
               <a:spcBef>
                 <a:spcPts val="0"/>
               </a:spcBef>
@@ -7981,9 +8282,11 @@
       <p:sp>
         <p:nvSpPr>
           <p:cNvPr id="93" name="Google Shape;93;p18"/>
-          <p:cNvSpPr txBox="1"/>
+          <p:cNvSpPr txBox="1">
+            <a:spLocks noGrp="1"/>
+          </p:cNvSpPr>
           <p:nvPr>
-            <p:ph idx="1" type="body"/>
+            <p:ph type="body" idx="1"/>
           </p:nvPr>
         </p:nvSpPr>
         <p:spPr>
@@ -7996,12 +8299,12 @@
           </a:prstGeom>
         </p:spPr>
         <p:txBody>
-          <a:bodyPr anchorCtr="0" anchor="t" bIns="91425" lIns="91425" spcFirstLastPara="1" rIns="91425" wrap="square" tIns="91425">
+          <a:bodyPr spcFirstLastPara="1" wrap="square" lIns="91425" tIns="91425" rIns="91425" bIns="91425" anchor="t" anchorCtr="0">
             <a:noAutofit/>
           </a:bodyPr>
           <a:lstStyle/>
           <a:p>
-            <a:pPr indent="-355600" lvl="0" marL="457200" rtl="0" algn="l">
+            <a:pPr marL="457200" lvl="0" indent="-355600" algn="l" rtl="0">
               <a:spcBef>
                 <a:spcPts val="0"/>
               </a:spcBef>
@@ -8058,6 +8361,42 @@
           </a:ln>
         </p:spPr>
       </p:pic>
+      <p:pic>
+        <p:nvPicPr>
+          <p:cNvPr id="5" name="Imagen 4">
+            <a:extLst>
+              <a:ext uri="{FF2B5EF4-FFF2-40B4-BE49-F238E27FC236}">
+                <a16:creationId xmlns:a16="http://schemas.microsoft.com/office/drawing/2014/main" id="{7A57B98E-2941-41BB-9ACA-CAC53EF58A35}"/>
+              </a:ext>
+            </a:extLst>
+          </p:cNvPr>
+          <p:cNvPicPr>
+            <a:picLocks noChangeAspect="1"/>
+          </p:cNvPicPr>
+          <p:nvPr/>
+        </p:nvPicPr>
+        <p:blipFill>
+          <a:blip r:embed="rId4">
+            <a:extLst>
+              <a:ext uri="{28A0092B-C50C-407E-A947-70E740481C1C}">
+                <a14:useLocalDpi xmlns:a14="http://schemas.microsoft.com/office/drawing/2010/main" val="0"/>
+              </a:ext>
+            </a:extLst>
+          </a:blip>
+          <a:stretch>
+            <a:fillRect/>
+          </a:stretch>
+        </p:blipFill>
+        <p:spPr>
+          <a:xfrm>
+            <a:off x="7145154" y="0"/>
+            <a:ext cx="1998846" cy="655872"/>
+          </a:xfrm>
+          <a:prstGeom prst="rect">
+            <a:avLst/>
+          </a:prstGeom>
+        </p:spPr>
+      </p:pic>
     </p:spTree>
   </p:cSld>
   <p:clrMapOvr>
@@ -8067,7 +8406,7 @@
 </file>
 
 <file path=ppt/theme/theme1.xml><?xml version="1.0" encoding="utf-8"?>
-<a:theme xmlns:a="http://schemas.openxmlformats.org/drawingml/2006/main" xmlns:r="http://schemas.openxmlformats.org/officeDocument/2006/relationships" name="Spearmint">
+<a:theme xmlns:a="http://schemas.openxmlformats.org/drawingml/2006/main" name="Spearmint">
   <a:themeElements>
     <a:clrScheme name="Spearmint">
       <a:dk1>
@@ -8342,11 +8681,13 @@
       </a:bgFillStyleLst>
     </a:fmtScheme>
   </a:themeElements>
+  <a:objectDefaults/>
+  <a:extraClrSchemeLst/>
 </a:theme>
 </file>
 
 <file path=ppt/theme/theme2.xml><?xml version="1.0" encoding="utf-8"?>
-<a:theme xmlns:a="http://schemas.openxmlformats.org/drawingml/2006/main" xmlns:r="http://schemas.openxmlformats.org/officeDocument/2006/relationships">
+<a:theme xmlns:a="http://schemas.openxmlformats.org/drawingml/2006/main">
   <a:themeElements>
     <a:clrScheme name="Default">
       <a:dk1>
@@ -8621,5 +8962,7 @@
       </a:bgFillStyleLst>
     </a:fmtScheme>
   </a:themeElements>
+  <a:objectDefaults/>
+  <a:extraClrSchemeLst/>
 </a:theme>
 </file>